--- a/Figures & Presentables/Var Imps.pptx
+++ b/Figures & Presentables/Var Imps.pptx
@@ -22,6 +22,10 @@
     <p:sldId id="270" r:id="rId16"/>
     <p:sldId id="271" r:id="rId17"/>
     <p:sldId id="272" r:id="rId18"/>
+    <p:sldId id="273" r:id="rId19"/>
+    <p:sldId id="274" r:id="rId20"/>
+    <p:sldId id="275" r:id="rId21"/>
+    <p:sldId id="276" r:id="rId22"/>
   </p:sldIdLst>
   <p:sldSz cx="12192000" cy="6858000"/>
   <p:notesSz cx="6858000" cy="9144000"/>
@@ -120,6 +124,11 @@
       </a:defRPr>
     </a:lvl9pPr>
   </p:defaultTextStyle>
+  <p:extLst>
+    <p:ext uri="{EFAFB233-063F-42B5-8137-9DF3F51BA10A}">
+      <p15:sldGuideLst xmlns:p15="http://schemas.microsoft.com/office/powerpoint/2012/main"/>
+    </p:ext>
+  </p:extLst>
 </p:presentation>
 </file>
 
@@ -270,7 +279,7 @@
           <a:p>
             <a:fld id="{6358D427-3670-054E-A838-76527FAF7CBE}" type="datetimeFigureOut">
               <a:rPr lang="en-GB" smtClean="0"/>
-              <a:t>06/03/2025</a:t>
+              <a:t>07/03/2025</a:t>
             </a:fld>
             <a:endParaRPr lang="en-GB"/>
           </a:p>
@@ -468,7 +477,7 @@
           <a:p>
             <a:fld id="{6358D427-3670-054E-A838-76527FAF7CBE}" type="datetimeFigureOut">
               <a:rPr lang="en-GB" smtClean="0"/>
-              <a:t>06/03/2025</a:t>
+              <a:t>07/03/2025</a:t>
             </a:fld>
             <a:endParaRPr lang="en-GB"/>
           </a:p>
@@ -676,7 +685,7 @@
           <a:p>
             <a:fld id="{6358D427-3670-054E-A838-76527FAF7CBE}" type="datetimeFigureOut">
               <a:rPr lang="en-GB" smtClean="0"/>
-              <a:t>06/03/2025</a:t>
+              <a:t>07/03/2025</a:t>
             </a:fld>
             <a:endParaRPr lang="en-GB"/>
           </a:p>
@@ -874,7 +883,7 @@
           <a:p>
             <a:fld id="{6358D427-3670-054E-A838-76527FAF7CBE}" type="datetimeFigureOut">
               <a:rPr lang="en-GB" smtClean="0"/>
-              <a:t>06/03/2025</a:t>
+              <a:t>07/03/2025</a:t>
             </a:fld>
             <a:endParaRPr lang="en-GB"/>
           </a:p>
@@ -1149,7 +1158,7 @@
           <a:p>
             <a:fld id="{6358D427-3670-054E-A838-76527FAF7CBE}" type="datetimeFigureOut">
               <a:rPr lang="en-GB" smtClean="0"/>
-              <a:t>06/03/2025</a:t>
+              <a:t>07/03/2025</a:t>
             </a:fld>
             <a:endParaRPr lang="en-GB"/>
           </a:p>
@@ -1414,7 +1423,7 @@
           <a:p>
             <a:fld id="{6358D427-3670-054E-A838-76527FAF7CBE}" type="datetimeFigureOut">
               <a:rPr lang="en-GB" smtClean="0"/>
-              <a:t>06/03/2025</a:t>
+              <a:t>07/03/2025</a:t>
             </a:fld>
             <a:endParaRPr lang="en-GB"/>
           </a:p>
@@ -1826,7 +1835,7 @@
           <a:p>
             <a:fld id="{6358D427-3670-054E-A838-76527FAF7CBE}" type="datetimeFigureOut">
               <a:rPr lang="en-GB" smtClean="0"/>
-              <a:t>06/03/2025</a:t>
+              <a:t>07/03/2025</a:t>
             </a:fld>
             <a:endParaRPr lang="en-GB"/>
           </a:p>
@@ -1967,7 +1976,7 @@
           <a:p>
             <a:fld id="{6358D427-3670-054E-A838-76527FAF7CBE}" type="datetimeFigureOut">
               <a:rPr lang="en-GB" smtClean="0"/>
-              <a:t>06/03/2025</a:t>
+              <a:t>07/03/2025</a:t>
             </a:fld>
             <a:endParaRPr lang="en-GB"/>
           </a:p>
@@ -2080,7 +2089,7 @@
           <a:p>
             <a:fld id="{6358D427-3670-054E-A838-76527FAF7CBE}" type="datetimeFigureOut">
               <a:rPr lang="en-GB" smtClean="0"/>
-              <a:t>06/03/2025</a:t>
+              <a:t>07/03/2025</a:t>
             </a:fld>
             <a:endParaRPr lang="en-GB"/>
           </a:p>
@@ -2391,7 +2400,7 @@
           <a:p>
             <a:fld id="{6358D427-3670-054E-A838-76527FAF7CBE}" type="datetimeFigureOut">
               <a:rPr lang="en-GB" smtClean="0"/>
-              <a:t>06/03/2025</a:t>
+              <a:t>07/03/2025</a:t>
             </a:fld>
             <a:endParaRPr lang="en-GB"/>
           </a:p>
@@ -2679,7 +2688,7 @@
           <a:p>
             <a:fld id="{6358D427-3670-054E-A838-76527FAF7CBE}" type="datetimeFigureOut">
               <a:rPr lang="en-GB" smtClean="0"/>
-              <a:t>06/03/2025</a:t>
+              <a:t>07/03/2025</a:t>
             </a:fld>
             <a:endParaRPr lang="en-GB"/>
           </a:p>
@@ -2920,7 +2929,7 @@
           <a:p>
             <a:fld id="{6358D427-3670-054E-A838-76527FAF7CBE}" type="datetimeFigureOut">
               <a:rPr lang="en-GB" smtClean="0"/>
-              <a:t>06/03/2025</a:t>
+              <a:t>07/03/2025</a:t>
             </a:fld>
             <a:endParaRPr lang="en-GB"/>
           </a:p>
@@ -3493,7 +3502,7 @@
             </a:extLst>
           </p:cNvPr>
           <p:cNvPicPr>
-            <a:picLocks noChangeAspect="1"/>
+            <a:picLocks noGrp="1" noRot="1" noChangeAspect="1" noMove="1" noResize="1" noEditPoints="1" noAdjustHandles="1" noChangeArrowheads="1" noChangeShapeType="1" noCrop="1"/>
           </p:cNvPicPr>
           <p:nvPr/>
         </p:nvPicPr>
@@ -3507,6 +3516,366 @@
           <a:xfrm>
             <a:off x="0" y="0"/>
             <a:ext cx="10978296" cy="6858000"/>
+          </a:xfrm>
+          <a:prstGeom prst="rect">
+            <a:avLst/>
+          </a:prstGeom>
+        </p:spPr>
+      </p:pic>
+      <p:pic>
+        <p:nvPicPr>
+          <p:cNvPr id="4" name="Graphic 3" descr="Duck outline">
+            <a:extLst>
+              <a:ext uri="{FF2B5EF4-FFF2-40B4-BE49-F238E27FC236}">
+                <a16:creationId xmlns:a16="http://schemas.microsoft.com/office/drawing/2014/main" id="{4DA8A5AC-7934-2907-C38D-1DC41B66AB23}"/>
+              </a:ext>
+            </a:extLst>
+          </p:cNvPr>
+          <p:cNvPicPr>
+            <a:picLocks noChangeAspect="1"/>
+          </p:cNvPicPr>
+          <p:nvPr/>
+        </p:nvPicPr>
+        <p:blipFill>
+          <a:blip r:embed="rId3">
+            <a:extLst>
+              <a:ext uri="{96DAC541-7B7A-43D3-8B79-37D633B846F1}">
+                <asvg:svgBlip xmlns:asvg="http://schemas.microsoft.com/office/drawing/2016/SVG/main" r:embed="rId4"/>
+              </a:ext>
+            </a:extLst>
+          </a:blip>
+          <a:stretch>
+            <a:fillRect/>
+          </a:stretch>
+        </p:blipFill>
+        <p:spPr>
+          <a:xfrm>
+            <a:off x="8889065" y="593203"/>
+            <a:ext cx="656279" cy="656279"/>
+          </a:xfrm>
+          <a:prstGeom prst="rect">
+            <a:avLst/>
+          </a:prstGeom>
+        </p:spPr>
+      </p:pic>
+      <p:pic>
+        <p:nvPicPr>
+          <p:cNvPr id="7" name="Graphic 6" descr="User with solid fill">
+            <a:extLst>
+              <a:ext uri="{FF2B5EF4-FFF2-40B4-BE49-F238E27FC236}">
+                <a16:creationId xmlns:a16="http://schemas.microsoft.com/office/drawing/2014/main" id="{4503A17F-4BF0-95CD-BEEB-D4AE173DBB15}"/>
+              </a:ext>
+            </a:extLst>
+          </p:cNvPr>
+          <p:cNvPicPr>
+            <a:picLocks noChangeAspect="1"/>
+          </p:cNvPicPr>
+          <p:nvPr/>
+        </p:nvPicPr>
+        <p:blipFill>
+          <a:blip r:embed="rId5">
+            <a:extLst>
+              <a:ext uri="{96DAC541-7B7A-43D3-8B79-37D633B846F1}">
+                <asvg:svgBlip xmlns:asvg="http://schemas.microsoft.com/office/drawing/2016/SVG/main" r:embed="rId6"/>
+              </a:ext>
+            </a:extLst>
+          </a:blip>
+          <a:stretch>
+            <a:fillRect/>
+          </a:stretch>
+        </p:blipFill>
+        <p:spPr>
+          <a:xfrm>
+            <a:off x="9178539" y="2441137"/>
+            <a:ext cx="656279" cy="656279"/>
+          </a:xfrm>
+          <a:prstGeom prst="rect">
+            <a:avLst/>
+          </a:prstGeom>
+        </p:spPr>
+      </p:pic>
+      <p:pic>
+        <p:nvPicPr>
+          <p:cNvPr id="10" name="Graphic 9" descr="Dog outline">
+            <a:extLst>
+              <a:ext uri="{FF2B5EF4-FFF2-40B4-BE49-F238E27FC236}">
+                <a16:creationId xmlns:a16="http://schemas.microsoft.com/office/drawing/2014/main" id="{B7EADBAB-CCE3-FFD0-31F9-DD263FB7840B}"/>
+              </a:ext>
+            </a:extLst>
+          </p:cNvPr>
+          <p:cNvPicPr>
+            <a:picLocks noChangeAspect="1"/>
+          </p:cNvPicPr>
+          <p:nvPr/>
+        </p:nvPicPr>
+        <p:blipFill>
+          <a:blip r:embed="rId7">
+            <a:extLst>
+              <a:ext uri="{96DAC541-7B7A-43D3-8B79-37D633B846F1}">
+                <asvg:svgBlip xmlns:asvg="http://schemas.microsoft.com/office/drawing/2016/SVG/main" r:embed="rId8"/>
+              </a:ext>
+            </a:extLst>
+          </a:blip>
+          <a:stretch>
+            <a:fillRect/>
+          </a:stretch>
+        </p:blipFill>
+        <p:spPr>
+          <a:xfrm>
+            <a:off x="9993877" y="5569583"/>
+            <a:ext cx="656279" cy="656279"/>
+          </a:xfrm>
+          <a:prstGeom prst="rect">
+            <a:avLst/>
+          </a:prstGeom>
+        </p:spPr>
+      </p:pic>
+      <p:pic>
+        <p:nvPicPr>
+          <p:cNvPr id="12" name="Graphic 11" descr="Horse outline">
+            <a:extLst>
+              <a:ext uri="{FF2B5EF4-FFF2-40B4-BE49-F238E27FC236}">
+                <a16:creationId xmlns:a16="http://schemas.microsoft.com/office/drawing/2014/main" id="{27F922AA-6D1B-0F49-7A09-E2A4FB03D97F}"/>
+              </a:ext>
+            </a:extLst>
+          </p:cNvPr>
+          <p:cNvPicPr>
+            <a:picLocks noChangeAspect="1"/>
+          </p:cNvPicPr>
+          <p:nvPr/>
+        </p:nvPicPr>
+        <p:blipFill>
+          <a:blip r:embed="rId9">
+            <a:extLst>
+              <a:ext uri="{96DAC541-7B7A-43D3-8B79-37D633B846F1}">
+                <asvg:svgBlip xmlns:asvg="http://schemas.microsoft.com/office/drawing/2016/SVG/main" r:embed="rId10"/>
+              </a:ext>
+            </a:extLst>
+          </a:blip>
+          <a:stretch>
+            <a:fillRect/>
+          </a:stretch>
+        </p:blipFill>
+        <p:spPr>
+          <a:xfrm>
+            <a:off x="8406884" y="5994167"/>
+            <a:ext cx="656279" cy="656279"/>
+          </a:xfrm>
+          <a:prstGeom prst="rect">
+            <a:avLst/>
+          </a:prstGeom>
+        </p:spPr>
+      </p:pic>
+      <p:pic>
+        <p:nvPicPr>
+          <p:cNvPr id="14" name="Graphic 13" descr="Bats with solid fill">
+            <a:extLst>
+              <a:ext uri="{FF2B5EF4-FFF2-40B4-BE49-F238E27FC236}">
+                <a16:creationId xmlns:a16="http://schemas.microsoft.com/office/drawing/2014/main" id="{0DB80D64-AD9C-FF39-BF1D-495602875B8E}"/>
+              </a:ext>
+            </a:extLst>
+          </p:cNvPr>
+          <p:cNvPicPr>
+            <a:picLocks noChangeAspect="1"/>
+          </p:cNvPicPr>
+          <p:nvPr/>
+        </p:nvPicPr>
+        <p:blipFill>
+          <a:blip r:embed="rId11">
+            <a:extLst>
+              <a:ext uri="{96DAC541-7B7A-43D3-8B79-37D633B846F1}">
+                <asvg:svgBlip xmlns:asvg="http://schemas.microsoft.com/office/drawing/2016/SVG/main" r:embed="rId12"/>
+              </a:ext>
+            </a:extLst>
+          </a:blip>
+          <a:stretch>
+            <a:fillRect/>
+          </a:stretch>
+        </p:blipFill>
+        <p:spPr>
+          <a:xfrm>
+            <a:off x="10978296" y="3613660"/>
+            <a:ext cx="656279" cy="656279"/>
+          </a:xfrm>
+          <a:prstGeom prst="rect">
+            <a:avLst/>
+          </a:prstGeom>
+        </p:spPr>
+      </p:pic>
+      <p:pic>
+        <p:nvPicPr>
+          <p:cNvPr id="16" name="Graphic 15" descr="Pig outline">
+            <a:extLst>
+              <a:ext uri="{FF2B5EF4-FFF2-40B4-BE49-F238E27FC236}">
+                <a16:creationId xmlns:a16="http://schemas.microsoft.com/office/drawing/2014/main" id="{2FDBD955-2070-E78D-53E7-0EC959985937}"/>
+              </a:ext>
+            </a:extLst>
+          </p:cNvPr>
+          <p:cNvPicPr>
+            <a:picLocks noChangeAspect="1"/>
+          </p:cNvPicPr>
+          <p:nvPr/>
+        </p:nvPicPr>
+        <p:blipFill>
+          <a:blip r:embed="rId13">
+            <a:extLst>
+              <a:ext uri="{96DAC541-7B7A-43D3-8B79-37D633B846F1}">
+                <asvg:svgBlip xmlns:asvg="http://schemas.microsoft.com/office/drawing/2016/SVG/main" r:embed="rId14"/>
+              </a:ext>
+            </a:extLst>
+          </a:blip>
+          <a:stretch>
+            <a:fillRect/>
+          </a:stretch>
+        </p:blipFill>
+        <p:spPr>
+          <a:xfrm>
+            <a:off x="9063164" y="1824708"/>
+            <a:ext cx="656279" cy="656279"/>
+          </a:xfrm>
+          <a:prstGeom prst="rect">
+            <a:avLst/>
+          </a:prstGeom>
+        </p:spPr>
+      </p:pic>
+      <p:pic>
+        <p:nvPicPr>
+          <p:cNvPr id="17" name="Graphic 16" descr="Duck outline">
+            <a:extLst>
+              <a:ext uri="{FF2B5EF4-FFF2-40B4-BE49-F238E27FC236}">
+                <a16:creationId xmlns:a16="http://schemas.microsoft.com/office/drawing/2014/main" id="{9283D153-9EAA-6054-4F87-8EE808DA69C0}"/>
+              </a:ext>
+            </a:extLst>
+          </p:cNvPr>
+          <p:cNvPicPr>
+            <a:picLocks noChangeAspect="1"/>
+          </p:cNvPicPr>
+          <p:nvPr/>
+        </p:nvPicPr>
+        <p:blipFill>
+          <a:blip r:embed="rId3">
+            <a:extLst>
+              <a:ext uri="{96DAC541-7B7A-43D3-8B79-37D633B846F1}">
+                <asvg:svgBlip xmlns:asvg="http://schemas.microsoft.com/office/drawing/2016/SVG/main" r:embed="rId4"/>
+              </a:ext>
+            </a:extLst>
+          </a:blip>
+          <a:stretch>
+            <a:fillRect/>
+          </a:stretch>
+        </p:blipFill>
+        <p:spPr>
+          <a:xfrm>
+            <a:off x="9063164" y="4160537"/>
+            <a:ext cx="656279" cy="656279"/>
+          </a:xfrm>
+          <a:prstGeom prst="rect">
+            <a:avLst/>
+          </a:prstGeom>
+        </p:spPr>
+      </p:pic>
+      <p:pic>
+        <p:nvPicPr>
+          <p:cNvPr id="18" name="Graphic 17" descr="Duck outline">
+            <a:extLst>
+              <a:ext uri="{FF2B5EF4-FFF2-40B4-BE49-F238E27FC236}">
+                <a16:creationId xmlns:a16="http://schemas.microsoft.com/office/drawing/2014/main" id="{5FB6C153-7491-585F-0EDF-A7FF6FB8ADC1}"/>
+              </a:ext>
+            </a:extLst>
+          </p:cNvPr>
+          <p:cNvPicPr>
+            <a:picLocks noChangeAspect="1"/>
+          </p:cNvPicPr>
+          <p:nvPr/>
+        </p:nvPicPr>
+        <p:blipFill>
+          <a:blip r:embed="rId3">
+            <a:extLst>
+              <a:ext uri="{96DAC541-7B7A-43D3-8B79-37D633B846F1}">
+                <asvg:svgBlip xmlns:asvg="http://schemas.microsoft.com/office/drawing/2016/SVG/main" r:embed="rId4"/>
+              </a:ext>
+            </a:extLst>
+          </a:blip>
+          <a:stretch>
+            <a:fillRect/>
+          </a:stretch>
+        </p:blipFill>
+        <p:spPr>
+          <a:xfrm>
+            <a:off x="9545344" y="6049722"/>
+            <a:ext cx="656279" cy="656279"/>
+          </a:xfrm>
+          <a:prstGeom prst="rect">
+            <a:avLst/>
+          </a:prstGeom>
+        </p:spPr>
+      </p:pic>
+      <p:pic>
+        <p:nvPicPr>
+          <p:cNvPr id="19" name="Graphic 18" descr="User with solid fill">
+            <a:extLst>
+              <a:ext uri="{FF2B5EF4-FFF2-40B4-BE49-F238E27FC236}">
+                <a16:creationId xmlns:a16="http://schemas.microsoft.com/office/drawing/2014/main" id="{530AEF09-4010-CE1F-4A61-1563FCE4F04A}"/>
+              </a:ext>
+            </a:extLst>
+          </p:cNvPr>
+          <p:cNvPicPr>
+            <a:picLocks noChangeAspect="1"/>
+          </p:cNvPicPr>
+          <p:nvPr/>
+        </p:nvPicPr>
+        <p:blipFill>
+          <a:blip r:embed="rId5">
+            <a:extLst>
+              <a:ext uri="{96DAC541-7B7A-43D3-8B79-37D633B846F1}">
+                <asvg:svgBlip xmlns:asvg="http://schemas.microsoft.com/office/drawing/2016/SVG/main" r:embed="rId6"/>
+              </a:ext>
+            </a:extLst>
+          </a:blip>
+          <a:stretch>
+            <a:fillRect/>
+          </a:stretch>
+        </p:blipFill>
+        <p:spPr>
+          <a:xfrm>
+            <a:off x="10736170" y="4524849"/>
+            <a:ext cx="656279" cy="656279"/>
+          </a:xfrm>
+          <a:prstGeom prst="rect">
+            <a:avLst/>
+          </a:prstGeom>
+        </p:spPr>
+      </p:pic>
+      <p:pic>
+        <p:nvPicPr>
+          <p:cNvPr id="20" name="Graphic 19" descr="Pig outline">
+            <a:extLst>
+              <a:ext uri="{FF2B5EF4-FFF2-40B4-BE49-F238E27FC236}">
+                <a16:creationId xmlns:a16="http://schemas.microsoft.com/office/drawing/2014/main" id="{1A299A7C-983B-72B1-C975-CCBB1861C4C0}"/>
+              </a:ext>
+            </a:extLst>
+          </p:cNvPr>
+          <p:cNvPicPr>
+            <a:picLocks noChangeAspect="1"/>
+          </p:cNvPicPr>
+          <p:nvPr/>
+        </p:nvPicPr>
+        <p:blipFill>
+          <a:blip r:embed="rId13">
+            <a:extLst>
+              <a:ext uri="{96DAC541-7B7A-43D3-8B79-37D633B846F1}">
+                <asvg:svgBlip xmlns:asvg="http://schemas.microsoft.com/office/drawing/2016/SVG/main" r:embed="rId14"/>
+              </a:ext>
+            </a:extLst>
+          </a:blip>
+          <a:stretch>
+            <a:fillRect/>
+          </a:stretch>
+        </p:blipFill>
+        <p:spPr>
+          <a:xfrm>
+            <a:off x="10787374" y="5133571"/>
+            <a:ext cx="656279" cy="656279"/>
           </a:xfrm>
           <a:prstGeom prst="rect">
             <a:avLst/>
@@ -3594,7 +3963,7 @@
             </a:extLst>
           </p:cNvPr>
           <p:cNvPicPr>
-            <a:picLocks noChangeAspect="1"/>
+            <a:picLocks noGrp="1" noRot="1" noChangeAspect="1" noMove="1" noResize="1" noEditPoints="1" noAdjustHandles="1" noChangeArrowheads="1" noChangeShapeType="1" noCrop="1"/>
           </p:cNvPicPr>
           <p:nvPr/>
         </p:nvPicPr>
@@ -3718,6 +4087,387 @@
           </p:txBody>
         </p:sp>
       </p:grpSp>
+      <p:grpSp>
+        <p:nvGrpSpPr>
+          <p:cNvPr id="27" name="Group 26">
+            <a:extLst>
+              <a:ext uri="{FF2B5EF4-FFF2-40B4-BE49-F238E27FC236}">
+                <a16:creationId xmlns:a16="http://schemas.microsoft.com/office/drawing/2014/main" id="{882EF0EF-360D-3EBE-9764-1FD152155651}"/>
+              </a:ext>
+            </a:extLst>
+          </p:cNvPr>
+          <p:cNvGrpSpPr/>
+          <p:nvPr/>
+        </p:nvGrpSpPr>
+        <p:grpSpPr>
+          <a:xfrm>
+            <a:off x="8907632" y="925979"/>
+            <a:ext cx="3227691" cy="5780022"/>
+            <a:chOff x="8907632" y="925979"/>
+            <a:chExt cx="3227691" cy="5780022"/>
+          </a:xfrm>
+        </p:grpSpPr>
+        <p:pic>
+          <p:nvPicPr>
+            <p:cNvPr id="17" name="Graphic 16" descr="Duck outline">
+              <a:extLst>
+                <a:ext uri="{FF2B5EF4-FFF2-40B4-BE49-F238E27FC236}">
+                  <a16:creationId xmlns:a16="http://schemas.microsoft.com/office/drawing/2014/main" id="{6E7ABC68-1462-C8F7-E9CB-78D16AF018F5}"/>
+                </a:ext>
+              </a:extLst>
+            </p:cNvPr>
+            <p:cNvPicPr>
+              <a:picLocks noChangeAspect="1"/>
+            </p:cNvPicPr>
+            <p:nvPr/>
+          </p:nvPicPr>
+          <p:blipFill>
+            <a:blip r:embed="rId4">
+              <a:extLst>
+                <a:ext uri="{96DAC541-7B7A-43D3-8B79-37D633B846F1}">
+                  <asvg:svgBlip xmlns:asvg="http://schemas.microsoft.com/office/drawing/2016/SVG/main" r:embed="rId5"/>
+                </a:ext>
+              </a:extLst>
+            </a:blip>
+            <a:stretch>
+              <a:fillRect/>
+            </a:stretch>
+          </p:blipFill>
+          <p:spPr>
+            <a:xfrm>
+              <a:off x="9023008" y="925979"/>
+              <a:ext cx="656279" cy="656279"/>
+            </a:xfrm>
+            <a:prstGeom prst="rect">
+              <a:avLst/>
+            </a:prstGeom>
+          </p:spPr>
+        </p:pic>
+        <p:pic>
+          <p:nvPicPr>
+            <p:cNvPr id="18" name="Graphic 17" descr="User with solid fill">
+              <a:extLst>
+                <a:ext uri="{FF2B5EF4-FFF2-40B4-BE49-F238E27FC236}">
+                  <a16:creationId xmlns:a16="http://schemas.microsoft.com/office/drawing/2014/main" id="{A4BA9C76-9FA0-20EC-C8AF-584EE808A188}"/>
+                </a:ext>
+              </a:extLst>
+            </p:cNvPr>
+            <p:cNvPicPr>
+              <a:picLocks noChangeAspect="1"/>
+            </p:cNvPicPr>
+            <p:nvPr/>
+          </p:nvPicPr>
+          <p:blipFill>
+            <a:blip r:embed="rId6">
+              <a:extLst>
+                <a:ext uri="{96DAC541-7B7A-43D3-8B79-37D633B846F1}">
+                  <asvg:svgBlip xmlns:asvg="http://schemas.microsoft.com/office/drawing/2016/SVG/main" r:embed="rId7"/>
+                </a:ext>
+              </a:extLst>
+            </a:blip>
+            <a:stretch>
+              <a:fillRect/>
+            </a:stretch>
+          </p:blipFill>
+          <p:spPr>
+            <a:xfrm>
+              <a:off x="9679287" y="2441137"/>
+              <a:ext cx="656279" cy="656279"/>
+            </a:xfrm>
+            <a:prstGeom prst="rect">
+              <a:avLst/>
+            </a:prstGeom>
+          </p:spPr>
+        </p:pic>
+        <p:pic>
+          <p:nvPicPr>
+            <p:cNvPr id="19" name="Graphic 18" descr="Dog outline">
+              <a:extLst>
+                <a:ext uri="{FF2B5EF4-FFF2-40B4-BE49-F238E27FC236}">
+                  <a16:creationId xmlns:a16="http://schemas.microsoft.com/office/drawing/2014/main" id="{0EB4FF53-36D3-6DFD-B04C-DC36E856B7ED}"/>
+                </a:ext>
+              </a:extLst>
+            </p:cNvPr>
+            <p:cNvPicPr>
+              <a:picLocks noChangeAspect="1"/>
+            </p:cNvPicPr>
+            <p:nvPr/>
+          </p:nvPicPr>
+          <p:blipFill>
+            <a:blip r:embed="rId8">
+              <a:extLst>
+                <a:ext uri="{96DAC541-7B7A-43D3-8B79-37D633B846F1}">
+                  <asvg:svgBlip xmlns:asvg="http://schemas.microsoft.com/office/drawing/2016/SVG/main" r:embed="rId9"/>
+                </a:ext>
+              </a:extLst>
+            </a:blip>
+            <a:stretch>
+              <a:fillRect/>
+            </a:stretch>
+          </p:blipFill>
+          <p:spPr>
+            <a:xfrm>
+              <a:off x="9235772" y="4852989"/>
+              <a:ext cx="656279" cy="656279"/>
+            </a:xfrm>
+            <a:prstGeom prst="rect">
+              <a:avLst/>
+            </a:prstGeom>
+          </p:spPr>
+        </p:pic>
+        <p:pic>
+          <p:nvPicPr>
+            <p:cNvPr id="20" name="Graphic 19" descr="Horse outline">
+              <a:extLst>
+                <a:ext uri="{FF2B5EF4-FFF2-40B4-BE49-F238E27FC236}">
+                  <a16:creationId xmlns:a16="http://schemas.microsoft.com/office/drawing/2014/main" id="{E34980B0-76E2-1B74-7E0B-63E28D813C3F}"/>
+                </a:ext>
+              </a:extLst>
+            </p:cNvPr>
+            <p:cNvPicPr>
+              <a:picLocks noChangeAspect="1"/>
+            </p:cNvPicPr>
+            <p:nvPr/>
+          </p:nvPicPr>
+          <p:blipFill>
+            <a:blip r:embed="rId10">
+              <a:extLst>
+                <a:ext uri="{96DAC541-7B7A-43D3-8B79-37D633B846F1}">
+                  <asvg:svgBlip xmlns:asvg="http://schemas.microsoft.com/office/drawing/2016/SVG/main" r:embed="rId11"/>
+                </a:ext>
+              </a:extLst>
+            </a:blip>
+            <a:stretch>
+              <a:fillRect/>
+            </a:stretch>
+          </p:blipFill>
+          <p:spPr>
+            <a:xfrm>
+              <a:off x="8907632" y="5994167"/>
+              <a:ext cx="656279" cy="656279"/>
+            </a:xfrm>
+            <a:prstGeom prst="rect">
+              <a:avLst/>
+            </a:prstGeom>
+          </p:spPr>
+        </p:pic>
+        <p:pic>
+          <p:nvPicPr>
+            <p:cNvPr id="21" name="Graphic 20" descr="Bats with solid fill">
+              <a:extLst>
+                <a:ext uri="{FF2B5EF4-FFF2-40B4-BE49-F238E27FC236}">
+                  <a16:creationId xmlns:a16="http://schemas.microsoft.com/office/drawing/2014/main" id="{C92A23E5-AF0B-BE17-9125-140C3AC57891}"/>
+                </a:ext>
+              </a:extLst>
+            </p:cNvPr>
+            <p:cNvPicPr>
+              <a:picLocks noChangeAspect="1"/>
+            </p:cNvPicPr>
+            <p:nvPr/>
+          </p:nvPicPr>
+          <p:blipFill>
+            <a:blip r:embed="rId12">
+              <a:extLst>
+                <a:ext uri="{96DAC541-7B7A-43D3-8B79-37D633B846F1}">
+                  <asvg:svgBlip xmlns:asvg="http://schemas.microsoft.com/office/drawing/2016/SVG/main" r:embed="rId13"/>
+                </a:ext>
+              </a:extLst>
+            </a:blip>
+            <a:stretch>
+              <a:fillRect/>
+            </a:stretch>
+          </p:blipFill>
+          <p:spPr>
+            <a:xfrm>
+              <a:off x="11479044" y="3613660"/>
+              <a:ext cx="656279" cy="656279"/>
+            </a:xfrm>
+            <a:prstGeom prst="rect">
+              <a:avLst/>
+            </a:prstGeom>
+          </p:spPr>
+        </p:pic>
+        <p:pic>
+          <p:nvPicPr>
+            <p:cNvPr id="22" name="Graphic 21" descr="Pig outline">
+              <a:extLst>
+                <a:ext uri="{FF2B5EF4-FFF2-40B4-BE49-F238E27FC236}">
+                  <a16:creationId xmlns:a16="http://schemas.microsoft.com/office/drawing/2014/main" id="{F005B1EA-3E64-79F1-DB30-B0348AB0E135}"/>
+                </a:ext>
+              </a:extLst>
+            </p:cNvPr>
+            <p:cNvPicPr>
+              <a:picLocks noChangeAspect="1"/>
+            </p:cNvPicPr>
+            <p:nvPr/>
+          </p:nvPicPr>
+          <p:blipFill>
+            <a:blip r:embed="rId14">
+              <a:extLst>
+                <a:ext uri="{96DAC541-7B7A-43D3-8B79-37D633B846F1}">
+                  <asvg:svgBlip xmlns:asvg="http://schemas.microsoft.com/office/drawing/2016/SVG/main" r:embed="rId15"/>
+                </a:ext>
+              </a:extLst>
+            </a:blip>
+            <a:stretch>
+              <a:fillRect/>
+            </a:stretch>
+          </p:blipFill>
+          <p:spPr>
+            <a:xfrm>
+              <a:off x="9563912" y="1824708"/>
+              <a:ext cx="656279" cy="656279"/>
+            </a:xfrm>
+            <a:prstGeom prst="rect">
+              <a:avLst/>
+            </a:prstGeom>
+          </p:spPr>
+        </p:pic>
+        <p:pic>
+          <p:nvPicPr>
+            <p:cNvPr id="23" name="Graphic 22" descr="Duck outline">
+              <a:extLst>
+                <a:ext uri="{FF2B5EF4-FFF2-40B4-BE49-F238E27FC236}">
+                  <a16:creationId xmlns:a16="http://schemas.microsoft.com/office/drawing/2014/main" id="{6C52BDB9-C26C-EDBC-9119-BD5D644E2589}"/>
+                </a:ext>
+              </a:extLst>
+            </p:cNvPr>
+            <p:cNvPicPr>
+              <a:picLocks noChangeAspect="1"/>
+            </p:cNvPicPr>
+            <p:nvPr/>
+          </p:nvPicPr>
+          <p:blipFill>
+            <a:blip r:embed="rId4">
+              <a:extLst>
+                <a:ext uri="{96DAC541-7B7A-43D3-8B79-37D633B846F1}">
+                  <asvg:svgBlip xmlns:asvg="http://schemas.microsoft.com/office/drawing/2016/SVG/main" r:embed="rId5"/>
+                </a:ext>
+              </a:extLst>
+            </a:blip>
+            <a:stretch>
+              <a:fillRect/>
+            </a:stretch>
+          </p:blipFill>
+          <p:spPr>
+            <a:xfrm>
+              <a:off x="9563912" y="4160537"/>
+              <a:ext cx="656279" cy="656279"/>
+            </a:xfrm>
+            <a:prstGeom prst="rect">
+              <a:avLst/>
+            </a:prstGeom>
+          </p:spPr>
+        </p:pic>
+        <p:pic>
+          <p:nvPicPr>
+            <p:cNvPr id="24" name="Graphic 23" descr="Duck outline">
+              <a:extLst>
+                <a:ext uri="{FF2B5EF4-FFF2-40B4-BE49-F238E27FC236}">
+                  <a16:creationId xmlns:a16="http://schemas.microsoft.com/office/drawing/2014/main" id="{4A06AB25-21F6-0388-1E2C-7BE9A4214BC5}"/>
+                </a:ext>
+              </a:extLst>
+            </p:cNvPr>
+            <p:cNvPicPr>
+              <a:picLocks noChangeAspect="1"/>
+            </p:cNvPicPr>
+            <p:nvPr/>
+          </p:nvPicPr>
+          <p:blipFill>
+            <a:blip r:embed="rId4">
+              <a:extLst>
+                <a:ext uri="{96DAC541-7B7A-43D3-8B79-37D633B846F1}">
+                  <asvg:svgBlip xmlns:asvg="http://schemas.microsoft.com/office/drawing/2016/SVG/main" r:embed="rId5"/>
+                </a:ext>
+              </a:extLst>
+            </a:blip>
+            <a:stretch>
+              <a:fillRect/>
+            </a:stretch>
+          </p:blipFill>
+          <p:spPr>
+            <a:xfrm>
+              <a:off x="10046092" y="6049722"/>
+              <a:ext cx="656279" cy="656279"/>
+            </a:xfrm>
+            <a:prstGeom prst="rect">
+              <a:avLst/>
+            </a:prstGeom>
+          </p:spPr>
+        </p:pic>
+        <p:pic>
+          <p:nvPicPr>
+            <p:cNvPr id="25" name="Graphic 24" descr="User with solid fill">
+              <a:extLst>
+                <a:ext uri="{FF2B5EF4-FFF2-40B4-BE49-F238E27FC236}">
+                  <a16:creationId xmlns:a16="http://schemas.microsoft.com/office/drawing/2014/main" id="{5F438304-D566-CAE5-8D96-0A19B79A4283}"/>
+                </a:ext>
+              </a:extLst>
+            </p:cNvPr>
+            <p:cNvPicPr>
+              <a:picLocks noChangeAspect="1"/>
+            </p:cNvPicPr>
+            <p:nvPr/>
+          </p:nvPicPr>
+          <p:blipFill>
+            <a:blip r:embed="rId6">
+              <a:extLst>
+                <a:ext uri="{96DAC541-7B7A-43D3-8B79-37D633B846F1}">
+                  <asvg:svgBlip xmlns:asvg="http://schemas.microsoft.com/office/drawing/2016/SVG/main" r:embed="rId7"/>
+                </a:ext>
+              </a:extLst>
+            </a:blip>
+            <a:stretch>
+              <a:fillRect/>
+            </a:stretch>
+          </p:blipFill>
+          <p:spPr>
+            <a:xfrm>
+              <a:off x="11378432" y="4524849"/>
+              <a:ext cx="656279" cy="656279"/>
+            </a:xfrm>
+            <a:prstGeom prst="rect">
+              <a:avLst/>
+            </a:prstGeom>
+          </p:spPr>
+        </p:pic>
+        <p:pic>
+          <p:nvPicPr>
+            <p:cNvPr id="26" name="Graphic 25" descr="Pig outline">
+              <a:extLst>
+                <a:ext uri="{FF2B5EF4-FFF2-40B4-BE49-F238E27FC236}">
+                  <a16:creationId xmlns:a16="http://schemas.microsoft.com/office/drawing/2014/main" id="{608AECE1-E3FF-61DE-8CEF-958B0AD31E99}"/>
+                </a:ext>
+              </a:extLst>
+            </p:cNvPr>
+            <p:cNvPicPr>
+              <a:picLocks noChangeAspect="1"/>
+            </p:cNvPicPr>
+            <p:nvPr/>
+          </p:nvPicPr>
+          <p:blipFill>
+            <a:blip r:embed="rId14">
+              <a:extLst>
+                <a:ext uri="{96DAC541-7B7A-43D3-8B79-37D633B846F1}">
+                  <asvg:svgBlip xmlns:asvg="http://schemas.microsoft.com/office/drawing/2016/SVG/main" r:embed="rId15"/>
+                </a:ext>
+              </a:extLst>
+            </a:blip>
+            <a:stretch>
+              <a:fillRect/>
+            </a:stretch>
+          </p:blipFill>
+          <p:spPr>
+            <a:xfrm>
+              <a:off x="11429636" y="5133571"/>
+              <a:ext cx="656279" cy="656279"/>
+            </a:xfrm>
+            <a:prstGeom prst="rect">
+              <a:avLst/>
+            </a:prstGeom>
+          </p:spPr>
+        </p:pic>
+      </p:grpSp>
     </p:spTree>
     <p:extLst>
       <p:ext uri="{BB962C8B-B14F-4D97-AF65-F5344CB8AC3E}">
@@ -3728,6 +4478,81 @@
   <p:clrMapOvr>
     <a:masterClrMapping/>
   </p:clrMapOvr>
+  <p:timing>
+    <p:tnLst>
+      <p:par>
+        <p:cTn id="1" dur="indefinite" restart="never" nodeType="tmRoot">
+          <p:childTnLst>
+            <p:seq concurrent="1" nextAc="seek">
+              <p:cTn id="2" dur="indefinite" nodeType="mainSeq">
+                <p:childTnLst>
+                  <p:par>
+                    <p:cTn id="3" fill="hold">
+                      <p:stCondLst>
+                        <p:cond delay="indefinite"/>
+                      </p:stCondLst>
+                      <p:childTnLst>
+                        <p:par>
+                          <p:cTn id="4" fill="hold">
+                            <p:stCondLst>
+                              <p:cond delay="0"/>
+                            </p:stCondLst>
+                            <p:childTnLst>
+                              <p:par>
+                                <p:cTn id="5" presetID="1" presetClass="entr" presetSubtype="0" fill="hold" nodeType="clickEffect">
+                                  <p:stCondLst>
+                                    <p:cond delay="0"/>
+                                  </p:stCondLst>
+                                  <p:childTnLst>
+                                    <p:set>
+                                      <p:cBhvr>
+                                        <p:cTn id="6" dur="1" fill="hold">
+                                          <p:stCondLst>
+                                            <p:cond delay="0"/>
+                                          </p:stCondLst>
+                                        </p:cTn>
+                                        <p:tgtEl>
+                                          <p:spTgt spid="27"/>
+                                        </p:tgtEl>
+                                        <p:attrNameLst>
+                                          <p:attrName>style.visibility</p:attrName>
+                                        </p:attrNameLst>
+                                      </p:cBhvr>
+                                      <p:to>
+                                        <p:strVal val="visible"/>
+                                      </p:to>
+                                    </p:set>
+                                  </p:childTnLst>
+                                </p:cTn>
+                              </p:par>
+                            </p:childTnLst>
+                          </p:cTn>
+                        </p:par>
+                      </p:childTnLst>
+                    </p:cTn>
+                  </p:par>
+                </p:childTnLst>
+              </p:cTn>
+              <p:prevCondLst>
+                <p:cond evt="onPrev" delay="0">
+                  <p:tgtEl>
+                    <p:sldTgt/>
+                  </p:tgtEl>
+                </p:cond>
+              </p:prevCondLst>
+              <p:nextCondLst>
+                <p:cond evt="onNext" delay="0">
+                  <p:tgtEl>
+                    <p:sldTgt/>
+                  </p:tgtEl>
+                </p:cond>
+              </p:nextCondLst>
+            </p:seq>
+          </p:childTnLst>
+        </p:cTn>
+      </p:par>
+    </p:tnLst>
+  </p:timing>
 </p:sld>
 </file>
 
@@ -3956,6 +4781,387 @@
           </a:prstGeom>
         </p:spPr>
       </p:pic>
+      <p:grpSp>
+        <p:nvGrpSpPr>
+          <p:cNvPr id="3" name="Group 2">
+            <a:extLst>
+              <a:ext uri="{FF2B5EF4-FFF2-40B4-BE49-F238E27FC236}">
+                <a16:creationId xmlns:a16="http://schemas.microsoft.com/office/drawing/2014/main" id="{E52C446E-73E8-E502-2ADF-F38E3C2B0DD0}"/>
+              </a:ext>
+            </a:extLst>
+          </p:cNvPr>
+          <p:cNvGrpSpPr/>
+          <p:nvPr/>
+        </p:nvGrpSpPr>
+        <p:grpSpPr>
+          <a:xfrm>
+            <a:off x="8907632" y="925979"/>
+            <a:ext cx="3227691" cy="5780022"/>
+            <a:chOff x="8907632" y="925979"/>
+            <a:chExt cx="3227691" cy="5780022"/>
+          </a:xfrm>
+        </p:grpSpPr>
+        <p:pic>
+          <p:nvPicPr>
+            <p:cNvPr id="5" name="Graphic 4" descr="Duck outline">
+              <a:extLst>
+                <a:ext uri="{FF2B5EF4-FFF2-40B4-BE49-F238E27FC236}">
+                  <a16:creationId xmlns:a16="http://schemas.microsoft.com/office/drawing/2014/main" id="{8BB1CEA1-FE5A-446E-915E-7ED1C64AD924}"/>
+                </a:ext>
+              </a:extLst>
+            </p:cNvPr>
+            <p:cNvPicPr>
+              <a:picLocks noChangeAspect="1"/>
+            </p:cNvPicPr>
+            <p:nvPr/>
+          </p:nvPicPr>
+          <p:blipFill>
+            <a:blip r:embed="rId4">
+              <a:extLst>
+                <a:ext uri="{96DAC541-7B7A-43D3-8B79-37D633B846F1}">
+                  <asvg:svgBlip xmlns:asvg="http://schemas.microsoft.com/office/drawing/2016/SVG/main" r:embed="rId5"/>
+                </a:ext>
+              </a:extLst>
+            </a:blip>
+            <a:stretch>
+              <a:fillRect/>
+            </a:stretch>
+          </p:blipFill>
+          <p:spPr>
+            <a:xfrm>
+              <a:off x="9023008" y="925979"/>
+              <a:ext cx="656279" cy="656279"/>
+            </a:xfrm>
+            <a:prstGeom prst="rect">
+              <a:avLst/>
+            </a:prstGeom>
+          </p:spPr>
+        </p:pic>
+        <p:pic>
+          <p:nvPicPr>
+            <p:cNvPr id="9" name="Graphic 8" descr="User with solid fill">
+              <a:extLst>
+                <a:ext uri="{FF2B5EF4-FFF2-40B4-BE49-F238E27FC236}">
+                  <a16:creationId xmlns:a16="http://schemas.microsoft.com/office/drawing/2014/main" id="{84477F86-D982-84C0-9103-6D1F9C7F294C}"/>
+                </a:ext>
+              </a:extLst>
+            </p:cNvPr>
+            <p:cNvPicPr>
+              <a:picLocks noChangeAspect="1"/>
+            </p:cNvPicPr>
+            <p:nvPr/>
+          </p:nvPicPr>
+          <p:blipFill>
+            <a:blip r:embed="rId6">
+              <a:extLst>
+                <a:ext uri="{96DAC541-7B7A-43D3-8B79-37D633B846F1}">
+                  <asvg:svgBlip xmlns:asvg="http://schemas.microsoft.com/office/drawing/2016/SVG/main" r:embed="rId7"/>
+                </a:ext>
+              </a:extLst>
+            </a:blip>
+            <a:stretch>
+              <a:fillRect/>
+            </a:stretch>
+          </p:blipFill>
+          <p:spPr>
+            <a:xfrm>
+              <a:off x="9679287" y="2441137"/>
+              <a:ext cx="656279" cy="656279"/>
+            </a:xfrm>
+            <a:prstGeom prst="rect">
+              <a:avLst/>
+            </a:prstGeom>
+          </p:spPr>
+        </p:pic>
+        <p:pic>
+          <p:nvPicPr>
+            <p:cNvPr id="10" name="Graphic 9" descr="Dog outline">
+              <a:extLst>
+                <a:ext uri="{FF2B5EF4-FFF2-40B4-BE49-F238E27FC236}">
+                  <a16:creationId xmlns:a16="http://schemas.microsoft.com/office/drawing/2014/main" id="{F753B905-C7C2-2D9B-CAE1-6BA9E45C7991}"/>
+                </a:ext>
+              </a:extLst>
+            </p:cNvPr>
+            <p:cNvPicPr>
+              <a:picLocks noChangeAspect="1"/>
+            </p:cNvPicPr>
+            <p:nvPr/>
+          </p:nvPicPr>
+          <p:blipFill>
+            <a:blip r:embed="rId8">
+              <a:extLst>
+                <a:ext uri="{96DAC541-7B7A-43D3-8B79-37D633B846F1}">
+                  <asvg:svgBlip xmlns:asvg="http://schemas.microsoft.com/office/drawing/2016/SVG/main" r:embed="rId9"/>
+                </a:ext>
+              </a:extLst>
+            </a:blip>
+            <a:stretch>
+              <a:fillRect/>
+            </a:stretch>
+          </p:blipFill>
+          <p:spPr>
+            <a:xfrm>
+              <a:off x="9235772" y="4852989"/>
+              <a:ext cx="656279" cy="656279"/>
+            </a:xfrm>
+            <a:prstGeom prst="rect">
+              <a:avLst/>
+            </a:prstGeom>
+          </p:spPr>
+        </p:pic>
+        <p:pic>
+          <p:nvPicPr>
+            <p:cNvPr id="11" name="Graphic 10" descr="Horse outline">
+              <a:extLst>
+                <a:ext uri="{FF2B5EF4-FFF2-40B4-BE49-F238E27FC236}">
+                  <a16:creationId xmlns:a16="http://schemas.microsoft.com/office/drawing/2014/main" id="{2737CF51-70C3-7694-FF0D-189B28E8A761}"/>
+                </a:ext>
+              </a:extLst>
+            </p:cNvPr>
+            <p:cNvPicPr>
+              <a:picLocks noChangeAspect="1"/>
+            </p:cNvPicPr>
+            <p:nvPr/>
+          </p:nvPicPr>
+          <p:blipFill>
+            <a:blip r:embed="rId10">
+              <a:extLst>
+                <a:ext uri="{96DAC541-7B7A-43D3-8B79-37D633B846F1}">
+                  <asvg:svgBlip xmlns:asvg="http://schemas.microsoft.com/office/drawing/2016/SVG/main" r:embed="rId11"/>
+                </a:ext>
+              </a:extLst>
+            </a:blip>
+            <a:stretch>
+              <a:fillRect/>
+            </a:stretch>
+          </p:blipFill>
+          <p:spPr>
+            <a:xfrm>
+              <a:off x="8907632" y="5994167"/>
+              <a:ext cx="656279" cy="656279"/>
+            </a:xfrm>
+            <a:prstGeom prst="rect">
+              <a:avLst/>
+            </a:prstGeom>
+          </p:spPr>
+        </p:pic>
+        <p:pic>
+          <p:nvPicPr>
+            <p:cNvPr id="12" name="Graphic 11" descr="Bats with solid fill">
+              <a:extLst>
+                <a:ext uri="{FF2B5EF4-FFF2-40B4-BE49-F238E27FC236}">
+                  <a16:creationId xmlns:a16="http://schemas.microsoft.com/office/drawing/2014/main" id="{527C478B-3B57-C2AA-E930-68090A4198C3}"/>
+                </a:ext>
+              </a:extLst>
+            </p:cNvPr>
+            <p:cNvPicPr>
+              <a:picLocks noChangeAspect="1"/>
+            </p:cNvPicPr>
+            <p:nvPr/>
+          </p:nvPicPr>
+          <p:blipFill>
+            <a:blip r:embed="rId12">
+              <a:extLst>
+                <a:ext uri="{96DAC541-7B7A-43D3-8B79-37D633B846F1}">
+                  <asvg:svgBlip xmlns:asvg="http://schemas.microsoft.com/office/drawing/2016/SVG/main" r:embed="rId13"/>
+                </a:ext>
+              </a:extLst>
+            </a:blip>
+            <a:stretch>
+              <a:fillRect/>
+            </a:stretch>
+          </p:blipFill>
+          <p:spPr>
+            <a:xfrm>
+              <a:off x="11479044" y="3613660"/>
+              <a:ext cx="656279" cy="656279"/>
+            </a:xfrm>
+            <a:prstGeom prst="rect">
+              <a:avLst/>
+            </a:prstGeom>
+          </p:spPr>
+        </p:pic>
+        <p:pic>
+          <p:nvPicPr>
+            <p:cNvPr id="13" name="Graphic 12" descr="Pig outline">
+              <a:extLst>
+                <a:ext uri="{FF2B5EF4-FFF2-40B4-BE49-F238E27FC236}">
+                  <a16:creationId xmlns:a16="http://schemas.microsoft.com/office/drawing/2014/main" id="{9749E9F3-0B19-94D2-77C7-0B1379EE75F7}"/>
+                </a:ext>
+              </a:extLst>
+            </p:cNvPr>
+            <p:cNvPicPr>
+              <a:picLocks noChangeAspect="1"/>
+            </p:cNvPicPr>
+            <p:nvPr/>
+          </p:nvPicPr>
+          <p:blipFill>
+            <a:blip r:embed="rId14">
+              <a:extLst>
+                <a:ext uri="{96DAC541-7B7A-43D3-8B79-37D633B846F1}">
+                  <asvg:svgBlip xmlns:asvg="http://schemas.microsoft.com/office/drawing/2016/SVG/main" r:embed="rId15"/>
+                </a:ext>
+              </a:extLst>
+            </a:blip>
+            <a:stretch>
+              <a:fillRect/>
+            </a:stretch>
+          </p:blipFill>
+          <p:spPr>
+            <a:xfrm>
+              <a:off x="9563912" y="1824708"/>
+              <a:ext cx="656279" cy="656279"/>
+            </a:xfrm>
+            <a:prstGeom prst="rect">
+              <a:avLst/>
+            </a:prstGeom>
+          </p:spPr>
+        </p:pic>
+        <p:pic>
+          <p:nvPicPr>
+            <p:cNvPr id="14" name="Graphic 13" descr="Duck outline">
+              <a:extLst>
+                <a:ext uri="{FF2B5EF4-FFF2-40B4-BE49-F238E27FC236}">
+                  <a16:creationId xmlns:a16="http://schemas.microsoft.com/office/drawing/2014/main" id="{62BA6DEC-683B-C569-4005-86BA49677ECA}"/>
+                </a:ext>
+              </a:extLst>
+            </p:cNvPr>
+            <p:cNvPicPr>
+              <a:picLocks noChangeAspect="1"/>
+            </p:cNvPicPr>
+            <p:nvPr/>
+          </p:nvPicPr>
+          <p:blipFill>
+            <a:blip r:embed="rId4">
+              <a:extLst>
+                <a:ext uri="{96DAC541-7B7A-43D3-8B79-37D633B846F1}">
+                  <asvg:svgBlip xmlns:asvg="http://schemas.microsoft.com/office/drawing/2016/SVG/main" r:embed="rId5"/>
+                </a:ext>
+              </a:extLst>
+            </a:blip>
+            <a:stretch>
+              <a:fillRect/>
+            </a:stretch>
+          </p:blipFill>
+          <p:spPr>
+            <a:xfrm>
+              <a:off x="9563912" y="4160537"/>
+              <a:ext cx="656279" cy="656279"/>
+            </a:xfrm>
+            <a:prstGeom prst="rect">
+              <a:avLst/>
+            </a:prstGeom>
+          </p:spPr>
+        </p:pic>
+        <p:pic>
+          <p:nvPicPr>
+            <p:cNvPr id="15" name="Graphic 14" descr="Duck outline">
+              <a:extLst>
+                <a:ext uri="{FF2B5EF4-FFF2-40B4-BE49-F238E27FC236}">
+                  <a16:creationId xmlns:a16="http://schemas.microsoft.com/office/drawing/2014/main" id="{36D05653-F404-74D3-AB3A-52B1C251BB2F}"/>
+                </a:ext>
+              </a:extLst>
+            </p:cNvPr>
+            <p:cNvPicPr>
+              <a:picLocks noChangeAspect="1"/>
+            </p:cNvPicPr>
+            <p:nvPr/>
+          </p:nvPicPr>
+          <p:blipFill>
+            <a:blip r:embed="rId4">
+              <a:extLst>
+                <a:ext uri="{96DAC541-7B7A-43D3-8B79-37D633B846F1}">
+                  <asvg:svgBlip xmlns:asvg="http://schemas.microsoft.com/office/drawing/2016/SVG/main" r:embed="rId5"/>
+                </a:ext>
+              </a:extLst>
+            </a:blip>
+            <a:stretch>
+              <a:fillRect/>
+            </a:stretch>
+          </p:blipFill>
+          <p:spPr>
+            <a:xfrm>
+              <a:off x="10046092" y="6049722"/>
+              <a:ext cx="656279" cy="656279"/>
+            </a:xfrm>
+            <a:prstGeom prst="rect">
+              <a:avLst/>
+            </a:prstGeom>
+          </p:spPr>
+        </p:pic>
+        <p:pic>
+          <p:nvPicPr>
+            <p:cNvPr id="16" name="Graphic 15" descr="User with solid fill">
+              <a:extLst>
+                <a:ext uri="{FF2B5EF4-FFF2-40B4-BE49-F238E27FC236}">
+                  <a16:creationId xmlns:a16="http://schemas.microsoft.com/office/drawing/2014/main" id="{5B227DA9-B8C7-F767-B23A-718C19851879}"/>
+                </a:ext>
+              </a:extLst>
+            </p:cNvPr>
+            <p:cNvPicPr>
+              <a:picLocks noChangeAspect="1"/>
+            </p:cNvPicPr>
+            <p:nvPr/>
+          </p:nvPicPr>
+          <p:blipFill>
+            <a:blip r:embed="rId6">
+              <a:extLst>
+                <a:ext uri="{96DAC541-7B7A-43D3-8B79-37D633B846F1}">
+                  <asvg:svgBlip xmlns:asvg="http://schemas.microsoft.com/office/drawing/2016/SVG/main" r:embed="rId7"/>
+                </a:ext>
+              </a:extLst>
+            </a:blip>
+            <a:stretch>
+              <a:fillRect/>
+            </a:stretch>
+          </p:blipFill>
+          <p:spPr>
+            <a:xfrm>
+              <a:off x="11378432" y="4524849"/>
+              <a:ext cx="656279" cy="656279"/>
+            </a:xfrm>
+            <a:prstGeom prst="rect">
+              <a:avLst/>
+            </a:prstGeom>
+          </p:spPr>
+        </p:pic>
+        <p:pic>
+          <p:nvPicPr>
+            <p:cNvPr id="17" name="Graphic 16" descr="Pig outline">
+              <a:extLst>
+                <a:ext uri="{FF2B5EF4-FFF2-40B4-BE49-F238E27FC236}">
+                  <a16:creationId xmlns:a16="http://schemas.microsoft.com/office/drawing/2014/main" id="{376ACDE8-55DF-83DF-1D95-92E3A820A9A8}"/>
+                </a:ext>
+              </a:extLst>
+            </p:cNvPr>
+            <p:cNvPicPr>
+              <a:picLocks noChangeAspect="1"/>
+            </p:cNvPicPr>
+            <p:nvPr/>
+          </p:nvPicPr>
+          <p:blipFill>
+            <a:blip r:embed="rId14">
+              <a:extLst>
+                <a:ext uri="{96DAC541-7B7A-43D3-8B79-37D633B846F1}">
+                  <asvg:svgBlip xmlns:asvg="http://schemas.microsoft.com/office/drawing/2016/SVG/main" r:embed="rId15"/>
+                </a:ext>
+              </a:extLst>
+            </a:blip>
+            <a:stretch>
+              <a:fillRect/>
+            </a:stretch>
+          </p:blipFill>
+          <p:spPr>
+            <a:xfrm>
+              <a:off x="11429636" y="5133571"/>
+              <a:ext cx="656279" cy="656279"/>
+            </a:xfrm>
+            <a:prstGeom prst="rect">
+              <a:avLst/>
+            </a:prstGeom>
+          </p:spPr>
+        </p:pic>
+      </p:grpSp>
     </p:spTree>
     <p:extLst>
       <p:ext uri="{BB962C8B-B14F-4D97-AF65-F5344CB8AC3E}">
@@ -3966,6 +5172,81 @@
   <p:clrMapOvr>
     <a:masterClrMapping/>
   </p:clrMapOvr>
+  <p:timing>
+    <p:tnLst>
+      <p:par>
+        <p:cTn id="1" dur="indefinite" restart="never" nodeType="tmRoot">
+          <p:childTnLst>
+            <p:seq concurrent="1" nextAc="seek">
+              <p:cTn id="2" dur="indefinite" nodeType="mainSeq">
+                <p:childTnLst>
+                  <p:par>
+                    <p:cTn id="3" fill="hold">
+                      <p:stCondLst>
+                        <p:cond delay="indefinite"/>
+                      </p:stCondLst>
+                      <p:childTnLst>
+                        <p:par>
+                          <p:cTn id="4" fill="hold">
+                            <p:stCondLst>
+                              <p:cond delay="0"/>
+                            </p:stCondLst>
+                            <p:childTnLst>
+                              <p:par>
+                                <p:cTn id="5" presetID="1" presetClass="entr" presetSubtype="0" fill="hold" nodeType="clickEffect">
+                                  <p:stCondLst>
+                                    <p:cond delay="0"/>
+                                  </p:stCondLst>
+                                  <p:childTnLst>
+                                    <p:set>
+                                      <p:cBhvr>
+                                        <p:cTn id="6" dur="1" fill="hold">
+                                          <p:stCondLst>
+                                            <p:cond delay="0"/>
+                                          </p:stCondLst>
+                                        </p:cTn>
+                                        <p:tgtEl>
+                                          <p:spTgt spid="3"/>
+                                        </p:tgtEl>
+                                        <p:attrNameLst>
+                                          <p:attrName>style.visibility</p:attrName>
+                                        </p:attrNameLst>
+                                      </p:cBhvr>
+                                      <p:to>
+                                        <p:strVal val="visible"/>
+                                      </p:to>
+                                    </p:set>
+                                  </p:childTnLst>
+                                </p:cTn>
+                              </p:par>
+                            </p:childTnLst>
+                          </p:cTn>
+                        </p:par>
+                      </p:childTnLst>
+                    </p:cTn>
+                  </p:par>
+                </p:childTnLst>
+              </p:cTn>
+              <p:prevCondLst>
+                <p:cond evt="onPrev" delay="0">
+                  <p:tgtEl>
+                    <p:sldTgt/>
+                  </p:tgtEl>
+                </p:cond>
+              </p:prevCondLst>
+              <p:nextCondLst>
+                <p:cond evt="onNext" delay="0">
+                  <p:tgtEl>
+                    <p:sldTgt/>
+                  </p:tgtEl>
+                </p:cond>
+              </p:nextCondLst>
+            </p:seq>
+          </p:childTnLst>
+        </p:cTn>
+      </p:par>
+    </p:tnLst>
+  </p:timing>
 </p:sld>
 </file>
 
@@ -4194,6 +5475,387 @@
           </a:prstGeom>
         </p:spPr>
       </p:pic>
+      <p:grpSp>
+        <p:nvGrpSpPr>
+          <p:cNvPr id="3" name="Group 2">
+            <a:extLst>
+              <a:ext uri="{FF2B5EF4-FFF2-40B4-BE49-F238E27FC236}">
+                <a16:creationId xmlns:a16="http://schemas.microsoft.com/office/drawing/2014/main" id="{E07A5952-2A4C-C573-7F52-8667CFFDB13F}"/>
+              </a:ext>
+            </a:extLst>
+          </p:cNvPr>
+          <p:cNvGrpSpPr/>
+          <p:nvPr/>
+        </p:nvGrpSpPr>
+        <p:grpSpPr>
+          <a:xfrm>
+            <a:off x="8907632" y="925979"/>
+            <a:ext cx="3227691" cy="5780022"/>
+            <a:chOff x="8907632" y="925979"/>
+            <a:chExt cx="3227691" cy="5780022"/>
+          </a:xfrm>
+        </p:grpSpPr>
+        <p:pic>
+          <p:nvPicPr>
+            <p:cNvPr id="6" name="Graphic 5" descr="Duck outline">
+              <a:extLst>
+                <a:ext uri="{FF2B5EF4-FFF2-40B4-BE49-F238E27FC236}">
+                  <a16:creationId xmlns:a16="http://schemas.microsoft.com/office/drawing/2014/main" id="{5979F3DA-536C-385C-F41D-6B7E1EA87757}"/>
+                </a:ext>
+              </a:extLst>
+            </p:cNvPr>
+            <p:cNvPicPr>
+              <a:picLocks noChangeAspect="1"/>
+            </p:cNvPicPr>
+            <p:nvPr/>
+          </p:nvPicPr>
+          <p:blipFill>
+            <a:blip r:embed="rId4">
+              <a:extLst>
+                <a:ext uri="{96DAC541-7B7A-43D3-8B79-37D633B846F1}">
+                  <asvg:svgBlip xmlns:asvg="http://schemas.microsoft.com/office/drawing/2016/SVG/main" r:embed="rId5"/>
+                </a:ext>
+              </a:extLst>
+            </a:blip>
+            <a:stretch>
+              <a:fillRect/>
+            </a:stretch>
+          </p:blipFill>
+          <p:spPr>
+            <a:xfrm>
+              <a:off x="9023008" y="925979"/>
+              <a:ext cx="656279" cy="656279"/>
+            </a:xfrm>
+            <a:prstGeom prst="rect">
+              <a:avLst/>
+            </a:prstGeom>
+          </p:spPr>
+        </p:pic>
+        <p:pic>
+          <p:nvPicPr>
+            <p:cNvPr id="9" name="Graphic 8" descr="User with solid fill">
+              <a:extLst>
+                <a:ext uri="{FF2B5EF4-FFF2-40B4-BE49-F238E27FC236}">
+                  <a16:creationId xmlns:a16="http://schemas.microsoft.com/office/drawing/2014/main" id="{CF2EB0D2-B878-C558-C3C3-F890C16ADA72}"/>
+                </a:ext>
+              </a:extLst>
+            </p:cNvPr>
+            <p:cNvPicPr>
+              <a:picLocks noChangeAspect="1"/>
+            </p:cNvPicPr>
+            <p:nvPr/>
+          </p:nvPicPr>
+          <p:blipFill>
+            <a:blip r:embed="rId6">
+              <a:extLst>
+                <a:ext uri="{96DAC541-7B7A-43D3-8B79-37D633B846F1}">
+                  <asvg:svgBlip xmlns:asvg="http://schemas.microsoft.com/office/drawing/2016/SVG/main" r:embed="rId7"/>
+                </a:ext>
+              </a:extLst>
+            </a:blip>
+            <a:stretch>
+              <a:fillRect/>
+            </a:stretch>
+          </p:blipFill>
+          <p:spPr>
+            <a:xfrm>
+              <a:off x="9679287" y="2441137"/>
+              <a:ext cx="656279" cy="656279"/>
+            </a:xfrm>
+            <a:prstGeom prst="rect">
+              <a:avLst/>
+            </a:prstGeom>
+          </p:spPr>
+        </p:pic>
+        <p:pic>
+          <p:nvPicPr>
+            <p:cNvPr id="10" name="Graphic 9" descr="Dog outline">
+              <a:extLst>
+                <a:ext uri="{FF2B5EF4-FFF2-40B4-BE49-F238E27FC236}">
+                  <a16:creationId xmlns:a16="http://schemas.microsoft.com/office/drawing/2014/main" id="{C33875FC-FA81-7736-D066-89C33A39ABB9}"/>
+                </a:ext>
+              </a:extLst>
+            </p:cNvPr>
+            <p:cNvPicPr>
+              <a:picLocks noChangeAspect="1"/>
+            </p:cNvPicPr>
+            <p:nvPr/>
+          </p:nvPicPr>
+          <p:blipFill>
+            <a:blip r:embed="rId8">
+              <a:extLst>
+                <a:ext uri="{96DAC541-7B7A-43D3-8B79-37D633B846F1}">
+                  <asvg:svgBlip xmlns:asvg="http://schemas.microsoft.com/office/drawing/2016/SVG/main" r:embed="rId9"/>
+                </a:ext>
+              </a:extLst>
+            </a:blip>
+            <a:stretch>
+              <a:fillRect/>
+            </a:stretch>
+          </p:blipFill>
+          <p:spPr>
+            <a:xfrm>
+              <a:off x="9235772" y="4852989"/>
+              <a:ext cx="656279" cy="656279"/>
+            </a:xfrm>
+            <a:prstGeom prst="rect">
+              <a:avLst/>
+            </a:prstGeom>
+          </p:spPr>
+        </p:pic>
+        <p:pic>
+          <p:nvPicPr>
+            <p:cNvPr id="11" name="Graphic 10" descr="Horse outline">
+              <a:extLst>
+                <a:ext uri="{FF2B5EF4-FFF2-40B4-BE49-F238E27FC236}">
+                  <a16:creationId xmlns:a16="http://schemas.microsoft.com/office/drawing/2014/main" id="{B1471698-DE99-5403-5E8C-CF9E145D472F}"/>
+                </a:ext>
+              </a:extLst>
+            </p:cNvPr>
+            <p:cNvPicPr>
+              <a:picLocks noChangeAspect="1"/>
+            </p:cNvPicPr>
+            <p:nvPr/>
+          </p:nvPicPr>
+          <p:blipFill>
+            <a:blip r:embed="rId10">
+              <a:extLst>
+                <a:ext uri="{96DAC541-7B7A-43D3-8B79-37D633B846F1}">
+                  <asvg:svgBlip xmlns:asvg="http://schemas.microsoft.com/office/drawing/2016/SVG/main" r:embed="rId11"/>
+                </a:ext>
+              </a:extLst>
+            </a:blip>
+            <a:stretch>
+              <a:fillRect/>
+            </a:stretch>
+          </p:blipFill>
+          <p:spPr>
+            <a:xfrm>
+              <a:off x="8907632" y="5994167"/>
+              <a:ext cx="656279" cy="656279"/>
+            </a:xfrm>
+            <a:prstGeom prst="rect">
+              <a:avLst/>
+            </a:prstGeom>
+          </p:spPr>
+        </p:pic>
+        <p:pic>
+          <p:nvPicPr>
+            <p:cNvPr id="12" name="Graphic 11" descr="Bats with solid fill">
+              <a:extLst>
+                <a:ext uri="{FF2B5EF4-FFF2-40B4-BE49-F238E27FC236}">
+                  <a16:creationId xmlns:a16="http://schemas.microsoft.com/office/drawing/2014/main" id="{790A6345-FB89-1387-8A7A-A03173BFCF94}"/>
+                </a:ext>
+              </a:extLst>
+            </p:cNvPr>
+            <p:cNvPicPr>
+              <a:picLocks noChangeAspect="1"/>
+            </p:cNvPicPr>
+            <p:nvPr/>
+          </p:nvPicPr>
+          <p:blipFill>
+            <a:blip r:embed="rId12">
+              <a:extLst>
+                <a:ext uri="{96DAC541-7B7A-43D3-8B79-37D633B846F1}">
+                  <asvg:svgBlip xmlns:asvg="http://schemas.microsoft.com/office/drawing/2016/SVG/main" r:embed="rId13"/>
+                </a:ext>
+              </a:extLst>
+            </a:blip>
+            <a:stretch>
+              <a:fillRect/>
+            </a:stretch>
+          </p:blipFill>
+          <p:spPr>
+            <a:xfrm>
+              <a:off x="11479044" y="3613660"/>
+              <a:ext cx="656279" cy="656279"/>
+            </a:xfrm>
+            <a:prstGeom prst="rect">
+              <a:avLst/>
+            </a:prstGeom>
+          </p:spPr>
+        </p:pic>
+        <p:pic>
+          <p:nvPicPr>
+            <p:cNvPr id="13" name="Graphic 12" descr="Pig outline">
+              <a:extLst>
+                <a:ext uri="{FF2B5EF4-FFF2-40B4-BE49-F238E27FC236}">
+                  <a16:creationId xmlns:a16="http://schemas.microsoft.com/office/drawing/2014/main" id="{661A7444-F506-BEEF-FDB7-B6BF5722D14F}"/>
+                </a:ext>
+              </a:extLst>
+            </p:cNvPr>
+            <p:cNvPicPr>
+              <a:picLocks noChangeAspect="1"/>
+            </p:cNvPicPr>
+            <p:nvPr/>
+          </p:nvPicPr>
+          <p:blipFill>
+            <a:blip r:embed="rId14">
+              <a:extLst>
+                <a:ext uri="{96DAC541-7B7A-43D3-8B79-37D633B846F1}">
+                  <asvg:svgBlip xmlns:asvg="http://schemas.microsoft.com/office/drawing/2016/SVG/main" r:embed="rId15"/>
+                </a:ext>
+              </a:extLst>
+            </a:blip>
+            <a:stretch>
+              <a:fillRect/>
+            </a:stretch>
+          </p:blipFill>
+          <p:spPr>
+            <a:xfrm>
+              <a:off x="9563912" y="1824708"/>
+              <a:ext cx="656279" cy="656279"/>
+            </a:xfrm>
+            <a:prstGeom prst="rect">
+              <a:avLst/>
+            </a:prstGeom>
+          </p:spPr>
+        </p:pic>
+        <p:pic>
+          <p:nvPicPr>
+            <p:cNvPr id="14" name="Graphic 13" descr="Duck outline">
+              <a:extLst>
+                <a:ext uri="{FF2B5EF4-FFF2-40B4-BE49-F238E27FC236}">
+                  <a16:creationId xmlns:a16="http://schemas.microsoft.com/office/drawing/2014/main" id="{383D203B-6575-CB50-FD40-3905D673A8A0}"/>
+                </a:ext>
+              </a:extLst>
+            </p:cNvPr>
+            <p:cNvPicPr>
+              <a:picLocks noChangeAspect="1"/>
+            </p:cNvPicPr>
+            <p:nvPr/>
+          </p:nvPicPr>
+          <p:blipFill>
+            <a:blip r:embed="rId4">
+              <a:extLst>
+                <a:ext uri="{96DAC541-7B7A-43D3-8B79-37D633B846F1}">
+                  <asvg:svgBlip xmlns:asvg="http://schemas.microsoft.com/office/drawing/2016/SVG/main" r:embed="rId5"/>
+                </a:ext>
+              </a:extLst>
+            </a:blip>
+            <a:stretch>
+              <a:fillRect/>
+            </a:stretch>
+          </p:blipFill>
+          <p:spPr>
+            <a:xfrm>
+              <a:off x="9563912" y="4160537"/>
+              <a:ext cx="656279" cy="656279"/>
+            </a:xfrm>
+            <a:prstGeom prst="rect">
+              <a:avLst/>
+            </a:prstGeom>
+          </p:spPr>
+        </p:pic>
+        <p:pic>
+          <p:nvPicPr>
+            <p:cNvPr id="15" name="Graphic 14" descr="Duck outline">
+              <a:extLst>
+                <a:ext uri="{FF2B5EF4-FFF2-40B4-BE49-F238E27FC236}">
+                  <a16:creationId xmlns:a16="http://schemas.microsoft.com/office/drawing/2014/main" id="{EE396F72-88BA-D946-5261-454AD5516170}"/>
+                </a:ext>
+              </a:extLst>
+            </p:cNvPr>
+            <p:cNvPicPr>
+              <a:picLocks noChangeAspect="1"/>
+            </p:cNvPicPr>
+            <p:nvPr/>
+          </p:nvPicPr>
+          <p:blipFill>
+            <a:blip r:embed="rId4">
+              <a:extLst>
+                <a:ext uri="{96DAC541-7B7A-43D3-8B79-37D633B846F1}">
+                  <asvg:svgBlip xmlns:asvg="http://schemas.microsoft.com/office/drawing/2016/SVG/main" r:embed="rId5"/>
+                </a:ext>
+              </a:extLst>
+            </a:blip>
+            <a:stretch>
+              <a:fillRect/>
+            </a:stretch>
+          </p:blipFill>
+          <p:spPr>
+            <a:xfrm>
+              <a:off x="10046092" y="6049722"/>
+              <a:ext cx="656279" cy="656279"/>
+            </a:xfrm>
+            <a:prstGeom prst="rect">
+              <a:avLst/>
+            </a:prstGeom>
+          </p:spPr>
+        </p:pic>
+        <p:pic>
+          <p:nvPicPr>
+            <p:cNvPr id="16" name="Graphic 15" descr="User with solid fill">
+              <a:extLst>
+                <a:ext uri="{FF2B5EF4-FFF2-40B4-BE49-F238E27FC236}">
+                  <a16:creationId xmlns:a16="http://schemas.microsoft.com/office/drawing/2014/main" id="{AA67434B-E937-498B-31F9-3CEF1101C2C8}"/>
+                </a:ext>
+              </a:extLst>
+            </p:cNvPr>
+            <p:cNvPicPr>
+              <a:picLocks noChangeAspect="1"/>
+            </p:cNvPicPr>
+            <p:nvPr/>
+          </p:nvPicPr>
+          <p:blipFill>
+            <a:blip r:embed="rId6">
+              <a:extLst>
+                <a:ext uri="{96DAC541-7B7A-43D3-8B79-37D633B846F1}">
+                  <asvg:svgBlip xmlns:asvg="http://schemas.microsoft.com/office/drawing/2016/SVG/main" r:embed="rId7"/>
+                </a:ext>
+              </a:extLst>
+            </a:blip>
+            <a:stretch>
+              <a:fillRect/>
+            </a:stretch>
+          </p:blipFill>
+          <p:spPr>
+            <a:xfrm>
+              <a:off x="11378432" y="4524849"/>
+              <a:ext cx="656279" cy="656279"/>
+            </a:xfrm>
+            <a:prstGeom prst="rect">
+              <a:avLst/>
+            </a:prstGeom>
+          </p:spPr>
+        </p:pic>
+        <p:pic>
+          <p:nvPicPr>
+            <p:cNvPr id="17" name="Graphic 16" descr="Pig outline">
+              <a:extLst>
+                <a:ext uri="{FF2B5EF4-FFF2-40B4-BE49-F238E27FC236}">
+                  <a16:creationId xmlns:a16="http://schemas.microsoft.com/office/drawing/2014/main" id="{3C90993A-E984-CCF3-97B7-B5B41BA75C8D}"/>
+                </a:ext>
+              </a:extLst>
+            </p:cNvPr>
+            <p:cNvPicPr>
+              <a:picLocks noChangeAspect="1"/>
+            </p:cNvPicPr>
+            <p:nvPr/>
+          </p:nvPicPr>
+          <p:blipFill>
+            <a:blip r:embed="rId14">
+              <a:extLst>
+                <a:ext uri="{96DAC541-7B7A-43D3-8B79-37D633B846F1}">
+                  <asvg:svgBlip xmlns:asvg="http://schemas.microsoft.com/office/drawing/2016/SVG/main" r:embed="rId15"/>
+                </a:ext>
+              </a:extLst>
+            </a:blip>
+            <a:stretch>
+              <a:fillRect/>
+            </a:stretch>
+          </p:blipFill>
+          <p:spPr>
+            <a:xfrm>
+              <a:off x="11429636" y="5133571"/>
+              <a:ext cx="656279" cy="656279"/>
+            </a:xfrm>
+            <a:prstGeom prst="rect">
+              <a:avLst/>
+            </a:prstGeom>
+          </p:spPr>
+        </p:pic>
+      </p:grpSp>
     </p:spTree>
     <p:extLst>
       <p:ext uri="{BB962C8B-B14F-4D97-AF65-F5344CB8AC3E}">
@@ -4204,6 +5866,81 @@
   <p:clrMapOvr>
     <a:masterClrMapping/>
   </p:clrMapOvr>
+  <p:timing>
+    <p:tnLst>
+      <p:par>
+        <p:cTn id="1" dur="indefinite" restart="never" nodeType="tmRoot">
+          <p:childTnLst>
+            <p:seq concurrent="1" nextAc="seek">
+              <p:cTn id="2" dur="indefinite" nodeType="mainSeq">
+                <p:childTnLst>
+                  <p:par>
+                    <p:cTn id="3" fill="hold">
+                      <p:stCondLst>
+                        <p:cond delay="indefinite"/>
+                      </p:stCondLst>
+                      <p:childTnLst>
+                        <p:par>
+                          <p:cTn id="4" fill="hold">
+                            <p:stCondLst>
+                              <p:cond delay="0"/>
+                            </p:stCondLst>
+                            <p:childTnLst>
+                              <p:par>
+                                <p:cTn id="5" presetID="1" presetClass="entr" presetSubtype="0" fill="hold" nodeType="clickEffect">
+                                  <p:stCondLst>
+                                    <p:cond delay="0"/>
+                                  </p:stCondLst>
+                                  <p:childTnLst>
+                                    <p:set>
+                                      <p:cBhvr>
+                                        <p:cTn id="6" dur="1" fill="hold">
+                                          <p:stCondLst>
+                                            <p:cond delay="0"/>
+                                          </p:stCondLst>
+                                        </p:cTn>
+                                        <p:tgtEl>
+                                          <p:spTgt spid="3"/>
+                                        </p:tgtEl>
+                                        <p:attrNameLst>
+                                          <p:attrName>style.visibility</p:attrName>
+                                        </p:attrNameLst>
+                                      </p:cBhvr>
+                                      <p:to>
+                                        <p:strVal val="visible"/>
+                                      </p:to>
+                                    </p:set>
+                                  </p:childTnLst>
+                                </p:cTn>
+                              </p:par>
+                            </p:childTnLst>
+                          </p:cTn>
+                        </p:par>
+                      </p:childTnLst>
+                    </p:cTn>
+                  </p:par>
+                </p:childTnLst>
+              </p:cTn>
+              <p:prevCondLst>
+                <p:cond evt="onPrev" delay="0">
+                  <p:tgtEl>
+                    <p:sldTgt/>
+                  </p:tgtEl>
+                </p:cond>
+              </p:prevCondLst>
+              <p:nextCondLst>
+                <p:cond evt="onNext" delay="0">
+                  <p:tgtEl>
+                    <p:sldTgt/>
+                  </p:tgtEl>
+                </p:cond>
+              </p:nextCondLst>
+            </p:seq>
+          </p:childTnLst>
+        </p:cTn>
+      </p:par>
+    </p:tnLst>
+  </p:timing>
 </p:sld>
 </file>
 
@@ -4432,6 +6169,387 @@
           </a:p>
         </p:txBody>
       </p:sp>
+      <p:grpSp>
+        <p:nvGrpSpPr>
+          <p:cNvPr id="3" name="Group 2">
+            <a:extLst>
+              <a:ext uri="{FF2B5EF4-FFF2-40B4-BE49-F238E27FC236}">
+                <a16:creationId xmlns:a16="http://schemas.microsoft.com/office/drawing/2014/main" id="{68AF2694-92E1-C025-8F17-7E4BFAA1D8E7}"/>
+              </a:ext>
+            </a:extLst>
+          </p:cNvPr>
+          <p:cNvGrpSpPr/>
+          <p:nvPr/>
+        </p:nvGrpSpPr>
+        <p:grpSpPr>
+          <a:xfrm>
+            <a:off x="8907632" y="925979"/>
+            <a:ext cx="3227691" cy="5780022"/>
+            <a:chOff x="8907632" y="925979"/>
+            <a:chExt cx="3227691" cy="5780022"/>
+          </a:xfrm>
+        </p:grpSpPr>
+        <p:pic>
+          <p:nvPicPr>
+            <p:cNvPr id="5" name="Graphic 4" descr="Duck outline">
+              <a:extLst>
+                <a:ext uri="{FF2B5EF4-FFF2-40B4-BE49-F238E27FC236}">
+                  <a16:creationId xmlns:a16="http://schemas.microsoft.com/office/drawing/2014/main" id="{661C85F3-A4D7-2FF9-29C1-749E9BF42D27}"/>
+                </a:ext>
+              </a:extLst>
+            </p:cNvPr>
+            <p:cNvPicPr>
+              <a:picLocks noChangeAspect="1"/>
+            </p:cNvPicPr>
+            <p:nvPr/>
+          </p:nvPicPr>
+          <p:blipFill>
+            <a:blip r:embed="rId4">
+              <a:extLst>
+                <a:ext uri="{96DAC541-7B7A-43D3-8B79-37D633B846F1}">
+                  <asvg:svgBlip xmlns:asvg="http://schemas.microsoft.com/office/drawing/2016/SVG/main" r:embed="rId5"/>
+                </a:ext>
+              </a:extLst>
+            </a:blip>
+            <a:stretch>
+              <a:fillRect/>
+            </a:stretch>
+          </p:blipFill>
+          <p:spPr>
+            <a:xfrm>
+              <a:off x="9023008" y="925979"/>
+              <a:ext cx="656279" cy="656279"/>
+            </a:xfrm>
+            <a:prstGeom prst="rect">
+              <a:avLst/>
+            </a:prstGeom>
+          </p:spPr>
+        </p:pic>
+        <p:pic>
+          <p:nvPicPr>
+            <p:cNvPr id="9" name="Graphic 8" descr="User with solid fill">
+              <a:extLst>
+                <a:ext uri="{FF2B5EF4-FFF2-40B4-BE49-F238E27FC236}">
+                  <a16:creationId xmlns:a16="http://schemas.microsoft.com/office/drawing/2014/main" id="{B6AD61D1-B48B-C937-240B-C2043F15B91E}"/>
+                </a:ext>
+              </a:extLst>
+            </p:cNvPr>
+            <p:cNvPicPr>
+              <a:picLocks noChangeAspect="1"/>
+            </p:cNvPicPr>
+            <p:nvPr/>
+          </p:nvPicPr>
+          <p:blipFill>
+            <a:blip r:embed="rId6">
+              <a:extLst>
+                <a:ext uri="{96DAC541-7B7A-43D3-8B79-37D633B846F1}">
+                  <asvg:svgBlip xmlns:asvg="http://schemas.microsoft.com/office/drawing/2016/SVG/main" r:embed="rId7"/>
+                </a:ext>
+              </a:extLst>
+            </a:blip>
+            <a:stretch>
+              <a:fillRect/>
+            </a:stretch>
+          </p:blipFill>
+          <p:spPr>
+            <a:xfrm>
+              <a:off x="9679287" y="2441137"/>
+              <a:ext cx="656279" cy="656279"/>
+            </a:xfrm>
+            <a:prstGeom prst="rect">
+              <a:avLst/>
+            </a:prstGeom>
+          </p:spPr>
+        </p:pic>
+        <p:pic>
+          <p:nvPicPr>
+            <p:cNvPr id="10" name="Graphic 9" descr="Dog outline">
+              <a:extLst>
+                <a:ext uri="{FF2B5EF4-FFF2-40B4-BE49-F238E27FC236}">
+                  <a16:creationId xmlns:a16="http://schemas.microsoft.com/office/drawing/2014/main" id="{FFF125AA-F177-007C-6BC6-F3416D9E444B}"/>
+                </a:ext>
+              </a:extLst>
+            </p:cNvPr>
+            <p:cNvPicPr>
+              <a:picLocks noChangeAspect="1"/>
+            </p:cNvPicPr>
+            <p:nvPr/>
+          </p:nvPicPr>
+          <p:blipFill>
+            <a:blip r:embed="rId8">
+              <a:extLst>
+                <a:ext uri="{96DAC541-7B7A-43D3-8B79-37D633B846F1}">
+                  <asvg:svgBlip xmlns:asvg="http://schemas.microsoft.com/office/drawing/2016/SVG/main" r:embed="rId9"/>
+                </a:ext>
+              </a:extLst>
+            </a:blip>
+            <a:stretch>
+              <a:fillRect/>
+            </a:stretch>
+          </p:blipFill>
+          <p:spPr>
+            <a:xfrm>
+              <a:off x="9235772" y="4852989"/>
+              <a:ext cx="656279" cy="656279"/>
+            </a:xfrm>
+            <a:prstGeom prst="rect">
+              <a:avLst/>
+            </a:prstGeom>
+          </p:spPr>
+        </p:pic>
+        <p:pic>
+          <p:nvPicPr>
+            <p:cNvPr id="11" name="Graphic 10" descr="Horse outline">
+              <a:extLst>
+                <a:ext uri="{FF2B5EF4-FFF2-40B4-BE49-F238E27FC236}">
+                  <a16:creationId xmlns:a16="http://schemas.microsoft.com/office/drawing/2014/main" id="{EBB4625B-C0A4-767F-058F-FE57DFABD04E}"/>
+                </a:ext>
+              </a:extLst>
+            </p:cNvPr>
+            <p:cNvPicPr>
+              <a:picLocks noChangeAspect="1"/>
+            </p:cNvPicPr>
+            <p:nvPr/>
+          </p:nvPicPr>
+          <p:blipFill>
+            <a:blip r:embed="rId10">
+              <a:extLst>
+                <a:ext uri="{96DAC541-7B7A-43D3-8B79-37D633B846F1}">
+                  <asvg:svgBlip xmlns:asvg="http://schemas.microsoft.com/office/drawing/2016/SVG/main" r:embed="rId11"/>
+                </a:ext>
+              </a:extLst>
+            </a:blip>
+            <a:stretch>
+              <a:fillRect/>
+            </a:stretch>
+          </p:blipFill>
+          <p:spPr>
+            <a:xfrm>
+              <a:off x="8907632" y="5994167"/>
+              <a:ext cx="656279" cy="656279"/>
+            </a:xfrm>
+            <a:prstGeom prst="rect">
+              <a:avLst/>
+            </a:prstGeom>
+          </p:spPr>
+        </p:pic>
+        <p:pic>
+          <p:nvPicPr>
+            <p:cNvPr id="12" name="Graphic 11" descr="Bats with solid fill">
+              <a:extLst>
+                <a:ext uri="{FF2B5EF4-FFF2-40B4-BE49-F238E27FC236}">
+                  <a16:creationId xmlns:a16="http://schemas.microsoft.com/office/drawing/2014/main" id="{23D482CB-4876-FB8D-46D6-39A92A241E24}"/>
+                </a:ext>
+              </a:extLst>
+            </p:cNvPr>
+            <p:cNvPicPr>
+              <a:picLocks noChangeAspect="1"/>
+            </p:cNvPicPr>
+            <p:nvPr/>
+          </p:nvPicPr>
+          <p:blipFill>
+            <a:blip r:embed="rId12">
+              <a:extLst>
+                <a:ext uri="{96DAC541-7B7A-43D3-8B79-37D633B846F1}">
+                  <asvg:svgBlip xmlns:asvg="http://schemas.microsoft.com/office/drawing/2016/SVG/main" r:embed="rId13"/>
+                </a:ext>
+              </a:extLst>
+            </a:blip>
+            <a:stretch>
+              <a:fillRect/>
+            </a:stretch>
+          </p:blipFill>
+          <p:spPr>
+            <a:xfrm>
+              <a:off x="11479044" y="3613660"/>
+              <a:ext cx="656279" cy="656279"/>
+            </a:xfrm>
+            <a:prstGeom prst="rect">
+              <a:avLst/>
+            </a:prstGeom>
+          </p:spPr>
+        </p:pic>
+        <p:pic>
+          <p:nvPicPr>
+            <p:cNvPr id="13" name="Graphic 12" descr="Pig outline">
+              <a:extLst>
+                <a:ext uri="{FF2B5EF4-FFF2-40B4-BE49-F238E27FC236}">
+                  <a16:creationId xmlns:a16="http://schemas.microsoft.com/office/drawing/2014/main" id="{7F64CB2C-50AF-0D59-1A72-B0AEA11DD3F3}"/>
+                </a:ext>
+              </a:extLst>
+            </p:cNvPr>
+            <p:cNvPicPr>
+              <a:picLocks noChangeAspect="1"/>
+            </p:cNvPicPr>
+            <p:nvPr/>
+          </p:nvPicPr>
+          <p:blipFill>
+            <a:blip r:embed="rId14">
+              <a:extLst>
+                <a:ext uri="{96DAC541-7B7A-43D3-8B79-37D633B846F1}">
+                  <asvg:svgBlip xmlns:asvg="http://schemas.microsoft.com/office/drawing/2016/SVG/main" r:embed="rId15"/>
+                </a:ext>
+              </a:extLst>
+            </a:blip>
+            <a:stretch>
+              <a:fillRect/>
+            </a:stretch>
+          </p:blipFill>
+          <p:spPr>
+            <a:xfrm>
+              <a:off x="9563912" y="1824708"/>
+              <a:ext cx="656279" cy="656279"/>
+            </a:xfrm>
+            <a:prstGeom prst="rect">
+              <a:avLst/>
+            </a:prstGeom>
+          </p:spPr>
+        </p:pic>
+        <p:pic>
+          <p:nvPicPr>
+            <p:cNvPr id="14" name="Graphic 13" descr="Duck outline">
+              <a:extLst>
+                <a:ext uri="{FF2B5EF4-FFF2-40B4-BE49-F238E27FC236}">
+                  <a16:creationId xmlns:a16="http://schemas.microsoft.com/office/drawing/2014/main" id="{DDD28B25-6480-A1A8-D7C9-A736102176AF}"/>
+                </a:ext>
+              </a:extLst>
+            </p:cNvPr>
+            <p:cNvPicPr>
+              <a:picLocks noChangeAspect="1"/>
+            </p:cNvPicPr>
+            <p:nvPr/>
+          </p:nvPicPr>
+          <p:blipFill>
+            <a:blip r:embed="rId4">
+              <a:extLst>
+                <a:ext uri="{96DAC541-7B7A-43D3-8B79-37D633B846F1}">
+                  <asvg:svgBlip xmlns:asvg="http://schemas.microsoft.com/office/drawing/2016/SVG/main" r:embed="rId5"/>
+                </a:ext>
+              </a:extLst>
+            </a:blip>
+            <a:stretch>
+              <a:fillRect/>
+            </a:stretch>
+          </p:blipFill>
+          <p:spPr>
+            <a:xfrm>
+              <a:off x="9563912" y="4160537"/>
+              <a:ext cx="656279" cy="656279"/>
+            </a:xfrm>
+            <a:prstGeom prst="rect">
+              <a:avLst/>
+            </a:prstGeom>
+          </p:spPr>
+        </p:pic>
+        <p:pic>
+          <p:nvPicPr>
+            <p:cNvPr id="15" name="Graphic 14" descr="Duck outline">
+              <a:extLst>
+                <a:ext uri="{FF2B5EF4-FFF2-40B4-BE49-F238E27FC236}">
+                  <a16:creationId xmlns:a16="http://schemas.microsoft.com/office/drawing/2014/main" id="{B8C8186A-239D-2FFD-988F-26F7049D0512}"/>
+                </a:ext>
+              </a:extLst>
+            </p:cNvPr>
+            <p:cNvPicPr>
+              <a:picLocks noChangeAspect="1"/>
+            </p:cNvPicPr>
+            <p:nvPr/>
+          </p:nvPicPr>
+          <p:blipFill>
+            <a:blip r:embed="rId4">
+              <a:extLst>
+                <a:ext uri="{96DAC541-7B7A-43D3-8B79-37D633B846F1}">
+                  <asvg:svgBlip xmlns:asvg="http://schemas.microsoft.com/office/drawing/2016/SVG/main" r:embed="rId5"/>
+                </a:ext>
+              </a:extLst>
+            </a:blip>
+            <a:stretch>
+              <a:fillRect/>
+            </a:stretch>
+          </p:blipFill>
+          <p:spPr>
+            <a:xfrm>
+              <a:off x="10046092" y="6049722"/>
+              <a:ext cx="656279" cy="656279"/>
+            </a:xfrm>
+            <a:prstGeom prst="rect">
+              <a:avLst/>
+            </a:prstGeom>
+          </p:spPr>
+        </p:pic>
+        <p:pic>
+          <p:nvPicPr>
+            <p:cNvPr id="16" name="Graphic 15" descr="User with solid fill">
+              <a:extLst>
+                <a:ext uri="{FF2B5EF4-FFF2-40B4-BE49-F238E27FC236}">
+                  <a16:creationId xmlns:a16="http://schemas.microsoft.com/office/drawing/2014/main" id="{C6672F08-64EA-9AB7-7DD4-6E1FF88B4B4D}"/>
+                </a:ext>
+              </a:extLst>
+            </p:cNvPr>
+            <p:cNvPicPr>
+              <a:picLocks noChangeAspect="1"/>
+            </p:cNvPicPr>
+            <p:nvPr/>
+          </p:nvPicPr>
+          <p:blipFill>
+            <a:blip r:embed="rId6">
+              <a:extLst>
+                <a:ext uri="{96DAC541-7B7A-43D3-8B79-37D633B846F1}">
+                  <asvg:svgBlip xmlns:asvg="http://schemas.microsoft.com/office/drawing/2016/SVG/main" r:embed="rId7"/>
+                </a:ext>
+              </a:extLst>
+            </a:blip>
+            <a:stretch>
+              <a:fillRect/>
+            </a:stretch>
+          </p:blipFill>
+          <p:spPr>
+            <a:xfrm>
+              <a:off x="11378432" y="4524849"/>
+              <a:ext cx="656279" cy="656279"/>
+            </a:xfrm>
+            <a:prstGeom prst="rect">
+              <a:avLst/>
+            </a:prstGeom>
+          </p:spPr>
+        </p:pic>
+        <p:pic>
+          <p:nvPicPr>
+            <p:cNvPr id="17" name="Graphic 16" descr="Pig outline">
+              <a:extLst>
+                <a:ext uri="{FF2B5EF4-FFF2-40B4-BE49-F238E27FC236}">
+                  <a16:creationId xmlns:a16="http://schemas.microsoft.com/office/drawing/2014/main" id="{2E35A669-B843-4C2B-D73B-D0C584603B69}"/>
+                </a:ext>
+              </a:extLst>
+            </p:cNvPr>
+            <p:cNvPicPr>
+              <a:picLocks noChangeAspect="1"/>
+            </p:cNvPicPr>
+            <p:nvPr/>
+          </p:nvPicPr>
+          <p:blipFill>
+            <a:blip r:embed="rId14">
+              <a:extLst>
+                <a:ext uri="{96DAC541-7B7A-43D3-8B79-37D633B846F1}">
+                  <asvg:svgBlip xmlns:asvg="http://schemas.microsoft.com/office/drawing/2016/SVG/main" r:embed="rId15"/>
+                </a:ext>
+              </a:extLst>
+            </a:blip>
+            <a:stretch>
+              <a:fillRect/>
+            </a:stretch>
+          </p:blipFill>
+          <p:spPr>
+            <a:xfrm>
+              <a:off x="11429636" y="5133571"/>
+              <a:ext cx="656279" cy="656279"/>
+            </a:xfrm>
+            <a:prstGeom prst="rect">
+              <a:avLst/>
+            </a:prstGeom>
+          </p:spPr>
+        </p:pic>
+      </p:grpSp>
     </p:spTree>
     <p:extLst>
       <p:ext uri="{BB962C8B-B14F-4D97-AF65-F5344CB8AC3E}">
@@ -4442,6 +6560,81 @@
   <p:clrMapOvr>
     <a:masterClrMapping/>
   </p:clrMapOvr>
+  <p:timing>
+    <p:tnLst>
+      <p:par>
+        <p:cTn id="1" dur="indefinite" restart="never" nodeType="tmRoot">
+          <p:childTnLst>
+            <p:seq concurrent="1" nextAc="seek">
+              <p:cTn id="2" dur="indefinite" nodeType="mainSeq">
+                <p:childTnLst>
+                  <p:par>
+                    <p:cTn id="3" fill="hold">
+                      <p:stCondLst>
+                        <p:cond delay="indefinite"/>
+                      </p:stCondLst>
+                      <p:childTnLst>
+                        <p:par>
+                          <p:cTn id="4" fill="hold">
+                            <p:stCondLst>
+                              <p:cond delay="0"/>
+                            </p:stCondLst>
+                            <p:childTnLst>
+                              <p:par>
+                                <p:cTn id="5" presetID="1" presetClass="entr" presetSubtype="0" fill="hold" nodeType="clickEffect">
+                                  <p:stCondLst>
+                                    <p:cond delay="0"/>
+                                  </p:stCondLst>
+                                  <p:childTnLst>
+                                    <p:set>
+                                      <p:cBhvr>
+                                        <p:cTn id="6" dur="1" fill="hold">
+                                          <p:stCondLst>
+                                            <p:cond delay="0"/>
+                                          </p:stCondLst>
+                                        </p:cTn>
+                                        <p:tgtEl>
+                                          <p:spTgt spid="3"/>
+                                        </p:tgtEl>
+                                        <p:attrNameLst>
+                                          <p:attrName>style.visibility</p:attrName>
+                                        </p:attrNameLst>
+                                      </p:cBhvr>
+                                      <p:to>
+                                        <p:strVal val="visible"/>
+                                      </p:to>
+                                    </p:set>
+                                  </p:childTnLst>
+                                </p:cTn>
+                              </p:par>
+                            </p:childTnLst>
+                          </p:cTn>
+                        </p:par>
+                      </p:childTnLst>
+                    </p:cTn>
+                  </p:par>
+                </p:childTnLst>
+              </p:cTn>
+              <p:prevCondLst>
+                <p:cond evt="onPrev" delay="0">
+                  <p:tgtEl>
+                    <p:sldTgt/>
+                  </p:tgtEl>
+                </p:cond>
+              </p:prevCondLst>
+              <p:nextCondLst>
+                <p:cond evt="onNext" delay="0">
+                  <p:tgtEl>
+                    <p:sldTgt/>
+                  </p:tgtEl>
+                </p:cond>
+              </p:nextCondLst>
+            </p:seq>
+          </p:childTnLst>
+        </p:cTn>
+      </p:par>
+    </p:tnLst>
+  </p:timing>
 </p:sld>
 </file>
 
@@ -4670,6 +6863,387 @@
           </a:prstGeom>
         </p:spPr>
       </p:pic>
+      <p:grpSp>
+        <p:nvGrpSpPr>
+          <p:cNvPr id="3" name="Group 2">
+            <a:extLst>
+              <a:ext uri="{FF2B5EF4-FFF2-40B4-BE49-F238E27FC236}">
+                <a16:creationId xmlns:a16="http://schemas.microsoft.com/office/drawing/2014/main" id="{51D31487-97A8-0DEC-2404-0F7EBC2F528D}"/>
+              </a:ext>
+            </a:extLst>
+          </p:cNvPr>
+          <p:cNvGrpSpPr/>
+          <p:nvPr/>
+        </p:nvGrpSpPr>
+        <p:grpSpPr>
+          <a:xfrm>
+            <a:off x="8907632" y="925979"/>
+            <a:ext cx="3227691" cy="5780022"/>
+            <a:chOff x="8907632" y="925979"/>
+            <a:chExt cx="3227691" cy="5780022"/>
+          </a:xfrm>
+        </p:grpSpPr>
+        <p:pic>
+          <p:nvPicPr>
+            <p:cNvPr id="6" name="Graphic 5" descr="Duck outline">
+              <a:extLst>
+                <a:ext uri="{FF2B5EF4-FFF2-40B4-BE49-F238E27FC236}">
+                  <a16:creationId xmlns:a16="http://schemas.microsoft.com/office/drawing/2014/main" id="{5A2E9991-5BD1-4428-B5D0-831733313437}"/>
+                </a:ext>
+              </a:extLst>
+            </p:cNvPr>
+            <p:cNvPicPr>
+              <a:picLocks noChangeAspect="1"/>
+            </p:cNvPicPr>
+            <p:nvPr/>
+          </p:nvPicPr>
+          <p:blipFill>
+            <a:blip r:embed="rId4">
+              <a:extLst>
+                <a:ext uri="{96DAC541-7B7A-43D3-8B79-37D633B846F1}">
+                  <asvg:svgBlip xmlns:asvg="http://schemas.microsoft.com/office/drawing/2016/SVG/main" r:embed="rId5"/>
+                </a:ext>
+              </a:extLst>
+            </a:blip>
+            <a:stretch>
+              <a:fillRect/>
+            </a:stretch>
+          </p:blipFill>
+          <p:spPr>
+            <a:xfrm>
+              <a:off x="9023008" y="925979"/>
+              <a:ext cx="656279" cy="656279"/>
+            </a:xfrm>
+            <a:prstGeom prst="rect">
+              <a:avLst/>
+            </a:prstGeom>
+          </p:spPr>
+        </p:pic>
+        <p:pic>
+          <p:nvPicPr>
+            <p:cNvPr id="9" name="Graphic 8" descr="User with solid fill">
+              <a:extLst>
+                <a:ext uri="{FF2B5EF4-FFF2-40B4-BE49-F238E27FC236}">
+                  <a16:creationId xmlns:a16="http://schemas.microsoft.com/office/drawing/2014/main" id="{E861FE29-E401-EB37-8332-C08AF3057CAF}"/>
+                </a:ext>
+              </a:extLst>
+            </p:cNvPr>
+            <p:cNvPicPr>
+              <a:picLocks noChangeAspect="1"/>
+            </p:cNvPicPr>
+            <p:nvPr/>
+          </p:nvPicPr>
+          <p:blipFill>
+            <a:blip r:embed="rId6">
+              <a:extLst>
+                <a:ext uri="{96DAC541-7B7A-43D3-8B79-37D633B846F1}">
+                  <asvg:svgBlip xmlns:asvg="http://schemas.microsoft.com/office/drawing/2016/SVG/main" r:embed="rId7"/>
+                </a:ext>
+              </a:extLst>
+            </a:blip>
+            <a:stretch>
+              <a:fillRect/>
+            </a:stretch>
+          </p:blipFill>
+          <p:spPr>
+            <a:xfrm>
+              <a:off x="9679287" y="2441137"/>
+              <a:ext cx="656279" cy="656279"/>
+            </a:xfrm>
+            <a:prstGeom prst="rect">
+              <a:avLst/>
+            </a:prstGeom>
+          </p:spPr>
+        </p:pic>
+        <p:pic>
+          <p:nvPicPr>
+            <p:cNvPr id="10" name="Graphic 9" descr="Dog outline">
+              <a:extLst>
+                <a:ext uri="{FF2B5EF4-FFF2-40B4-BE49-F238E27FC236}">
+                  <a16:creationId xmlns:a16="http://schemas.microsoft.com/office/drawing/2014/main" id="{3C818771-6415-52BE-01B5-105F51B90B38}"/>
+                </a:ext>
+              </a:extLst>
+            </p:cNvPr>
+            <p:cNvPicPr>
+              <a:picLocks noChangeAspect="1"/>
+            </p:cNvPicPr>
+            <p:nvPr/>
+          </p:nvPicPr>
+          <p:blipFill>
+            <a:blip r:embed="rId8">
+              <a:extLst>
+                <a:ext uri="{96DAC541-7B7A-43D3-8B79-37D633B846F1}">
+                  <asvg:svgBlip xmlns:asvg="http://schemas.microsoft.com/office/drawing/2016/SVG/main" r:embed="rId9"/>
+                </a:ext>
+              </a:extLst>
+            </a:blip>
+            <a:stretch>
+              <a:fillRect/>
+            </a:stretch>
+          </p:blipFill>
+          <p:spPr>
+            <a:xfrm>
+              <a:off x="9235772" y="4852989"/>
+              <a:ext cx="656279" cy="656279"/>
+            </a:xfrm>
+            <a:prstGeom prst="rect">
+              <a:avLst/>
+            </a:prstGeom>
+          </p:spPr>
+        </p:pic>
+        <p:pic>
+          <p:nvPicPr>
+            <p:cNvPr id="11" name="Graphic 10" descr="Horse outline">
+              <a:extLst>
+                <a:ext uri="{FF2B5EF4-FFF2-40B4-BE49-F238E27FC236}">
+                  <a16:creationId xmlns:a16="http://schemas.microsoft.com/office/drawing/2014/main" id="{CD1E4F22-BDDC-8BE8-6E17-22953BA60803}"/>
+                </a:ext>
+              </a:extLst>
+            </p:cNvPr>
+            <p:cNvPicPr>
+              <a:picLocks noChangeAspect="1"/>
+            </p:cNvPicPr>
+            <p:nvPr/>
+          </p:nvPicPr>
+          <p:blipFill>
+            <a:blip r:embed="rId10">
+              <a:extLst>
+                <a:ext uri="{96DAC541-7B7A-43D3-8B79-37D633B846F1}">
+                  <asvg:svgBlip xmlns:asvg="http://schemas.microsoft.com/office/drawing/2016/SVG/main" r:embed="rId11"/>
+                </a:ext>
+              </a:extLst>
+            </a:blip>
+            <a:stretch>
+              <a:fillRect/>
+            </a:stretch>
+          </p:blipFill>
+          <p:spPr>
+            <a:xfrm>
+              <a:off x="8907632" y="5994167"/>
+              <a:ext cx="656279" cy="656279"/>
+            </a:xfrm>
+            <a:prstGeom prst="rect">
+              <a:avLst/>
+            </a:prstGeom>
+          </p:spPr>
+        </p:pic>
+        <p:pic>
+          <p:nvPicPr>
+            <p:cNvPr id="12" name="Graphic 11" descr="Bats with solid fill">
+              <a:extLst>
+                <a:ext uri="{FF2B5EF4-FFF2-40B4-BE49-F238E27FC236}">
+                  <a16:creationId xmlns:a16="http://schemas.microsoft.com/office/drawing/2014/main" id="{024ED098-C8C3-16E9-B11A-F889D4B1123E}"/>
+                </a:ext>
+              </a:extLst>
+            </p:cNvPr>
+            <p:cNvPicPr>
+              <a:picLocks noChangeAspect="1"/>
+            </p:cNvPicPr>
+            <p:nvPr/>
+          </p:nvPicPr>
+          <p:blipFill>
+            <a:blip r:embed="rId12">
+              <a:extLst>
+                <a:ext uri="{96DAC541-7B7A-43D3-8B79-37D633B846F1}">
+                  <asvg:svgBlip xmlns:asvg="http://schemas.microsoft.com/office/drawing/2016/SVG/main" r:embed="rId13"/>
+                </a:ext>
+              </a:extLst>
+            </a:blip>
+            <a:stretch>
+              <a:fillRect/>
+            </a:stretch>
+          </p:blipFill>
+          <p:spPr>
+            <a:xfrm>
+              <a:off x="11479044" y="3613660"/>
+              <a:ext cx="656279" cy="656279"/>
+            </a:xfrm>
+            <a:prstGeom prst="rect">
+              <a:avLst/>
+            </a:prstGeom>
+          </p:spPr>
+        </p:pic>
+        <p:pic>
+          <p:nvPicPr>
+            <p:cNvPr id="13" name="Graphic 12" descr="Pig outline">
+              <a:extLst>
+                <a:ext uri="{FF2B5EF4-FFF2-40B4-BE49-F238E27FC236}">
+                  <a16:creationId xmlns:a16="http://schemas.microsoft.com/office/drawing/2014/main" id="{F0D3CF6D-5932-6239-00E4-2A5620BE94EF}"/>
+                </a:ext>
+              </a:extLst>
+            </p:cNvPr>
+            <p:cNvPicPr>
+              <a:picLocks noChangeAspect="1"/>
+            </p:cNvPicPr>
+            <p:nvPr/>
+          </p:nvPicPr>
+          <p:blipFill>
+            <a:blip r:embed="rId14">
+              <a:extLst>
+                <a:ext uri="{96DAC541-7B7A-43D3-8B79-37D633B846F1}">
+                  <asvg:svgBlip xmlns:asvg="http://schemas.microsoft.com/office/drawing/2016/SVG/main" r:embed="rId15"/>
+                </a:ext>
+              </a:extLst>
+            </a:blip>
+            <a:stretch>
+              <a:fillRect/>
+            </a:stretch>
+          </p:blipFill>
+          <p:spPr>
+            <a:xfrm>
+              <a:off x="9563912" y="1824708"/>
+              <a:ext cx="656279" cy="656279"/>
+            </a:xfrm>
+            <a:prstGeom prst="rect">
+              <a:avLst/>
+            </a:prstGeom>
+          </p:spPr>
+        </p:pic>
+        <p:pic>
+          <p:nvPicPr>
+            <p:cNvPr id="14" name="Graphic 13" descr="Duck outline">
+              <a:extLst>
+                <a:ext uri="{FF2B5EF4-FFF2-40B4-BE49-F238E27FC236}">
+                  <a16:creationId xmlns:a16="http://schemas.microsoft.com/office/drawing/2014/main" id="{7BBC9BFD-668A-15B3-388B-3C426421DB8B}"/>
+                </a:ext>
+              </a:extLst>
+            </p:cNvPr>
+            <p:cNvPicPr>
+              <a:picLocks noChangeAspect="1"/>
+            </p:cNvPicPr>
+            <p:nvPr/>
+          </p:nvPicPr>
+          <p:blipFill>
+            <a:blip r:embed="rId4">
+              <a:extLst>
+                <a:ext uri="{96DAC541-7B7A-43D3-8B79-37D633B846F1}">
+                  <asvg:svgBlip xmlns:asvg="http://schemas.microsoft.com/office/drawing/2016/SVG/main" r:embed="rId5"/>
+                </a:ext>
+              </a:extLst>
+            </a:blip>
+            <a:stretch>
+              <a:fillRect/>
+            </a:stretch>
+          </p:blipFill>
+          <p:spPr>
+            <a:xfrm>
+              <a:off x="9563912" y="4160537"/>
+              <a:ext cx="656279" cy="656279"/>
+            </a:xfrm>
+            <a:prstGeom prst="rect">
+              <a:avLst/>
+            </a:prstGeom>
+          </p:spPr>
+        </p:pic>
+        <p:pic>
+          <p:nvPicPr>
+            <p:cNvPr id="15" name="Graphic 14" descr="Duck outline">
+              <a:extLst>
+                <a:ext uri="{FF2B5EF4-FFF2-40B4-BE49-F238E27FC236}">
+                  <a16:creationId xmlns:a16="http://schemas.microsoft.com/office/drawing/2014/main" id="{B56212F9-2D9C-17B0-CADB-E22DB2FC5BBB}"/>
+                </a:ext>
+              </a:extLst>
+            </p:cNvPr>
+            <p:cNvPicPr>
+              <a:picLocks noChangeAspect="1"/>
+            </p:cNvPicPr>
+            <p:nvPr/>
+          </p:nvPicPr>
+          <p:blipFill>
+            <a:blip r:embed="rId4">
+              <a:extLst>
+                <a:ext uri="{96DAC541-7B7A-43D3-8B79-37D633B846F1}">
+                  <asvg:svgBlip xmlns:asvg="http://schemas.microsoft.com/office/drawing/2016/SVG/main" r:embed="rId5"/>
+                </a:ext>
+              </a:extLst>
+            </a:blip>
+            <a:stretch>
+              <a:fillRect/>
+            </a:stretch>
+          </p:blipFill>
+          <p:spPr>
+            <a:xfrm>
+              <a:off x="10046092" y="6049722"/>
+              <a:ext cx="656279" cy="656279"/>
+            </a:xfrm>
+            <a:prstGeom prst="rect">
+              <a:avLst/>
+            </a:prstGeom>
+          </p:spPr>
+        </p:pic>
+        <p:pic>
+          <p:nvPicPr>
+            <p:cNvPr id="16" name="Graphic 15" descr="User with solid fill">
+              <a:extLst>
+                <a:ext uri="{FF2B5EF4-FFF2-40B4-BE49-F238E27FC236}">
+                  <a16:creationId xmlns:a16="http://schemas.microsoft.com/office/drawing/2014/main" id="{D4755365-FE64-A289-2D02-33E594089968}"/>
+                </a:ext>
+              </a:extLst>
+            </p:cNvPr>
+            <p:cNvPicPr>
+              <a:picLocks noChangeAspect="1"/>
+            </p:cNvPicPr>
+            <p:nvPr/>
+          </p:nvPicPr>
+          <p:blipFill>
+            <a:blip r:embed="rId6">
+              <a:extLst>
+                <a:ext uri="{96DAC541-7B7A-43D3-8B79-37D633B846F1}">
+                  <asvg:svgBlip xmlns:asvg="http://schemas.microsoft.com/office/drawing/2016/SVG/main" r:embed="rId7"/>
+                </a:ext>
+              </a:extLst>
+            </a:blip>
+            <a:stretch>
+              <a:fillRect/>
+            </a:stretch>
+          </p:blipFill>
+          <p:spPr>
+            <a:xfrm>
+              <a:off x="11378432" y="4524849"/>
+              <a:ext cx="656279" cy="656279"/>
+            </a:xfrm>
+            <a:prstGeom prst="rect">
+              <a:avLst/>
+            </a:prstGeom>
+          </p:spPr>
+        </p:pic>
+        <p:pic>
+          <p:nvPicPr>
+            <p:cNvPr id="17" name="Graphic 16" descr="Pig outline">
+              <a:extLst>
+                <a:ext uri="{FF2B5EF4-FFF2-40B4-BE49-F238E27FC236}">
+                  <a16:creationId xmlns:a16="http://schemas.microsoft.com/office/drawing/2014/main" id="{A30314AE-AA07-D839-DF98-F0A941D18BB3}"/>
+                </a:ext>
+              </a:extLst>
+            </p:cNvPr>
+            <p:cNvPicPr>
+              <a:picLocks noChangeAspect="1"/>
+            </p:cNvPicPr>
+            <p:nvPr/>
+          </p:nvPicPr>
+          <p:blipFill>
+            <a:blip r:embed="rId14">
+              <a:extLst>
+                <a:ext uri="{96DAC541-7B7A-43D3-8B79-37D633B846F1}">
+                  <asvg:svgBlip xmlns:asvg="http://schemas.microsoft.com/office/drawing/2016/SVG/main" r:embed="rId15"/>
+                </a:ext>
+              </a:extLst>
+            </a:blip>
+            <a:stretch>
+              <a:fillRect/>
+            </a:stretch>
+          </p:blipFill>
+          <p:spPr>
+            <a:xfrm>
+              <a:off x="11429636" y="5133571"/>
+              <a:ext cx="656279" cy="656279"/>
+            </a:xfrm>
+            <a:prstGeom prst="rect">
+              <a:avLst/>
+            </a:prstGeom>
+          </p:spPr>
+        </p:pic>
+      </p:grpSp>
     </p:spTree>
     <p:extLst>
       <p:ext uri="{BB962C8B-B14F-4D97-AF65-F5344CB8AC3E}">
@@ -4680,6 +7254,81 @@
   <p:clrMapOvr>
     <a:masterClrMapping/>
   </p:clrMapOvr>
+  <p:timing>
+    <p:tnLst>
+      <p:par>
+        <p:cTn id="1" dur="indefinite" restart="never" nodeType="tmRoot">
+          <p:childTnLst>
+            <p:seq concurrent="1" nextAc="seek">
+              <p:cTn id="2" dur="indefinite" nodeType="mainSeq">
+                <p:childTnLst>
+                  <p:par>
+                    <p:cTn id="3" fill="hold">
+                      <p:stCondLst>
+                        <p:cond delay="indefinite"/>
+                      </p:stCondLst>
+                      <p:childTnLst>
+                        <p:par>
+                          <p:cTn id="4" fill="hold">
+                            <p:stCondLst>
+                              <p:cond delay="0"/>
+                            </p:stCondLst>
+                            <p:childTnLst>
+                              <p:par>
+                                <p:cTn id="5" presetID="1" presetClass="entr" presetSubtype="0" fill="hold" nodeType="clickEffect">
+                                  <p:stCondLst>
+                                    <p:cond delay="0"/>
+                                  </p:stCondLst>
+                                  <p:childTnLst>
+                                    <p:set>
+                                      <p:cBhvr>
+                                        <p:cTn id="6" dur="1" fill="hold">
+                                          <p:stCondLst>
+                                            <p:cond delay="0"/>
+                                          </p:stCondLst>
+                                        </p:cTn>
+                                        <p:tgtEl>
+                                          <p:spTgt spid="3"/>
+                                        </p:tgtEl>
+                                        <p:attrNameLst>
+                                          <p:attrName>style.visibility</p:attrName>
+                                        </p:attrNameLst>
+                                      </p:cBhvr>
+                                      <p:to>
+                                        <p:strVal val="visible"/>
+                                      </p:to>
+                                    </p:set>
+                                  </p:childTnLst>
+                                </p:cTn>
+                              </p:par>
+                            </p:childTnLst>
+                          </p:cTn>
+                        </p:par>
+                      </p:childTnLst>
+                    </p:cTn>
+                  </p:par>
+                </p:childTnLst>
+              </p:cTn>
+              <p:prevCondLst>
+                <p:cond evt="onPrev" delay="0">
+                  <p:tgtEl>
+                    <p:sldTgt/>
+                  </p:tgtEl>
+                </p:cond>
+              </p:prevCondLst>
+              <p:nextCondLst>
+                <p:cond evt="onNext" delay="0">
+                  <p:tgtEl>
+                    <p:sldTgt/>
+                  </p:tgtEl>
+                </p:cond>
+              </p:nextCondLst>
+            </p:seq>
+          </p:childTnLst>
+        </p:cTn>
+      </p:par>
+    </p:tnLst>
+  </p:timing>
 </p:sld>
 </file>
 
@@ -4913,6 +7562,387 @@
           </a:p>
         </p:txBody>
       </p:sp>
+      <p:grpSp>
+        <p:nvGrpSpPr>
+          <p:cNvPr id="3" name="Group 2">
+            <a:extLst>
+              <a:ext uri="{FF2B5EF4-FFF2-40B4-BE49-F238E27FC236}">
+                <a16:creationId xmlns:a16="http://schemas.microsoft.com/office/drawing/2014/main" id="{9A21C12D-8434-F8CD-8F11-0CAFFC25EE08}"/>
+              </a:ext>
+            </a:extLst>
+          </p:cNvPr>
+          <p:cNvGrpSpPr/>
+          <p:nvPr/>
+        </p:nvGrpSpPr>
+        <p:grpSpPr>
+          <a:xfrm>
+            <a:off x="8907632" y="925979"/>
+            <a:ext cx="3227691" cy="5780022"/>
+            <a:chOff x="8907632" y="925979"/>
+            <a:chExt cx="3227691" cy="5780022"/>
+          </a:xfrm>
+        </p:grpSpPr>
+        <p:pic>
+          <p:nvPicPr>
+            <p:cNvPr id="5" name="Graphic 4" descr="Duck outline">
+              <a:extLst>
+                <a:ext uri="{FF2B5EF4-FFF2-40B4-BE49-F238E27FC236}">
+                  <a16:creationId xmlns:a16="http://schemas.microsoft.com/office/drawing/2014/main" id="{F3A75FEF-7F6D-9FEB-3E0C-EDB16C851643}"/>
+                </a:ext>
+              </a:extLst>
+            </p:cNvPr>
+            <p:cNvPicPr>
+              <a:picLocks noChangeAspect="1"/>
+            </p:cNvPicPr>
+            <p:nvPr/>
+          </p:nvPicPr>
+          <p:blipFill>
+            <a:blip r:embed="rId4">
+              <a:extLst>
+                <a:ext uri="{96DAC541-7B7A-43D3-8B79-37D633B846F1}">
+                  <asvg:svgBlip xmlns:asvg="http://schemas.microsoft.com/office/drawing/2016/SVG/main" r:embed="rId5"/>
+                </a:ext>
+              </a:extLst>
+            </a:blip>
+            <a:stretch>
+              <a:fillRect/>
+            </a:stretch>
+          </p:blipFill>
+          <p:spPr>
+            <a:xfrm>
+              <a:off x="9023008" y="925979"/>
+              <a:ext cx="656279" cy="656279"/>
+            </a:xfrm>
+            <a:prstGeom prst="rect">
+              <a:avLst/>
+            </a:prstGeom>
+          </p:spPr>
+        </p:pic>
+        <p:pic>
+          <p:nvPicPr>
+            <p:cNvPr id="9" name="Graphic 8" descr="User with solid fill">
+              <a:extLst>
+                <a:ext uri="{FF2B5EF4-FFF2-40B4-BE49-F238E27FC236}">
+                  <a16:creationId xmlns:a16="http://schemas.microsoft.com/office/drawing/2014/main" id="{1CAA035F-E55E-11F8-6B37-A0869753359D}"/>
+                </a:ext>
+              </a:extLst>
+            </p:cNvPr>
+            <p:cNvPicPr>
+              <a:picLocks noChangeAspect="1"/>
+            </p:cNvPicPr>
+            <p:nvPr/>
+          </p:nvPicPr>
+          <p:blipFill>
+            <a:blip r:embed="rId6">
+              <a:extLst>
+                <a:ext uri="{96DAC541-7B7A-43D3-8B79-37D633B846F1}">
+                  <asvg:svgBlip xmlns:asvg="http://schemas.microsoft.com/office/drawing/2016/SVG/main" r:embed="rId7"/>
+                </a:ext>
+              </a:extLst>
+            </a:blip>
+            <a:stretch>
+              <a:fillRect/>
+            </a:stretch>
+          </p:blipFill>
+          <p:spPr>
+            <a:xfrm>
+              <a:off x="9679287" y="2441137"/>
+              <a:ext cx="656279" cy="656279"/>
+            </a:xfrm>
+            <a:prstGeom prst="rect">
+              <a:avLst/>
+            </a:prstGeom>
+          </p:spPr>
+        </p:pic>
+        <p:pic>
+          <p:nvPicPr>
+            <p:cNvPr id="10" name="Graphic 9" descr="Dog outline">
+              <a:extLst>
+                <a:ext uri="{FF2B5EF4-FFF2-40B4-BE49-F238E27FC236}">
+                  <a16:creationId xmlns:a16="http://schemas.microsoft.com/office/drawing/2014/main" id="{F2896F8F-C9B2-B516-A780-6B4B358E8458}"/>
+                </a:ext>
+              </a:extLst>
+            </p:cNvPr>
+            <p:cNvPicPr>
+              <a:picLocks noChangeAspect="1"/>
+            </p:cNvPicPr>
+            <p:nvPr/>
+          </p:nvPicPr>
+          <p:blipFill>
+            <a:blip r:embed="rId8">
+              <a:extLst>
+                <a:ext uri="{96DAC541-7B7A-43D3-8B79-37D633B846F1}">
+                  <asvg:svgBlip xmlns:asvg="http://schemas.microsoft.com/office/drawing/2016/SVG/main" r:embed="rId9"/>
+                </a:ext>
+              </a:extLst>
+            </a:blip>
+            <a:stretch>
+              <a:fillRect/>
+            </a:stretch>
+          </p:blipFill>
+          <p:spPr>
+            <a:xfrm>
+              <a:off x="9235772" y="4852989"/>
+              <a:ext cx="656279" cy="656279"/>
+            </a:xfrm>
+            <a:prstGeom prst="rect">
+              <a:avLst/>
+            </a:prstGeom>
+          </p:spPr>
+        </p:pic>
+        <p:pic>
+          <p:nvPicPr>
+            <p:cNvPr id="11" name="Graphic 10" descr="Horse outline">
+              <a:extLst>
+                <a:ext uri="{FF2B5EF4-FFF2-40B4-BE49-F238E27FC236}">
+                  <a16:creationId xmlns:a16="http://schemas.microsoft.com/office/drawing/2014/main" id="{086EBEB0-66C8-D6C2-6912-C9F6AC058929}"/>
+                </a:ext>
+              </a:extLst>
+            </p:cNvPr>
+            <p:cNvPicPr>
+              <a:picLocks noChangeAspect="1"/>
+            </p:cNvPicPr>
+            <p:nvPr/>
+          </p:nvPicPr>
+          <p:blipFill>
+            <a:blip r:embed="rId10">
+              <a:extLst>
+                <a:ext uri="{96DAC541-7B7A-43D3-8B79-37D633B846F1}">
+                  <asvg:svgBlip xmlns:asvg="http://schemas.microsoft.com/office/drawing/2016/SVG/main" r:embed="rId11"/>
+                </a:ext>
+              </a:extLst>
+            </a:blip>
+            <a:stretch>
+              <a:fillRect/>
+            </a:stretch>
+          </p:blipFill>
+          <p:spPr>
+            <a:xfrm>
+              <a:off x="8907632" y="5994167"/>
+              <a:ext cx="656279" cy="656279"/>
+            </a:xfrm>
+            <a:prstGeom prst="rect">
+              <a:avLst/>
+            </a:prstGeom>
+          </p:spPr>
+        </p:pic>
+        <p:pic>
+          <p:nvPicPr>
+            <p:cNvPr id="12" name="Graphic 11" descr="Bats with solid fill">
+              <a:extLst>
+                <a:ext uri="{FF2B5EF4-FFF2-40B4-BE49-F238E27FC236}">
+                  <a16:creationId xmlns:a16="http://schemas.microsoft.com/office/drawing/2014/main" id="{D7230DFE-56B9-87D4-E3D4-4B214075838C}"/>
+                </a:ext>
+              </a:extLst>
+            </p:cNvPr>
+            <p:cNvPicPr>
+              <a:picLocks noChangeAspect="1"/>
+            </p:cNvPicPr>
+            <p:nvPr/>
+          </p:nvPicPr>
+          <p:blipFill>
+            <a:blip r:embed="rId12">
+              <a:extLst>
+                <a:ext uri="{96DAC541-7B7A-43D3-8B79-37D633B846F1}">
+                  <asvg:svgBlip xmlns:asvg="http://schemas.microsoft.com/office/drawing/2016/SVG/main" r:embed="rId13"/>
+                </a:ext>
+              </a:extLst>
+            </a:blip>
+            <a:stretch>
+              <a:fillRect/>
+            </a:stretch>
+          </p:blipFill>
+          <p:spPr>
+            <a:xfrm>
+              <a:off x="11479044" y="3613660"/>
+              <a:ext cx="656279" cy="656279"/>
+            </a:xfrm>
+            <a:prstGeom prst="rect">
+              <a:avLst/>
+            </a:prstGeom>
+          </p:spPr>
+        </p:pic>
+        <p:pic>
+          <p:nvPicPr>
+            <p:cNvPr id="13" name="Graphic 12" descr="Pig outline">
+              <a:extLst>
+                <a:ext uri="{FF2B5EF4-FFF2-40B4-BE49-F238E27FC236}">
+                  <a16:creationId xmlns:a16="http://schemas.microsoft.com/office/drawing/2014/main" id="{E215C27A-9E24-33AE-64EE-467C0E9B0353}"/>
+                </a:ext>
+              </a:extLst>
+            </p:cNvPr>
+            <p:cNvPicPr>
+              <a:picLocks noChangeAspect="1"/>
+            </p:cNvPicPr>
+            <p:nvPr/>
+          </p:nvPicPr>
+          <p:blipFill>
+            <a:blip r:embed="rId14">
+              <a:extLst>
+                <a:ext uri="{96DAC541-7B7A-43D3-8B79-37D633B846F1}">
+                  <asvg:svgBlip xmlns:asvg="http://schemas.microsoft.com/office/drawing/2016/SVG/main" r:embed="rId15"/>
+                </a:ext>
+              </a:extLst>
+            </a:blip>
+            <a:stretch>
+              <a:fillRect/>
+            </a:stretch>
+          </p:blipFill>
+          <p:spPr>
+            <a:xfrm>
+              <a:off x="9563912" y="1824708"/>
+              <a:ext cx="656279" cy="656279"/>
+            </a:xfrm>
+            <a:prstGeom prst="rect">
+              <a:avLst/>
+            </a:prstGeom>
+          </p:spPr>
+        </p:pic>
+        <p:pic>
+          <p:nvPicPr>
+            <p:cNvPr id="14" name="Graphic 13" descr="Duck outline">
+              <a:extLst>
+                <a:ext uri="{FF2B5EF4-FFF2-40B4-BE49-F238E27FC236}">
+                  <a16:creationId xmlns:a16="http://schemas.microsoft.com/office/drawing/2014/main" id="{BB49ABAC-FC60-E974-A175-34BEA7EB0333}"/>
+                </a:ext>
+              </a:extLst>
+            </p:cNvPr>
+            <p:cNvPicPr>
+              <a:picLocks noChangeAspect="1"/>
+            </p:cNvPicPr>
+            <p:nvPr/>
+          </p:nvPicPr>
+          <p:blipFill>
+            <a:blip r:embed="rId4">
+              <a:extLst>
+                <a:ext uri="{96DAC541-7B7A-43D3-8B79-37D633B846F1}">
+                  <asvg:svgBlip xmlns:asvg="http://schemas.microsoft.com/office/drawing/2016/SVG/main" r:embed="rId5"/>
+                </a:ext>
+              </a:extLst>
+            </a:blip>
+            <a:stretch>
+              <a:fillRect/>
+            </a:stretch>
+          </p:blipFill>
+          <p:spPr>
+            <a:xfrm>
+              <a:off x="9563912" y="4160537"/>
+              <a:ext cx="656279" cy="656279"/>
+            </a:xfrm>
+            <a:prstGeom prst="rect">
+              <a:avLst/>
+            </a:prstGeom>
+          </p:spPr>
+        </p:pic>
+        <p:pic>
+          <p:nvPicPr>
+            <p:cNvPr id="15" name="Graphic 14" descr="Duck outline">
+              <a:extLst>
+                <a:ext uri="{FF2B5EF4-FFF2-40B4-BE49-F238E27FC236}">
+                  <a16:creationId xmlns:a16="http://schemas.microsoft.com/office/drawing/2014/main" id="{881FD398-8EDF-9DC5-F0ED-1914710005F0}"/>
+                </a:ext>
+              </a:extLst>
+            </p:cNvPr>
+            <p:cNvPicPr>
+              <a:picLocks noChangeAspect="1"/>
+            </p:cNvPicPr>
+            <p:nvPr/>
+          </p:nvPicPr>
+          <p:blipFill>
+            <a:blip r:embed="rId4">
+              <a:extLst>
+                <a:ext uri="{96DAC541-7B7A-43D3-8B79-37D633B846F1}">
+                  <asvg:svgBlip xmlns:asvg="http://schemas.microsoft.com/office/drawing/2016/SVG/main" r:embed="rId5"/>
+                </a:ext>
+              </a:extLst>
+            </a:blip>
+            <a:stretch>
+              <a:fillRect/>
+            </a:stretch>
+          </p:blipFill>
+          <p:spPr>
+            <a:xfrm>
+              <a:off x="10046092" y="6049722"/>
+              <a:ext cx="656279" cy="656279"/>
+            </a:xfrm>
+            <a:prstGeom prst="rect">
+              <a:avLst/>
+            </a:prstGeom>
+          </p:spPr>
+        </p:pic>
+        <p:pic>
+          <p:nvPicPr>
+            <p:cNvPr id="16" name="Graphic 15" descr="User with solid fill">
+              <a:extLst>
+                <a:ext uri="{FF2B5EF4-FFF2-40B4-BE49-F238E27FC236}">
+                  <a16:creationId xmlns:a16="http://schemas.microsoft.com/office/drawing/2014/main" id="{FD0716C3-8800-7137-84B8-5A70C05CC163}"/>
+                </a:ext>
+              </a:extLst>
+            </p:cNvPr>
+            <p:cNvPicPr>
+              <a:picLocks noChangeAspect="1"/>
+            </p:cNvPicPr>
+            <p:nvPr/>
+          </p:nvPicPr>
+          <p:blipFill>
+            <a:blip r:embed="rId6">
+              <a:extLst>
+                <a:ext uri="{96DAC541-7B7A-43D3-8B79-37D633B846F1}">
+                  <asvg:svgBlip xmlns:asvg="http://schemas.microsoft.com/office/drawing/2016/SVG/main" r:embed="rId7"/>
+                </a:ext>
+              </a:extLst>
+            </a:blip>
+            <a:stretch>
+              <a:fillRect/>
+            </a:stretch>
+          </p:blipFill>
+          <p:spPr>
+            <a:xfrm>
+              <a:off x="11378432" y="4524849"/>
+              <a:ext cx="656279" cy="656279"/>
+            </a:xfrm>
+            <a:prstGeom prst="rect">
+              <a:avLst/>
+            </a:prstGeom>
+          </p:spPr>
+        </p:pic>
+        <p:pic>
+          <p:nvPicPr>
+            <p:cNvPr id="17" name="Graphic 16" descr="Pig outline">
+              <a:extLst>
+                <a:ext uri="{FF2B5EF4-FFF2-40B4-BE49-F238E27FC236}">
+                  <a16:creationId xmlns:a16="http://schemas.microsoft.com/office/drawing/2014/main" id="{7E8C584E-AEE0-8501-3BDF-094F30A115DD}"/>
+                </a:ext>
+              </a:extLst>
+            </p:cNvPr>
+            <p:cNvPicPr>
+              <a:picLocks noChangeAspect="1"/>
+            </p:cNvPicPr>
+            <p:nvPr/>
+          </p:nvPicPr>
+          <p:blipFill>
+            <a:blip r:embed="rId14">
+              <a:extLst>
+                <a:ext uri="{96DAC541-7B7A-43D3-8B79-37D633B846F1}">
+                  <asvg:svgBlip xmlns:asvg="http://schemas.microsoft.com/office/drawing/2016/SVG/main" r:embed="rId15"/>
+                </a:ext>
+              </a:extLst>
+            </a:blip>
+            <a:stretch>
+              <a:fillRect/>
+            </a:stretch>
+          </p:blipFill>
+          <p:spPr>
+            <a:xfrm>
+              <a:off x="11429636" y="5133571"/>
+              <a:ext cx="656279" cy="656279"/>
+            </a:xfrm>
+            <a:prstGeom prst="rect">
+              <a:avLst/>
+            </a:prstGeom>
+          </p:spPr>
+        </p:pic>
+      </p:grpSp>
     </p:spTree>
     <p:extLst>
       <p:ext uri="{BB962C8B-B14F-4D97-AF65-F5344CB8AC3E}">
@@ -4923,6 +7953,81 @@
   <p:clrMapOvr>
     <a:masterClrMapping/>
   </p:clrMapOvr>
+  <p:timing>
+    <p:tnLst>
+      <p:par>
+        <p:cTn id="1" dur="indefinite" restart="never" nodeType="tmRoot">
+          <p:childTnLst>
+            <p:seq concurrent="1" nextAc="seek">
+              <p:cTn id="2" dur="indefinite" nodeType="mainSeq">
+                <p:childTnLst>
+                  <p:par>
+                    <p:cTn id="3" fill="hold">
+                      <p:stCondLst>
+                        <p:cond delay="indefinite"/>
+                      </p:stCondLst>
+                      <p:childTnLst>
+                        <p:par>
+                          <p:cTn id="4" fill="hold">
+                            <p:stCondLst>
+                              <p:cond delay="0"/>
+                            </p:stCondLst>
+                            <p:childTnLst>
+                              <p:par>
+                                <p:cTn id="5" presetID="1" presetClass="entr" presetSubtype="0" fill="hold" nodeType="clickEffect">
+                                  <p:stCondLst>
+                                    <p:cond delay="0"/>
+                                  </p:stCondLst>
+                                  <p:childTnLst>
+                                    <p:set>
+                                      <p:cBhvr>
+                                        <p:cTn id="6" dur="1" fill="hold">
+                                          <p:stCondLst>
+                                            <p:cond delay="0"/>
+                                          </p:stCondLst>
+                                        </p:cTn>
+                                        <p:tgtEl>
+                                          <p:spTgt spid="3"/>
+                                        </p:tgtEl>
+                                        <p:attrNameLst>
+                                          <p:attrName>style.visibility</p:attrName>
+                                        </p:attrNameLst>
+                                      </p:cBhvr>
+                                      <p:to>
+                                        <p:strVal val="visible"/>
+                                      </p:to>
+                                    </p:set>
+                                  </p:childTnLst>
+                                </p:cTn>
+                              </p:par>
+                            </p:childTnLst>
+                          </p:cTn>
+                        </p:par>
+                      </p:childTnLst>
+                    </p:cTn>
+                  </p:par>
+                </p:childTnLst>
+              </p:cTn>
+              <p:prevCondLst>
+                <p:cond evt="onPrev" delay="0">
+                  <p:tgtEl>
+                    <p:sldTgt/>
+                  </p:tgtEl>
+                </p:cond>
+              </p:prevCondLst>
+              <p:nextCondLst>
+                <p:cond evt="onNext" delay="0">
+                  <p:tgtEl>
+                    <p:sldTgt/>
+                  </p:tgtEl>
+                </p:cond>
+              </p:nextCondLst>
+            </p:seq>
+          </p:childTnLst>
+        </p:cTn>
+      </p:par>
+    </p:tnLst>
+  </p:timing>
 </p:sld>
 </file>
 
@@ -5151,6 +8256,387 @@
           </a:prstGeom>
         </p:spPr>
       </p:pic>
+      <p:grpSp>
+        <p:nvGrpSpPr>
+          <p:cNvPr id="3" name="Group 2">
+            <a:extLst>
+              <a:ext uri="{FF2B5EF4-FFF2-40B4-BE49-F238E27FC236}">
+                <a16:creationId xmlns:a16="http://schemas.microsoft.com/office/drawing/2014/main" id="{1B91194D-76F3-C6FE-8D36-4D3FB93BC778}"/>
+              </a:ext>
+            </a:extLst>
+          </p:cNvPr>
+          <p:cNvGrpSpPr/>
+          <p:nvPr/>
+        </p:nvGrpSpPr>
+        <p:grpSpPr>
+          <a:xfrm>
+            <a:off x="8907632" y="925979"/>
+            <a:ext cx="3227691" cy="5780022"/>
+            <a:chOff x="8907632" y="925979"/>
+            <a:chExt cx="3227691" cy="5780022"/>
+          </a:xfrm>
+        </p:grpSpPr>
+        <p:pic>
+          <p:nvPicPr>
+            <p:cNvPr id="5" name="Graphic 4" descr="Duck outline">
+              <a:extLst>
+                <a:ext uri="{FF2B5EF4-FFF2-40B4-BE49-F238E27FC236}">
+                  <a16:creationId xmlns:a16="http://schemas.microsoft.com/office/drawing/2014/main" id="{B30C3D58-AFB1-7888-A176-E29160023EF2}"/>
+                </a:ext>
+              </a:extLst>
+            </p:cNvPr>
+            <p:cNvPicPr>
+              <a:picLocks noChangeAspect="1"/>
+            </p:cNvPicPr>
+            <p:nvPr/>
+          </p:nvPicPr>
+          <p:blipFill>
+            <a:blip r:embed="rId4">
+              <a:extLst>
+                <a:ext uri="{96DAC541-7B7A-43D3-8B79-37D633B846F1}">
+                  <asvg:svgBlip xmlns:asvg="http://schemas.microsoft.com/office/drawing/2016/SVG/main" r:embed="rId5"/>
+                </a:ext>
+              </a:extLst>
+            </a:blip>
+            <a:stretch>
+              <a:fillRect/>
+            </a:stretch>
+          </p:blipFill>
+          <p:spPr>
+            <a:xfrm>
+              <a:off x="9023008" y="925979"/>
+              <a:ext cx="656279" cy="656279"/>
+            </a:xfrm>
+            <a:prstGeom prst="rect">
+              <a:avLst/>
+            </a:prstGeom>
+          </p:spPr>
+        </p:pic>
+        <p:pic>
+          <p:nvPicPr>
+            <p:cNvPr id="9" name="Graphic 8" descr="User with solid fill">
+              <a:extLst>
+                <a:ext uri="{FF2B5EF4-FFF2-40B4-BE49-F238E27FC236}">
+                  <a16:creationId xmlns:a16="http://schemas.microsoft.com/office/drawing/2014/main" id="{EA82364B-1A35-2E5F-7A31-32B6BE851D66}"/>
+                </a:ext>
+              </a:extLst>
+            </p:cNvPr>
+            <p:cNvPicPr>
+              <a:picLocks noChangeAspect="1"/>
+            </p:cNvPicPr>
+            <p:nvPr/>
+          </p:nvPicPr>
+          <p:blipFill>
+            <a:blip r:embed="rId6">
+              <a:extLst>
+                <a:ext uri="{96DAC541-7B7A-43D3-8B79-37D633B846F1}">
+                  <asvg:svgBlip xmlns:asvg="http://schemas.microsoft.com/office/drawing/2016/SVG/main" r:embed="rId7"/>
+                </a:ext>
+              </a:extLst>
+            </a:blip>
+            <a:stretch>
+              <a:fillRect/>
+            </a:stretch>
+          </p:blipFill>
+          <p:spPr>
+            <a:xfrm>
+              <a:off x="9679287" y="2441137"/>
+              <a:ext cx="656279" cy="656279"/>
+            </a:xfrm>
+            <a:prstGeom prst="rect">
+              <a:avLst/>
+            </a:prstGeom>
+          </p:spPr>
+        </p:pic>
+        <p:pic>
+          <p:nvPicPr>
+            <p:cNvPr id="10" name="Graphic 9" descr="Dog outline">
+              <a:extLst>
+                <a:ext uri="{FF2B5EF4-FFF2-40B4-BE49-F238E27FC236}">
+                  <a16:creationId xmlns:a16="http://schemas.microsoft.com/office/drawing/2014/main" id="{39BF6701-D954-5144-7217-A0BDBD37353B}"/>
+                </a:ext>
+              </a:extLst>
+            </p:cNvPr>
+            <p:cNvPicPr>
+              <a:picLocks noChangeAspect="1"/>
+            </p:cNvPicPr>
+            <p:nvPr/>
+          </p:nvPicPr>
+          <p:blipFill>
+            <a:blip r:embed="rId8">
+              <a:extLst>
+                <a:ext uri="{96DAC541-7B7A-43D3-8B79-37D633B846F1}">
+                  <asvg:svgBlip xmlns:asvg="http://schemas.microsoft.com/office/drawing/2016/SVG/main" r:embed="rId9"/>
+                </a:ext>
+              </a:extLst>
+            </a:blip>
+            <a:stretch>
+              <a:fillRect/>
+            </a:stretch>
+          </p:blipFill>
+          <p:spPr>
+            <a:xfrm>
+              <a:off x="9235772" y="4852989"/>
+              <a:ext cx="656279" cy="656279"/>
+            </a:xfrm>
+            <a:prstGeom prst="rect">
+              <a:avLst/>
+            </a:prstGeom>
+          </p:spPr>
+        </p:pic>
+        <p:pic>
+          <p:nvPicPr>
+            <p:cNvPr id="11" name="Graphic 10" descr="Horse outline">
+              <a:extLst>
+                <a:ext uri="{FF2B5EF4-FFF2-40B4-BE49-F238E27FC236}">
+                  <a16:creationId xmlns:a16="http://schemas.microsoft.com/office/drawing/2014/main" id="{66C4C1BB-AAFB-5A2A-9EEF-E1DB51FFFC45}"/>
+                </a:ext>
+              </a:extLst>
+            </p:cNvPr>
+            <p:cNvPicPr>
+              <a:picLocks noChangeAspect="1"/>
+            </p:cNvPicPr>
+            <p:nvPr/>
+          </p:nvPicPr>
+          <p:blipFill>
+            <a:blip r:embed="rId10">
+              <a:extLst>
+                <a:ext uri="{96DAC541-7B7A-43D3-8B79-37D633B846F1}">
+                  <asvg:svgBlip xmlns:asvg="http://schemas.microsoft.com/office/drawing/2016/SVG/main" r:embed="rId11"/>
+                </a:ext>
+              </a:extLst>
+            </a:blip>
+            <a:stretch>
+              <a:fillRect/>
+            </a:stretch>
+          </p:blipFill>
+          <p:spPr>
+            <a:xfrm>
+              <a:off x="8907632" y="5994167"/>
+              <a:ext cx="656279" cy="656279"/>
+            </a:xfrm>
+            <a:prstGeom prst="rect">
+              <a:avLst/>
+            </a:prstGeom>
+          </p:spPr>
+        </p:pic>
+        <p:pic>
+          <p:nvPicPr>
+            <p:cNvPr id="12" name="Graphic 11" descr="Bats with solid fill">
+              <a:extLst>
+                <a:ext uri="{FF2B5EF4-FFF2-40B4-BE49-F238E27FC236}">
+                  <a16:creationId xmlns:a16="http://schemas.microsoft.com/office/drawing/2014/main" id="{8CFA2536-5D3B-2E4E-5DAC-322188BC3097}"/>
+                </a:ext>
+              </a:extLst>
+            </p:cNvPr>
+            <p:cNvPicPr>
+              <a:picLocks noChangeAspect="1"/>
+            </p:cNvPicPr>
+            <p:nvPr/>
+          </p:nvPicPr>
+          <p:blipFill>
+            <a:blip r:embed="rId12">
+              <a:extLst>
+                <a:ext uri="{96DAC541-7B7A-43D3-8B79-37D633B846F1}">
+                  <asvg:svgBlip xmlns:asvg="http://schemas.microsoft.com/office/drawing/2016/SVG/main" r:embed="rId13"/>
+                </a:ext>
+              </a:extLst>
+            </a:blip>
+            <a:stretch>
+              <a:fillRect/>
+            </a:stretch>
+          </p:blipFill>
+          <p:spPr>
+            <a:xfrm>
+              <a:off x="11479044" y="3613660"/>
+              <a:ext cx="656279" cy="656279"/>
+            </a:xfrm>
+            <a:prstGeom prst="rect">
+              <a:avLst/>
+            </a:prstGeom>
+          </p:spPr>
+        </p:pic>
+        <p:pic>
+          <p:nvPicPr>
+            <p:cNvPr id="13" name="Graphic 12" descr="Pig outline">
+              <a:extLst>
+                <a:ext uri="{FF2B5EF4-FFF2-40B4-BE49-F238E27FC236}">
+                  <a16:creationId xmlns:a16="http://schemas.microsoft.com/office/drawing/2014/main" id="{14A70670-8C63-7708-C070-E1B101FDD338}"/>
+                </a:ext>
+              </a:extLst>
+            </p:cNvPr>
+            <p:cNvPicPr>
+              <a:picLocks noChangeAspect="1"/>
+            </p:cNvPicPr>
+            <p:nvPr/>
+          </p:nvPicPr>
+          <p:blipFill>
+            <a:blip r:embed="rId14">
+              <a:extLst>
+                <a:ext uri="{96DAC541-7B7A-43D3-8B79-37D633B846F1}">
+                  <asvg:svgBlip xmlns:asvg="http://schemas.microsoft.com/office/drawing/2016/SVG/main" r:embed="rId15"/>
+                </a:ext>
+              </a:extLst>
+            </a:blip>
+            <a:stretch>
+              <a:fillRect/>
+            </a:stretch>
+          </p:blipFill>
+          <p:spPr>
+            <a:xfrm>
+              <a:off x="9563912" y="1824708"/>
+              <a:ext cx="656279" cy="656279"/>
+            </a:xfrm>
+            <a:prstGeom prst="rect">
+              <a:avLst/>
+            </a:prstGeom>
+          </p:spPr>
+        </p:pic>
+        <p:pic>
+          <p:nvPicPr>
+            <p:cNvPr id="14" name="Graphic 13" descr="Duck outline">
+              <a:extLst>
+                <a:ext uri="{FF2B5EF4-FFF2-40B4-BE49-F238E27FC236}">
+                  <a16:creationId xmlns:a16="http://schemas.microsoft.com/office/drawing/2014/main" id="{503D6B52-88D8-8168-9D1C-1B448323CA61}"/>
+                </a:ext>
+              </a:extLst>
+            </p:cNvPr>
+            <p:cNvPicPr>
+              <a:picLocks noChangeAspect="1"/>
+            </p:cNvPicPr>
+            <p:nvPr/>
+          </p:nvPicPr>
+          <p:blipFill>
+            <a:blip r:embed="rId4">
+              <a:extLst>
+                <a:ext uri="{96DAC541-7B7A-43D3-8B79-37D633B846F1}">
+                  <asvg:svgBlip xmlns:asvg="http://schemas.microsoft.com/office/drawing/2016/SVG/main" r:embed="rId5"/>
+                </a:ext>
+              </a:extLst>
+            </a:blip>
+            <a:stretch>
+              <a:fillRect/>
+            </a:stretch>
+          </p:blipFill>
+          <p:spPr>
+            <a:xfrm>
+              <a:off x="9563912" y="4160537"/>
+              <a:ext cx="656279" cy="656279"/>
+            </a:xfrm>
+            <a:prstGeom prst="rect">
+              <a:avLst/>
+            </a:prstGeom>
+          </p:spPr>
+        </p:pic>
+        <p:pic>
+          <p:nvPicPr>
+            <p:cNvPr id="15" name="Graphic 14" descr="Duck outline">
+              <a:extLst>
+                <a:ext uri="{FF2B5EF4-FFF2-40B4-BE49-F238E27FC236}">
+                  <a16:creationId xmlns:a16="http://schemas.microsoft.com/office/drawing/2014/main" id="{A2515108-3ACA-9806-1096-4C74AA0C12B3}"/>
+                </a:ext>
+              </a:extLst>
+            </p:cNvPr>
+            <p:cNvPicPr>
+              <a:picLocks noChangeAspect="1"/>
+            </p:cNvPicPr>
+            <p:nvPr/>
+          </p:nvPicPr>
+          <p:blipFill>
+            <a:blip r:embed="rId4">
+              <a:extLst>
+                <a:ext uri="{96DAC541-7B7A-43D3-8B79-37D633B846F1}">
+                  <asvg:svgBlip xmlns:asvg="http://schemas.microsoft.com/office/drawing/2016/SVG/main" r:embed="rId5"/>
+                </a:ext>
+              </a:extLst>
+            </a:blip>
+            <a:stretch>
+              <a:fillRect/>
+            </a:stretch>
+          </p:blipFill>
+          <p:spPr>
+            <a:xfrm>
+              <a:off x="10046092" y="6049722"/>
+              <a:ext cx="656279" cy="656279"/>
+            </a:xfrm>
+            <a:prstGeom prst="rect">
+              <a:avLst/>
+            </a:prstGeom>
+          </p:spPr>
+        </p:pic>
+        <p:pic>
+          <p:nvPicPr>
+            <p:cNvPr id="16" name="Graphic 15" descr="User with solid fill">
+              <a:extLst>
+                <a:ext uri="{FF2B5EF4-FFF2-40B4-BE49-F238E27FC236}">
+                  <a16:creationId xmlns:a16="http://schemas.microsoft.com/office/drawing/2014/main" id="{6BB050FA-0DB7-853E-71F7-284BF4975898}"/>
+                </a:ext>
+              </a:extLst>
+            </p:cNvPr>
+            <p:cNvPicPr>
+              <a:picLocks noChangeAspect="1"/>
+            </p:cNvPicPr>
+            <p:nvPr/>
+          </p:nvPicPr>
+          <p:blipFill>
+            <a:blip r:embed="rId6">
+              <a:extLst>
+                <a:ext uri="{96DAC541-7B7A-43D3-8B79-37D633B846F1}">
+                  <asvg:svgBlip xmlns:asvg="http://schemas.microsoft.com/office/drawing/2016/SVG/main" r:embed="rId7"/>
+                </a:ext>
+              </a:extLst>
+            </a:blip>
+            <a:stretch>
+              <a:fillRect/>
+            </a:stretch>
+          </p:blipFill>
+          <p:spPr>
+            <a:xfrm>
+              <a:off x="11378432" y="4524849"/>
+              <a:ext cx="656279" cy="656279"/>
+            </a:xfrm>
+            <a:prstGeom prst="rect">
+              <a:avLst/>
+            </a:prstGeom>
+          </p:spPr>
+        </p:pic>
+        <p:pic>
+          <p:nvPicPr>
+            <p:cNvPr id="17" name="Graphic 16" descr="Pig outline">
+              <a:extLst>
+                <a:ext uri="{FF2B5EF4-FFF2-40B4-BE49-F238E27FC236}">
+                  <a16:creationId xmlns:a16="http://schemas.microsoft.com/office/drawing/2014/main" id="{3B0122F3-9E3D-90D0-3435-854ED6404E0C}"/>
+                </a:ext>
+              </a:extLst>
+            </p:cNvPr>
+            <p:cNvPicPr>
+              <a:picLocks noChangeAspect="1"/>
+            </p:cNvPicPr>
+            <p:nvPr/>
+          </p:nvPicPr>
+          <p:blipFill>
+            <a:blip r:embed="rId14">
+              <a:extLst>
+                <a:ext uri="{96DAC541-7B7A-43D3-8B79-37D633B846F1}">
+                  <asvg:svgBlip xmlns:asvg="http://schemas.microsoft.com/office/drawing/2016/SVG/main" r:embed="rId15"/>
+                </a:ext>
+              </a:extLst>
+            </a:blip>
+            <a:stretch>
+              <a:fillRect/>
+            </a:stretch>
+          </p:blipFill>
+          <p:spPr>
+            <a:xfrm>
+              <a:off x="11429636" y="5133571"/>
+              <a:ext cx="656279" cy="656279"/>
+            </a:xfrm>
+            <a:prstGeom prst="rect">
+              <a:avLst/>
+            </a:prstGeom>
+          </p:spPr>
+        </p:pic>
+      </p:grpSp>
     </p:spTree>
     <p:extLst>
       <p:ext uri="{BB962C8B-B14F-4D97-AF65-F5344CB8AC3E}">
@@ -5161,6 +8647,1469 @@
   <p:clrMapOvr>
     <a:masterClrMapping/>
   </p:clrMapOvr>
+  <p:timing>
+    <p:tnLst>
+      <p:par>
+        <p:cTn id="1" dur="indefinite" restart="never" nodeType="tmRoot">
+          <p:childTnLst>
+            <p:seq concurrent="1" nextAc="seek">
+              <p:cTn id="2" dur="indefinite" nodeType="mainSeq">
+                <p:childTnLst>
+                  <p:par>
+                    <p:cTn id="3" fill="hold">
+                      <p:stCondLst>
+                        <p:cond delay="indefinite"/>
+                      </p:stCondLst>
+                      <p:childTnLst>
+                        <p:par>
+                          <p:cTn id="4" fill="hold">
+                            <p:stCondLst>
+                              <p:cond delay="0"/>
+                            </p:stCondLst>
+                            <p:childTnLst>
+                              <p:par>
+                                <p:cTn id="5" presetID="1" presetClass="entr" presetSubtype="0" fill="hold" nodeType="clickEffect">
+                                  <p:stCondLst>
+                                    <p:cond delay="0"/>
+                                  </p:stCondLst>
+                                  <p:childTnLst>
+                                    <p:set>
+                                      <p:cBhvr>
+                                        <p:cTn id="6" dur="1" fill="hold">
+                                          <p:stCondLst>
+                                            <p:cond delay="0"/>
+                                          </p:stCondLst>
+                                        </p:cTn>
+                                        <p:tgtEl>
+                                          <p:spTgt spid="3"/>
+                                        </p:tgtEl>
+                                        <p:attrNameLst>
+                                          <p:attrName>style.visibility</p:attrName>
+                                        </p:attrNameLst>
+                                      </p:cBhvr>
+                                      <p:to>
+                                        <p:strVal val="visible"/>
+                                      </p:to>
+                                    </p:set>
+                                  </p:childTnLst>
+                                </p:cTn>
+                              </p:par>
+                            </p:childTnLst>
+                          </p:cTn>
+                        </p:par>
+                      </p:childTnLst>
+                    </p:cTn>
+                  </p:par>
+                </p:childTnLst>
+              </p:cTn>
+              <p:prevCondLst>
+                <p:cond evt="onPrev" delay="0">
+                  <p:tgtEl>
+                    <p:sldTgt/>
+                  </p:tgtEl>
+                </p:cond>
+              </p:prevCondLst>
+              <p:nextCondLst>
+                <p:cond evt="onNext" delay="0">
+                  <p:tgtEl>
+                    <p:sldTgt/>
+                  </p:tgtEl>
+                </p:cond>
+              </p:nextCondLst>
+            </p:seq>
+          </p:childTnLst>
+        </p:cTn>
+      </p:par>
+    </p:tnLst>
+  </p:timing>
+</p:sld>
+</file>
+
+<file path=ppt/slides/slide18.xml><?xml version="1.0" encoding="utf-8"?>
+<p:sld xmlns:a="http://schemas.openxmlformats.org/drawingml/2006/main" xmlns:r="http://schemas.openxmlformats.org/officeDocument/2006/relationships" xmlns:p="http://schemas.openxmlformats.org/presentationml/2006/main">
+  <p:cSld>
+    <p:spTree>
+      <p:nvGrpSpPr>
+        <p:cNvPr id="1" name="">
+          <a:extLst>
+            <a:ext uri="{FF2B5EF4-FFF2-40B4-BE49-F238E27FC236}">
+              <a16:creationId xmlns:a16="http://schemas.microsoft.com/office/drawing/2014/main" id="{D071D550-A0C0-17B1-2C61-3DF013A7F462}"/>
+            </a:ext>
+          </a:extLst>
+        </p:cNvPr>
+        <p:cNvGrpSpPr/>
+        <p:nvPr/>
+      </p:nvGrpSpPr>
+      <p:grpSpPr>
+        <a:xfrm>
+          <a:off x="0" y="0"/>
+          <a:ext cx="0" cy="0"/>
+          <a:chOff x="0" y="0"/>
+          <a:chExt cx="0" cy="0"/>
+        </a:xfrm>
+      </p:grpSpPr>
+      <p:pic>
+        <p:nvPicPr>
+          <p:cNvPr id="19" name="Picture 18">
+            <a:extLst>
+              <a:ext uri="{FF2B5EF4-FFF2-40B4-BE49-F238E27FC236}">
+                <a16:creationId xmlns:a16="http://schemas.microsoft.com/office/drawing/2014/main" id="{4F329101-AC18-06E0-69C6-0E3B2C552FD6}"/>
+              </a:ext>
+            </a:extLst>
+          </p:cNvPr>
+          <p:cNvPicPr>
+            <a:picLocks noGrp="1" noRot="1" noChangeAspect="1" noMove="1" noResize="1" noEditPoints="1" noAdjustHandles="1" noChangeArrowheads="1" noChangeShapeType="1" noCrop="1"/>
+          </p:cNvPicPr>
+          <p:nvPr/>
+        </p:nvPicPr>
+        <p:blipFill>
+          <a:blip r:embed="rId2"/>
+          <a:stretch>
+            <a:fillRect/>
+          </a:stretch>
+        </p:blipFill>
+        <p:spPr>
+          <a:xfrm>
+            <a:off x="606853" y="0"/>
+            <a:ext cx="10978296" cy="6858000"/>
+          </a:xfrm>
+          <a:prstGeom prst="rect">
+            <a:avLst/>
+          </a:prstGeom>
+        </p:spPr>
+      </p:pic>
+      <p:sp>
+        <p:nvSpPr>
+          <p:cNvPr id="8" name="TextBox 7">
+            <a:extLst>
+              <a:ext uri="{FF2B5EF4-FFF2-40B4-BE49-F238E27FC236}">
+                <a16:creationId xmlns:a16="http://schemas.microsoft.com/office/drawing/2014/main" id="{DA9B9E86-A7D7-3A93-67BE-A500D2DF465D}"/>
+              </a:ext>
+            </a:extLst>
+          </p:cNvPr>
+          <p:cNvSpPr txBox="1"/>
+          <p:nvPr/>
+        </p:nvSpPr>
+        <p:spPr>
+          <a:xfrm>
+            <a:off x="3849329" y="0"/>
+            <a:ext cx="3631122" cy="523220"/>
+          </a:xfrm>
+          <a:prstGeom prst="rect">
+            <a:avLst/>
+          </a:prstGeom>
+          <a:noFill/>
+        </p:spPr>
+        <p:txBody>
+          <a:bodyPr wrap="none" rtlCol="0">
+            <a:spAutoFit/>
+          </a:bodyPr>
+          <a:lstStyle/>
+          <a:p>
+            <a:r>
+              <a:rPr lang="en-GB" sz="2800" dirty="0"/>
+              <a:t>Haemagglutinin – ZIMJ</a:t>
+            </a:r>
+          </a:p>
+        </p:txBody>
+      </p:sp>
+      <p:pic>
+        <p:nvPicPr>
+          <p:cNvPr id="4" name="Picture 3">
+            <a:extLst>
+              <a:ext uri="{FF2B5EF4-FFF2-40B4-BE49-F238E27FC236}">
+                <a16:creationId xmlns:a16="http://schemas.microsoft.com/office/drawing/2014/main" id="{BC841296-80FE-3788-C8A0-40A7B704CBB2}"/>
+              </a:ext>
+            </a:extLst>
+          </p:cNvPr>
+          <p:cNvPicPr>
+            <a:picLocks noChangeAspect="1"/>
+          </p:cNvPicPr>
+          <p:nvPr/>
+        </p:nvPicPr>
+        <p:blipFill>
+          <a:blip r:embed="rId3"/>
+          <a:srcRect l="71884" t="8522" r="5882" b="70231"/>
+          <a:stretch/>
+        </p:blipFill>
+        <p:spPr>
+          <a:xfrm>
+            <a:off x="1487838" y="677090"/>
+            <a:ext cx="3734734" cy="2521974"/>
+          </a:xfrm>
+          <a:prstGeom prst="rect">
+            <a:avLst/>
+          </a:prstGeom>
+        </p:spPr>
+      </p:pic>
+      <p:sp>
+        <p:nvSpPr>
+          <p:cNvPr id="7" name="Rectangle 6">
+            <a:extLst>
+              <a:ext uri="{FF2B5EF4-FFF2-40B4-BE49-F238E27FC236}">
+                <a16:creationId xmlns:a16="http://schemas.microsoft.com/office/drawing/2014/main" id="{FE490726-A2C5-1185-65D8-FD0B6B3B50FF}"/>
+              </a:ext>
+            </a:extLst>
+          </p:cNvPr>
+          <p:cNvSpPr/>
+          <p:nvPr/>
+        </p:nvSpPr>
+        <p:spPr>
+          <a:xfrm>
+            <a:off x="1487838" y="2569029"/>
+            <a:ext cx="3620278" cy="373592"/>
+          </a:xfrm>
+          <a:prstGeom prst="rect">
+            <a:avLst/>
+          </a:prstGeom>
+          <a:solidFill>
+            <a:srgbClr val="FFFFFF">
+              <a:alpha val="80000"/>
+            </a:srgbClr>
+          </a:solidFill>
+          <a:ln>
+            <a:noFill/>
+          </a:ln>
+        </p:spPr>
+        <p:style>
+          <a:lnRef idx="2">
+            <a:schemeClr val="accent1">
+              <a:shade val="15000"/>
+            </a:schemeClr>
+          </a:lnRef>
+          <a:fillRef idx="1">
+            <a:schemeClr val="accent1"/>
+          </a:fillRef>
+          <a:effectRef idx="0">
+            <a:schemeClr val="accent1"/>
+          </a:effectRef>
+          <a:fontRef idx="minor">
+            <a:schemeClr val="lt1"/>
+          </a:fontRef>
+        </p:style>
+        <p:txBody>
+          <a:bodyPr rtlCol="0" anchor="ctr"/>
+          <a:lstStyle/>
+          <a:p>
+            <a:pPr algn="ctr"/>
+            <a:endParaRPr lang="en-GB"/>
+          </a:p>
+        </p:txBody>
+      </p:sp>
+      <p:sp>
+        <p:nvSpPr>
+          <p:cNvPr id="2" name="Rectangle 1">
+            <a:extLst>
+              <a:ext uri="{FF2B5EF4-FFF2-40B4-BE49-F238E27FC236}">
+                <a16:creationId xmlns:a16="http://schemas.microsoft.com/office/drawing/2014/main" id="{78955CE8-142F-330D-BEE2-6D519ECC14DB}"/>
+              </a:ext>
+            </a:extLst>
+          </p:cNvPr>
+          <p:cNvSpPr/>
+          <p:nvPr/>
+        </p:nvSpPr>
+        <p:spPr>
+          <a:xfrm>
+            <a:off x="1487838" y="1117055"/>
+            <a:ext cx="3620278" cy="1277802"/>
+          </a:xfrm>
+          <a:prstGeom prst="rect">
+            <a:avLst/>
+          </a:prstGeom>
+          <a:solidFill>
+            <a:srgbClr val="FFFFFF">
+              <a:alpha val="80000"/>
+            </a:srgbClr>
+          </a:solidFill>
+          <a:ln>
+            <a:noFill/>
+          </a:ln>
+        </p:spPr>
+        <p:style>
+          <a:lnRef idx="2">
+            <a:schemeClr val="accent1">
+              <a:shade val="15000"/>
+            </a:schemeClr>
+          </a:lnRef>
+          <a:fillRef idx="1">
+            <a:schemeClr val="accent1"/>
+          </a:fillRef>
+          <a:effectRef idx="0">
+            <a:schemeClr val="accent1"/>
+          </a:effectRef>
+          <a:fontRef idx="minor">
+            <a:schemeClr val="lt1"/>
+          </a:fontRef>
+        </p:style>
+        <p:txBody>
+          <a:bodyPr rtlCol="0" anchor="ctr"/>
+          <a:lstStyle/>
+          <a:p>
+            <a:pPr algn="ctr"/>
+            <a:endParaRPr lang="en-GB"/>
+          </a:p>
+        </p:txBody>
+      </p:sp>
+      <p:grpSp>
+        <p:nvGrpSpPr>
+          <p:cNvPr id="3" name="Group 2">
+            <a:extLst>
+              <a:ext uri="{FF2B5EF4-FFF2-40B4-BE49-F238E27FC236}">
+                <a16:creationId xmlns:a16="http://schemas.microsoft.com/office/drawing/2014/main" id="{41C45DBB-B43C-C743-015F-B33797345DBF}"/>
+              </a:ext>
+            </a:extLst>
+          </p:cNvPr>
+          <p:cNvGrpSpPr/>
+          <p:nvPr/>
+        </p:nvGrpSpPr>
+        <p:grpSpPr>
+          <a:xfrm>
+            <a:off x="8907632" y="925979"/>
+            <a:ext cx="3227691" cy="5780022"/>
+            <a:chOff x="8907632" y="925979"/>
+            <a:chExt cx="3227691" cy="5780022"/>
+          </a:xfrm>
+        </p:grpSpPr>
+        <p:pic>
+          <p:nvPicPr>
+            <p:cNvPr id="5" name="Graphic 4" descr="Duck outline">
+              <a:extLst>
+                <a:ext uri="{FF2B5EF4-FFF2-40B4-BE49-F238E27FC236}">
+                  <a16:creationId xmlns:a16="http://schemas.microsoft.com/office/drawing/2014/main" id="{D96024F3-A646-34DB-6540-8E91FAB01CCF}"/>
+                </a:ext>
+              </a:extLst>
+            </p:cNvPr>
+            <p:cNvPicPr>
+              <a:picLocks noChangeAspect="1"/>
+            </p:cNvPicPr>
+            <p:nvPr/>
+          </p:nvPicPr>
+          <p:blipFill>
+            <a:blip r:embed="rId4">
+              <a:extLst>
+                <a:ext uri="{96DAC541-7B7A-43D3-8B79-37D633B846F1}">
+                  <asvg:svgBlip xmlns:asvg="http://schemas.microsoft.com/office/drawing/2016/SVG/main" r:embed="rId5"/>
+                </a:ext>
+              </a:extLst>
+            </a:blip>
+            <a:stretch>
+              <a:fillRect/>
+            </a:stretch>
+          </p:blipFill>
+          <p:spPr>
+            <a:xfrm>
+              <a:off x="9023008" y="925979"/>
+              <a:ext cx="656279" cy="656279"/>
+            </a:xfrm>
+            <a:prstGeom prst="rect">
+              <a:avLst/>
+            </a:prstGeom>
+          </p:spPr>
+        </p:pic>
+        <p:pic>
+          <p:nvPicPr>
+            <p:cNvPr id="9" name="Graphic 8" descr="User with solid fill">
+              <a:extLst>
+                <a:ext uri="{FF2B5EF4-FFF2-40B4-BE49-F238E27FC236}">
+                  <a16:creationId xmlns:a16="http://schemas.microsoft.com/office/drawing/2014/main" id="{B45B1B19-2810-BDAC-D36B-EE64CDB7F1A0}"/>
+                </a:ext>
+              </a:extLst>
+            </p:cNvPr>
+            <p:cNvPicPr>
+              <a:picLocks noChangeAspect="1"/>
+            </p:cNvPicPr>
+            <p:nvPr/>
+          </p:nvPicPr>
+          <p:blipFill>
+            <a:blip r:embed="rId6">
+              <a:extLst>
+                <a:ext uri="{96DAC541-7B7A-43D3-8B79-37D633B846F1}">
+                  <asvg:svgBlip xmlns:asvg="http://schemas.microsoft.com/office/drawing/2016/SVG/main" r:embed="rId7"/>
+                </a:ext>
+              </a:extLst>
+            </a:blip>
+            <a:stretch>
+              <a:fillRect/>
+            </a:stretch>
+          </p:blipFill>
+          <p:spPr>
+            <a:xfrm>
+              <a:off x="9679287" y="2441137"/>
+              <a:ext cx="656279" cy="656279"/>
+            </a:xfrm>
+            <a:prstGeom prst="rect">
+              <a:avLst/>
+            </a:prstGeom>
+          </p:spPr>
+        </p:pic>
+        <p:pic>
+          <p:nvPicPr>
+            <p:cNvPr id="10" name="Graphic 9" descr="Dog outline">
+              <a:extLst>
+                <a:ext uri="{FF2B5EF4-FFF2-40B4-BE49-F238E27FC236}">
+                  <a16:creationId xmlns:a16="http://schemas.microsoft.com/office/drawing/2014/main" id="{C23F99FA-0B29-CA97-D736-67D89A0435D2}"/>
+                </a:ext>
+              </a:extLst>
+            </p:cNvPr>
+            <p:cNvPicPr>
+              <a:picLocks noChangeAspect="1"/>
+            </p:cNvPicPr>
+            <p:nvPr/>
+          </p:nvPicPr>
+          <p:blipFill>
+            <a:blip r:embed="rId8">
+              <a:extLst>
+                <a:ext uri="{96DAC541-7B7A-43D3-8B79-37D633B846F1}">
+                  <asvg:svgBlip xmlns:asvg="http://schemas.microsoft.com/office/drawing/2016/SVG/main" r:embed="rId9"/>
+                </a:ext>
+              </a:extLst>
+            </a:blip>
+            <a:stretch>
+              <a:fillRect/>
+            </a:stretch>
+          </p:blipFill>
+          <p:spPr>
+            <a:xfrm>
+              <a:off x="9235772" y="4852989"/>
+              <a:ext cx="656279" cy="656279"/>
+            </a:xfrm>
+            <a:prstGeom prst="rect">
+              <a:avLst/>
+            </a:prstGeom>
+          </p:spPr>
+        </p:pic>
+        <p:pic>
+          <p:nvPicPr>
+            <p:cNvPr id="11" name="Graphic 10" descr="Horse outline">
+              <a:extLst>
+                <a:ext uri="{FF2B5EF4-FFF2-40B4-BE49-F238E27FC236}">
+                  <a16:creationId xmlns:a16="http://schemas.microsoft.com/office/drawing/2014/main" id="{752694F6-64CF-0B95-4286-2254372047CD}"/>
+                </a:ext>
+              </a:extLst>
+            </p:cNvPr>
+            <p:cNvPicPr>
+              <a:picLocks noChangeAspect="1"/>
+            </p:cNvPicPr>
+            <p:nvPr/>
+          </p:nvPicPr>
+          <p:blipFill>
+            <a:blip r:embed="rId10">
+              <a:extLst>
+                <a:ext uri="{96DAC541-7B7A-43D3-8B79-37D633B846F1}">
+                  <asvg:svgBlip xmlns:asvg="http://schemas.microsoft.com/office/drawing/2016/SVG/main" r:embed="rId11"/>
+                </a:ext>
+              </a:extLst>
+            </a:blip>
+            <a:stretch>
+              <a:fillRect/>
+            </a:stretch>
+          </p:blipFill>
+          <p:spPr>
+            <a:xfrm>
+              <a:off x="8907632" y="5994167"/>
+              <a:ext cx="656279" cy="656279"/>
+            </a:xfrm>
+            <a:prstGeom prst="rect">
+              <a:avLst/>
+            </a:prstGeom>
+          </p:spPr>
+        </p:pic>
+        <p:pic>
+          <p:nvPicPr>
+            <p:cNvPr id="12" name="Graphic 11" descr="Bats with solid fill">
+              <a:extLst>
+                <a:ext uri="{FF2B5EF4-FFF2-40B4-BE49-F238E27FC236}">
+                  <a16:creationId xmlns:a16="http://schemas.microsoft.com/office/drawing/2014/main" id="{54FC2884-9F98-8D47-8F8F-9BB73113730E}"/>
+                </a:ext>
+              </a:extLst>
+            </p:cNvPr>
+            <p:cNvPicPr>
+              <a:picLocks noChangeAspect="1"/>
+            </p:cNvPicPr>
+            <p:nvPr/>
+          </p:nvPicPr>
+          <p:blipFill>
+            <a:blip r:embed="rId12">
+              <a:extLst>
+                <a:ext uri="{96DAC541-7B7A-43D3-8B79-37D633B846F1}">
+                  <asvg:svgBlip xmlns:asvg="http://schemas.microsoft.com/office/drawing/2016/SVG/main" r:embed="rId13"/>
+                </a:ext>
+              </a:extLst>
+            </a:blip>
+            <a:stretch>
+              <a:fillRect/>
+            </a:stretch>
+          </p:blipFill>
+          <p:spPr>
+            <a:xfrm>
+              <a:off x="11479044" y="3613660"/>
+              <a:ext cx="656279" cy="656279"/>
+            </a:xfrm>
+            <a:prstGeom prst="rect">
+              <a:avLst/>
+            </a:prstGeom>
+          </p:spPr>
+        </p:pic>
+        <p:pic>
+          <p:nvPicPr>
+            <p:cNvPr id="13" name="Graphic 12" descr="Pig outline">
+              <a:extLst>
+                <a:ext uri="{FF2B5EF4-FFF2-40B4-BE49-F238E27FC236}">
+                  <a16:creationId xmlns:a16="http://schemas.microsoft.com/office/drawing/2014/main" id="{F1DDBEF2-813F-6334-21F1-8E1193B464DB}"/>
+                </a:ext>
+              </a:extLst>
+            </p:cNvPr>
+            <p:cNvPicPr>
+              <a:picLocks noChangeAspect="1"/>
+            </p:cNvPicPr>
+            <p:nvPr/>
+          </p:nvPicPr>
+          <p:blipFill>
+            <a:blip r:embed="rId14">
+              <a:extLst>
+                <a:ext uri="{96DAC541-7B7A-43D3-8B79-37D633B846F1}">
+                  <asvg:svgBlip xmlns:asvg="http://schemas.microsoft.com/office/drawing/2016/SVG/main" r:embed="rId15"/>
+                </a:ext>
+              </a:extLst>
+            </a:blip>
+            <a:stretch>
+              <a:fillRect/>
+            </a:stretch>
+          </p:blipFill>
+          <p:spPr>
+            <a:xfrm>
+              <a:off x="9563912" y="1824708"/>
+              <a:ext cx="656279" cy="656279"/>
+            </a:xfrm>
+            <a:prstGeom prst="rect">
+              <a:avLst/>
+            </a:prstGeom>
+          </p:spPr>
+        </p:pic>
+        <p:pic>
+          <p:nvPicPr>
+            <p:cNvPr id="14" name="Graphic 13" descr="Duck outline">
+              <a:extLst>
+                <a:ext uri="{FF2B5EF4-FFF2-40B4-BE49-F238E27FC236}">
+                  <a16:creationId xmlns:a16="http://schemas.microsoft.com/office/drawing/2014/main" id="{ABEB4D29-107A-8555-D69C-ABEA66D9D933}"/>
+                </a:ext>
+              </a:extLst>
+            </p:cNvPr>
+            <p:cNvPicPr>
+              <a:picLocks noChangeAspect="1"/>
+            </p:cNvPicPr>
+            <p:nvPr/>
+          </p:nvPicPr>
+          <p:blipFill>
+            <a:blip r:embed="rId4">
+              <a:extLst>
+                <a:ext uri="{96DAC541-7B7A-43D3-8B79-37D633B846F1}">
+                  <asvg:svgBlip xmlns:asvg="http://schemas.microsoft.com/office/drawing/2016/SVG/main" r:embed="rId5"/>
+                </a:ext>
+              </a:extLst>
+            </a:blip>
+            <a:stretch>
+              <a:fillRect/>
+            </a:stretch>
+          </p:blipFill>
+          <p:spPr>
+            <a:xfrm>
+              <a:off x="9563912" y="4160537"/>
+              <a:ext cx="656279" cy="656279"/>
+            </a:xfrm>
+            <a:prstGeom prst="rect">
+              <a:avLst/>
+            </a:prstGeom>
+          </p:spPr>
+        </p:pic>
+        <p:pic>
+          <p:nvPicPr>
+            <p:cNvPr id="15" name="Graphic 14" descr="Duck outline">
+              <a:extLst>
+                <a:ext uri="{FF2B5EF4-FFF2-40B4-BE49-F238E27FC236}">
+                  <a16:creationId xmlns:a16="http://schemas.microsoft.com/office/drawing/2014/main" id="{376C9E0C-B8E5-8957-A650-C60110EA2FFB}"/>
+                </a:ext>
+              </a:extLst>
+            </p:cNvPr>
+            <p:cNvPicPr>
+              <a:picLocks noChangeAspect="1"/>
+            </p:cNvPicPr>
+            <p:nvPr/>
+          </p:nvPicPr>
+          <p:blipFill>
+            <a:blip r:embed="rId4">
+              <a:extLst>
+                <a:ext uri="{96DAC541-7B7A-43D3-8B79-37D633B846F1}">
+                  <asvg:svgBlip xmlns:asvg="http://schemas.microsoft.com/office/drawing/2016/SVG/main" r:embed="rId5"/>
+                </a:ext>
+              </a:extLst>
+            </a:blip>
+            <a:stretch>
+              <a:fillRect/>
+            </a:stretch>
+          </p:blipFill>
+          <p:spPr>
+            <a:xfrm>
+              <a:off x="10046092" y="6049722"/>
+              <a:ext cx="656279" cy="656279"/>
+            </a:xfrm>
+            <a:prstGeom prst="rect">
+              <a:avLst/>
+            </a:prstGeom>
+          </p:spPr>
+        </p:pic>
+        <p:pic>
+          <p:nvPicPr>
+            <p:cNvPr id="16" name="Graphic 15" descr="User with solid fill">
+              <a:extLst>
+                <a:ext uri="{FF2B5EF4-FFF2-40B4-BE49-F238E27FC236}">
+                  <a16:creationId xmlns:a16="http://schemas.microsoft.com/office/drawing/2014/main" id="{7F9446B1-C4B7-A31F-D470-5CF201068015}"/>
+                </a:ext>
+              </a:extLst>
+            </p:cNvPr>
+            <p:cNvPicPr>
+              <a:picLocks noChangeAspect="1"/>
+            </p:cNvPicPr>
+            <p:nvPr/>
+          </p:nvPicPr>
+          <p:blipFill>
+            <a:blip r:embed="rId6">
+              <a:extLst>
+                <a:ext uri="{96DAC541-7B7A-43D3-8B79-37D633B846F1}">
+                  <asvg:svgBlip xmlns:asvg="http://schemas.microsoft.com/office/drawing/2016/SVG/main" r:embed="rId7"/>
+                </a:ext>
+              </a:extLst>
+            </a:blip>
+            <a:stretch>
+              <a:fillRect/>
+            </a:stretch>
+          </p:blipFill>
+          <p:spPr>
+            <a:xfrm>
+              <a:off x="11378432" y="4524849"/>
+              <a:ext cx="656279" cy="656279"/>
+            </a:xfrm>
+            <a:prstGeom prst="rect">
+              <a:avLst/>
+            </a:prstGeom>
+          </p:spPr>
+        </p:pic>
+        <p:pic>
+          <p:nvPicPr>
+            <p:cNvPr id="17" name="Graphic 16" descr="Pig outline">
+              <a:extLst>
+                <a:ext uri="{FF2B5EF4-FFF2-40B4-BE49-F238E27FC236}">
+                  <a16:creationId xmlns:a16="http://schemas.microsoft.com/office/drawing/2014/main" id="{B0A98C8A-645A-7473-4E1F-A611982DD3E3}"/>
+                </a:ext>
+              </a:extLst>
+            </p:cNvPr>
+            <p:cNvPicPr>
+              <a:picLocks noChangeAspect="1"/>
+            </p:cNvPicPr>
+            <p:nvPr/>
+          </p:nvPicPr>
+          <p:blipFill>
+            <a:blip r:embed="rId14">
+              <a:extLst>
+                <a:ext uri="{96DAC541-7B7A-43D3-8B79-37D633B846F1}">
+                  <asvg:svgBlip xmlns:asvg="http://schemas.microsoft.com/office/drawing/2016/SVG/main" r:embed="rId15"/>
+                </a:ext>
+              </a:extLst>
+            </a:blip>
+            <a:stretch>
+              <a:fillRect/>
+            </a:stretch>
+          </p:blipFill>
+          <p:spPr>
+            <a:xfrm>
+              <a:off x="11429636" y="5133571"/>
+              <a:ext cx="656279" cy="656279"/>
+            </a:xfrm>
+            <a:prstGeom prst="rect">
+              <a:avLst/>
+            </a:prstGeom>
+          </p:spPr>
+        </p:pic>
+      </p:grpSp>
+    </p:spTree>
+    <p:extLst>
+      <p:ext uri="{BB962C8B-B14F-4D97-AF65-F5344CB8AC3E}">
+        <p14:creationId xmlns:p14="http://schemas.microsoft.com/office/powerpoint/2010/main" val="2032963964"/>
+      </p:ext>
+    </p:extLst>
+  </p:cSld>
+  <p:clrMapOvr>
+    <a:masterClrMapping/>
+  </p:clrMapOvr>
+  <p:timing>
+    <p:tnLst>
+      <p:par>
+        <p:cTn id="1" dur="indefinite" restart="never" nodeType="tmRoot">
+          <p:childTnLst>
+            <p:seq concurrent="1" nextAc="seek">
+              <p:cTn id="2" dur="indefinite" nodeType="mainSeq">
+                <p:childTnLst>
+                  <p:par>
+                    <p:cTn id="3" fill="hold">
+                      <p:stCondLst>
+                        <p:cond delay="indefinite"/>
+                      </p:stCondLst>
+                      <p:childTnLst>
+                        <p:par>
+                          <p:cTn id="4" fill="hold">
+                            <p:stCondLst>
+                              <p:cond delay="0"/>
+                            </p:stCondLst>
+                            <p:childTnLst>
+                              <p:par>
+                                <p:cTn id="5" presetID="1" presetClass="entr" presetSubtype="0" fill="hold" nodeType="clickEffect">
+                                  <p:stCondLst>
+                                    <p:cond delay="0"/>
+                                  </p:stCondLst>
+                                  <p:childTnLst>
+                                    <p:set>
+                                      <p:cBhvr>
+                                        <p:cTn id="6" dur="1" fill="hold">
+                                          <p:stCondLst>
+                                            <p:cond delay="0"/>
+                                          </p:stCondLst>
+                                        </p:cTn>
+                                        <p:tgtEl>
+                                          <p:spTgt spid="3"/>
+                                        </p:tgtEl>
+                                        <p:attrNameLst>
+                                          <p:attrName>style.visibility</p:attrName>
+                                        </p:attrNameLst>
+                                      </p:cBhvr>
+                                      <p:to>
+                                        <p:strVal val="visible"/>
+                                      </p:to>
+                                    </p:set>
+                                  </p:childTnLst>
+                                </p:cTn>
+                              </p:par>
+                            </p:childTnLst>
+                          </p:cTn>
+                        </p:par>
+                      </p:childTnLst>
+                    </p:cTn>
+                  </p:par>
+                </p:childTnLst>
+              </p:cTn>
+              <p:prevCondLst>
+                <p:cond evt="onPrev" delay="0">
+                  <p:tgtEl>
+                    <p:sldTgt/>
+                  </p:tgtEl>
+                </p:cond>
+              </p:prevCondLst>
+              <p:nextCondLst>
+                <p:cond evt="onNext" delay="0">
+                  <p:tgtEl>
+                    <p:sldTgt/>
+                  </p:tgtEl>
+                </p:cond>
+              </p:nextCondLst>
+            </p:seq>
+          </p:childTnLst>
+        </p:cTn>
+      </p:par>
+    </p:tnLst>
+  </p:timing>
+</p:sld>
+</file>
+
+<file path=ppt/slides/slide19.xml><?xml version="1.0" encoding="utf-8"?>
+<p:sld xmlns:a="http://schemas.openxmlformats.org/drawingml/2006/main" xmlns:r="http://schemas.openxmlformats.org/officeDocument/2006/relationships" xmlns:p="http://schemas.openxmlformats.org/presentationml/2006/main">
+  <p:cSld>
+    <p:spTree>
+      <p:nvGrpSpPr>
+        <p:cNvPr id="1" name="">
+          <a:extLst>
+            <a:ext uri="{FF2B5EF4-FFF2-40B4-BE49-F238E27FC236}">
+              <a16:creationId xmlns:a16="http://schemas.microsoft.com/office/drawing/2014/main" id="{15803D18-86B7-C17A-5BD9-E147B410EDE8}"/>
+            </a:ext>
+          </a:extLst>
+        </p:cNvPr>
+        <p:cNvGrpSpPr/>
+        <p:nvPr/>
+      </p:nvGrpSpPr>
+      <p:grpSpPr>
+        <a:xfrm>
+          <a:off x="0" y="0"/>
+          <a:ext cx="0" cy="0"/>
+          <a:chOff x="0" y="0"/>
+          <a:chExt cx="0" cy="0"/>
+        </a:xfrm>
+      </p:grpSpPr>
+      <p:pic>
+        <p:nvPicPr>
+          <p:cNvPr id="18" name="Picture 17">
+            <a:extLst>
+              <a:ext uri="{FF2B5EF4-FFF2-40B4-BE49-F238E27FC236}">
+                <a16:creationId xmlns:a16="http://schemas.microsoft.com/office/drawing/2014/main" id="{01812E60-FEDF-1560-0D78-EC183F51F3B4}"/>
+              </a:ext>
+            </a:extLst>
+          </p:cNvPr>
+          <p:cNvPicPr>
+            <a:picLocks noGrp="1" noRot="1" noChangeAspect="1" noMove="1" noResize="1" noEditPoints="1" noAdjustHandles="1" noChangeArrowheads="1" noChangeShapeType="1" noCrop="1"/>
+          </p:cNvPicPr>
+          <p:nvPr/>
+        </p:nvPicPr>
+        <p:blipFill>
+          <a:blip r:embed="rId2"/>
+          <a:stretch>
+            <a:fillRect/>
+          </a:stretch>
+        </p:blipFill>
+        <p:spPr>
+          <a:xfrm>
+            <a:off x="606853" y="0"/>
+            <a:ext cx="10978296" cy="6858000"/>
+          </a:xfrm>
+          <a:prstGeom prst="rect">
+            <a:avLst/>
+          </a:prstGeom>
+        </p:spPr>
+      </p:pic>
+      <p:sp>
+        <p:nvSpPr>
+          <p:cNvPr id="8" name="TextBox 7">
+            <a:extLst>
+              <a:ext uri="{FF2B5EF4-FFF2-40B4-BE49-F238E27FC236}">
+                <a16:creationId xmlns:a16="http://schemas.microsoft.com/office/drawing/2014/main" id="{9A439197-6211-150D-0B7B-146BA916031B}"/>
+              </a:ext>
+            </a:extLst>
+          </p:cNvPr>
+          <p:cNvSpPr txBox="1"/>
+          <p:nvPr/>
+        </p:nvSpPr>
+        <p:spPr>
+          <a:xfrm>
+            <a:off x="3849329" y="0"/>
+            <a:ext cx="3803221" cy="523220"/>
+          </a:xfrm>
+          <a:prstGeom prst="rect">
+            <a:avLst/>
+          </a:prstGeom>
+          <a:noFill/>
+        </p:spPr>
+        <p:txBody>
+          <a:bodyPr wrap="none" rtlCol="0">
+            <a:spAutoFit/>
+          </a:bodyPr>
+          <a:lstStyle/>
+          <a:p>
+            <a:r>
+              <a:rPr lang="en-GB" sz="2800" dirty="0"/>
+              <a:t>Haemagglutinin – PAAC</a:t>
+            </a:r>
+          </a:p>
+        </p:txBody>
+      </p:sp>
+      <p:pic>
+        <p:nvPicPr>
+          <p:cNvPr id="4" name="Picture 3">
+            <a:extLst>
+              <a:ext uri="{FF2B5EF4-FFF2-40B4-BE49-F238E27FC236}">
+                <a16:creationId xmlns:a16="http://schemas.microsoft.com/office/drawing/2014/main" id="{130B84BF-F4D9-920F-DFD7-BD7B1F397612}"/>
+              </a:ext>
+            </a:extLst>
+          </p:cNvPr>
+          <p:cNvPicPr>
+            <a:picLocks noChangeAspect="1"/>
+          </p:cNvPicPr>
+          <p:nvPr/>
+        </p:nvPicPr>
+        <p:blipFill>
+          <a:blip r:embed="rId3"/>
+          <a:srcRect l="71884" t="8522" r="5882" b="70231"/>
+          <a:stretch/>
+        </p:blipFill>
+        <p:spPr>
+          <a:xfrm>
+            <a:off x="1487838" y="677090"/>
+            <a:ext cx="3734734" cy="2521974"/>
+          </a:xfrm>
+          <a:prstGeom prst="rect">
+            <a:avLst/>
+          </a:prstGeom>
+        </p:spPr>
+      </p:pic>
+      <p:sp>
+        <p:nvSpPr>
+          <p:cNvPr id="7" name="Rectangle 6">
+            <a:extLst>
+              <a:ext uri="{FF2B5EF4-FFF2-40B4-BE49-F238E27FC236}">
+                <a16:creationId xmlns:a16="http://schemas.microsoft.com/office/drawing/2014/main" id="{ADBCE8E8-1BFC-E932-4627-BB09339DCDE1}"/>
+              </a:ext>
+            </a:extLst>
+          </p:cNvPr>
+          <p:cNvSpPr/>
+          <p:nvPr/>
+        </p:nvSpPr>
+        <p:spPr>
+          <a:xfrm>
+            <a:off x="1487838" y="2754086"/>
+            <a:ext cx="3620278" cy="188535"/>
+          </a:xfrm>
+          <a:prstGeom prst="rect">
+            <a:avLst/>
+          </a:prstGeom>
+          <a:solidFill>
+            <a:srgbClr val="FFFFFF">
+              <a:alpha val="80000"/>
+            </a:srgbClr>
+          </a:solidFill>
+          <a:ln>
+            <a:noFill/>
+          </a:ln>
+        </p:spPr>
+        <p:style>
+          <a:lnRef idx="2">
+            <a:schemeClr val="accent1">
+              <a:shade val="15000"/>
+            </a:schemeClr>
+          </a:lnRef>
+          <a:fillRef idx="1">
+            <a:schemeClr val="accent1"/>
+          </a:fillRef>
+          <a:effectRef idx="0">
+            <a:schemeClr val="accent1"/>
+          </a:effectRef>
+          <a:fontRef idx="minor">
+            <a:schemeClr val="lt1"/>
+          </a:fontRef>
+        </p:style>
+        <p:txBody>
+          <a:bodyPr rtlCol="0" anchor="ctr"/>
+          <a:lstStyle/>
+          <a:p>
+            <a:pPr algn="ctr"/>
+            <a:endParaRPr lang="en-GB"/>
+          </a:p>
+        </p:txBody>
+      </p:sp>
+      <p:sp>
+        <p:nvSpPr>
+          <p:cNvPr id="2" name="Rectangle 1">
+            <a:extLst>
+              <a:ext uri="{FF2B5EF4-FFF2-40B4-BE49-F238E27FC236}">
+                <a16:creationId xmlns:a16="http://schemas.microsoft.com/office/drawing/2014/main" id="{D7B36D67-E368-C8BE-28ED-CAE7845AD6F0}"/>
+              </a:ext>
+            </a:extLst>
+          </p:cNvPr>
+          <p:cNvSpPr/>
+          <p:nvPr/>
+        </p:nvSpPr>
+        <p:spPr>
+          <a:xfrm>
+            <a:off x="1487838" y="1117055"/>
+            <a:ext cx="3620278" cy="1441088"/>
+          </a:xfrm>
+          <a:prstGeom prst="rect">
+            <a:avLst/>
+          </a:prstGeom>
+          <a:solidFill>
+            <a:srgbClr val="FFFFFF">
+              <a:alpha val="80000"/>
+            </a:srgbClr>
+          </a:solidFill>
+          <a:ln>
+            <a:noFill/>
+          </a:ln>
+        </p:spPr>
+        <p:style>
+          <a:lnRef idx="2">
+            <a:schemeClr val="accent1">
+              <a:shade val="15000"/>
+            </a:schemeClr>
+          </a:lnRef>
+          <a:fillRef idx="1">
+            <a:schemeClr val="accent1"/>
+          </a:fillRef>
+          <a:effectRef idx="0">
+            <a:schemeClr val="accent1"/>
+          </a:effectRef>
+          <a:fontRef idx="minor">
+            <a:schemeClr val="lt1"/>
+          </a:fontRef>
+        </p:style>
+        <p:txBody>
+          <a:bodyPr rtlCol="0" anchor="ctr"/>
+          <a:lstStyle/>
+          <a:p>
+            <a:pPr algn="ctr"/>
+            <a:endParaRPr lang="en-GB"/>
+          </a:p>
+        </p:txBody>
+      </p:sp>
+      <p:grpSp>
+        <p:nvGrpSpPr>
+          <p:cNvPr id="3" name="Group 2">
+            <a:extLst>
+              <a:ext uri="{FF2B5EF4-FFF2-40B4-BE49-F238E27FC236}">
+                <a16:creationId xmlns:a16="http://schemas.microsoft.com/office/drawing/2014/main" id="{2051D4FE-D254-4DC5-0DE2-3CE09FF9BD35}"/>
+              </a:ext>
+            </a:extLst>
+          </p:cNvPr>
+          <p:cNvGrpSpPr/>
+          <p:nvPr/>
+        </p:nvGrpSpPr>
+        <p:grpSpPr>
+          <a:xfrm>
+            <a:off x="8907632" y="925979"/>
+            <a:ext cx="3227691" cy="5780022"/>
+            <a:chOff x="8907632" y="925979"/>
+            <a:chExt cx="3227691" cy="5780022"/>
+          </a:xfrm>
+        </p:grpSpPr>
+        <p:pic>
+          <p:nvPicPr>
+            <p:cNvPr id="5" name="Graphic 4" descr="Duck outline">
+              <a:extLst>
+                <a:ext uri="{FF2B5EF4-FFF2-40B4-BE49-F238E27FC236}">
+                  <a16:creationId xmlns:a16="http://schemas.microsoft.com/office/drawing/2014/main" id="{3FE95C5F-7802-A92C-4E37-37A6B8B6F4F2}"/>
+                </a:ext>
+              </a:extLst>
+            </p:cNvPr>
+            <p:cNvPicPr>
+              <a:picLocks noChangeAspect="1"/>
+            </p:cNvPicPr>
+            <p:nvPr/>
+          </p:nvPicPr>
+          <p:blipFill>
+            <a:blip r:embed="rId4">
+              <a:extLst>
+                <a:ext uri="{96DAC541-7B7A-43D3-8B79-37D633B846F1}">
+                  <asvg:svgBlip xmlns:asvg="http://schemas.microsoft.com/office/drawing/2016/SVG/main" r:embed="rId5"/>
+                </a:ext>
+              </a:extLst>
+            </a:blip>
+            <a:stretch>
+              <a:fillRect/>
+            </a:stretch>
+          </p:blipFill>
+          <p:spPr>
+            <a:xfrm>
+              <a:off x="9023008" y="925979"/>
+              <a:ext cx="656279" cy="656279"/>
+            </a:xfrm>
+            <a:prstGeom prst="rect">
+              <a:avLst/>
+            </a:prstGeom>
+          </p:spPr>
+        </p:pic>
+        <p:pic>
+          <p:nvPicPr>
+            <p:cNvPr id="9" name="Graphic 8" descr="User with solid fill">
+              <a:extLst>
+                <a:ext uri="{FF2B5EF4-FFF2-40B4-BE49-F238E27FC236}">
+                  <a16:creationId xmlns:a16="http://schemas.microsoft.com/office/drawing/2014/main" id="{ABE89C9E-7613-1211-2FD3-412A1CF5BE0B}"/>
+                </a:ext>
+              </a:extLst>
+            </p:cNvPr>
+            <p:cNvPicPr>
+              <a:picLocks noChangeAspect="1"/>
+            </p:cNvPicPr>
+            <p:nvPr/>
+          </p:nvPicPr>
+          <p:blipFill>
+            <a:blip r:embed="rId6">
+              <a:extLst>
+                <a:ext uri="{96DAC541-7B7A-43D3-8B79-37D633B846F1}">
+                  <asvg:svgBlip xmlns:asvg="http://schemas.microsoft.com/office/drawing/2016/SVG/main" r:embed="rId7"/>
+                </a:ext>
+              </a:extLst>
+            </a:blip>
+            <a:stretch>
+              <a:fillRect/>
+            </a:stretch>
+          </p:blipFill>
+          <p:spPr>
+            <a:xfrm>
+              <a:off x="9679287" y="2441137"/>
+              <a:ext cx="656279" cy="656279"/>
+            </a:xfrm>
+            <a:prstGeom prst="rect">
+              <a:avLst/>
+            </a:prstGeom>
+          </p:spPr>
+        </p:pic>
+        <p:pic>
+          <p:nvPicPr>
+            <p:cNvPr id="10" name="Graphic 9" descr="Dog outline">
+              <a:extLst>
+                <a:ext uri="{FF2B5EF4-FFF2-40B4-BE49-F238E27FC236}">
+                  <a16:creationId xmlns:a16="http://schemas.microsoft.com/office/drawing/2014/main" id="{A4CEDA5F-1DC1-7EAD-8A1A-1C4CB4FFCF04}"/>
+                </a:ext>
+              </a:extLst>
+            </p:cNvPr>
+            <p:cNvPicPr>
+              <a:picLocks noChangeAspect="1"/>
+            </p:cNvPicPr>
+            <p:nvPr/>
+          </p:nvPicPr>
+          <p:blipFill>
+            <a:blip r:embed="rId8">
+              <a:extLst>
+                <a:ext uri="{96DAC541-7B7A-43D3-8B79-37D633B846F1}">
+                  <asvg:svgBlip xmlns:asvg="http://schemas.microsoft.com/office/drawing/2016/SVG/main" r:embed="rId9"/>
+                </a:ext>
+              </a:extLst>
+            </a:blip>
+            <a:stretch>
+              <a:fillRect/>
+            </a:stretch>
+          </p:blipFill>
+          <p:spPr>
+            <a:xfrm>
+              <a:off x="9235772" y="4852989"/>
+              <a:ext cx="656279" cy="656279"/>
+            </a:xfrm>
+            <a:prstGeom prst="rect">
+              <a:avLst/>
+            </a:prstGeom>
+          </p:spPr>
+        </p:pic>
+        <p:pic>
+          <p:nvPicPr>
+            <p:cNvPr id="11" name="Graphic 10" descr="Horse outline">
+              <a:extLst>
+                <a:ext uri="{FF2B5EF4-FFF2-40B4-BE49-F238E27FC236}">
+                  <a16:creationId xmlns:a16="http://schemas.microsoft.com/office/drawing/2014/main" id="{78D3319D-BD6E-7F39-780B-F2E44892419A}"/>
+                </a:ext>
+              </a:extLst>
+            </p:cNvPr>
+            <p:cNvPicPr>
+              <a:picLocks noChangeAspect="1"/>
+            </p:cNvPicPr>
+            <p:nvPr/>
+          </p:nvPicPr>
+          <p:blipFill>
+            <a:blip r:embed="rId10">
+              <a:extLst>
+                <a:ext uri="{96DAC541-7B7A-43D3-8B79-37D633B846F1}">
+                  <asvg:svgBlip xmlns:asvg="http://schemas.microsoft.com/office/drawing/2016/SVG/main" r:embed="rId11"/>
+                </a:ext>
+              </a:extLst>
+            </a:blip>
+            <a:stretch>
+              <a:fillRect/>
+            </a:stretch>
+          </p:blipFill>
+          <p:spPr>
+            <a:xfrm>
+              <a:off x="8907632" y="5994167"/>
+              <a:ext cx="656279" cy="656279"/>
+            </a:xfrm>
+            <a:prstGeom prst="rect">
+              <a:avLst/>
+            </a:prstGeom>
+          </p:spPr>
+        </p:pic>
+        <p:pic>
+          <p:nvPicPr>
+            <p:cNvPr id="12" name="Graphic 11" descr="Bats with solid fill">
+              <a:extLst>
+                <a:ext uri="{FF2B5EF4-FFF2-40B4-BE49-F238E27FC236}">
+                  <a16:creationId xmlns:a16="http://schemas.microsoft.com/office/drawing/2014/main" id="{6E35607C-4937-326A-B651-AAA1EC3FC4B6}"/>
+                </a:ext>
+              </a:extLst>
+            </p:cNvPr>
+            <p:cNvPicPr>
+              <a:picLocks noChangeAspect="1"/>
+            </p:cNvPicPr>
+            <p:nvPr/>
+          </p:nvPicPr>
+          <p:blipFill>
+            <a:blip r:embed="rId12">
+              <a:extLst>
+                <a:ext uri="{96DAC541-7B7A-43D3-8B79-37D633B846F1}">
+                  <asvg:svgBlip xmlns:asvg="http://schemas.microsoft.com/office/drawing/2016/SVG/main" r:embed="rId13"/>
+                </a:ext>
+              </a:extLst>
+            </a:blip>
+            <a:stretch>
+              <a:fillRect/>
+            </a:stretch>
+          </p:blipFill>
+          <p:spPr>
+            <a:xfrm>
+              <a:off x="11479044" y="3613660"/>
+              <a:ext cx="656279" cy="656279"/>
+            </a:xfrm>
+            <a:prstGeom prst="rect">
+              <a:avLst/>
+            </a:prstGeom>
+          </p:spPr>
+        </p:pic>
+        <p:pic>
+          <p:nvPicPr>
+            <p:cNvPr id="13" name="Graphic 12" descr="Pig outline">
+              <a:extLst>
+                <a:ext uri="{FF2B5EF4-FFF2-40B4-BE49-F238E27FC236}">
+                  <a16:creationId xmlns:a16="http://schemas.microsoft.com/office/drawing/2014/main" id="{B0D368F9-920E-C94B-9572-4ACAB6EF6D97}"/>
+                </a:ext>
+              </a:extLst>
+            </p:cNvPr>
+            <p:cNvPicPr>
+              <a:picLocks noChangeAspect="1"/>
+            </p:cNvPicPr>
+            <p:nvPr/>
+          </p:nvPicPr>
+          <p:blipFill>
+            <a:blip r:embed="rId14">
+              <a:extLst>
+                <a:ext uri="{96DAC541-7B7A-43D3-8B79-37D633B846F1}">
+                  <asvg:svgBlip xmlns:asvg="http://schemas.microsoft.com/office/drawing/2016/SVG/main" r:embed="rId15"/>
+                </a:ext>
+              </a:extLst>
+            </a:blip>
+            <a:stretch>
+              <a:fillRect/>
+            </a:stretch>
+          </p:blipFill>
+          <p:spPr>
+            <a:xfrm>
+              <a:off x="9563912" y="1824708"/>
+              <a:ext cx="656279" cy="656279"/>
+            </a:xfrm>
+            <a:prstGeom prst="rect">
+              <a:avLst/>
+            </a:prstGeom>
+          </p:spPr>
+        </p:pic>
+        <p:pic>
+          <p:nvPicPr>
+            <p:cNvPr id="14" name="Graphic 13" descr="Duck outline">
+              <a:extLst>
+                <a:ext uri="{FF2B5EF4-FFF2-40B4-BE49-F238E27FC236}">
+                  <a16:creationId xmlns:a16="http://schemas.microsoft.com/office/drawing/2014/main" id="{ACD4C60A-FCF3-6E93-2A9A-1865D2E847BC}"/>
+                </a:ext>
+              </a:extLst>
+            </p:cNvPr>
+            <p:cNvPicPr>
+              <a:picLocks noChangeAspect="1"/>
+            </p:cNvPicPr>
+            <p:nvPr/>
+          </p:nvPicPr>
+          <p:blipFill>
+            <a:blip r:embed="rId4">
+              <a:extLst>
+                <a:ext uri="{96DAC541-7B7A-43D3-8B79-37D633B846F1}">
+                  <asvg:svgBlip xmlns:asvg="http://schemas.microsoft.com/office/drawing/2016/SVG/main" r:embed="rId5"/>
+                </a:ext>
+              </a:extLst>
+            </a:blip>
+            <a:stretch>
+              <a:fillRect/>
+            </a:stretch>
+          </p:blipFill>
+          <p:spPr>
+            <a:xfrm>
+              <a:off x="9563912" y="4160537"/>
+              <a:ext cx="656279" cy="656279"/>
+            </a:xfrm>
+            <a:prstGeom prst="rect">
+              <a:avLst/>
+            </a:prstGeom>
+          </p:spPr>
+        </p:pic>
+        <p:pic>
+          <p:nvPicPr>
+            <p:cNvPr id="15" name="Graphic 14" descr="Duck outline">
+              <a:extLst>
+                <a:ext uri="{FF2B5EF4-FFF2-40B4-BE49-F238E27FC236}">
+                  <a16:creationId xmlns:a16="http://schemas.microsoft.com/office/drawing/2014/main" id="{A8366D9A-F25F-2E70-49F4-895720636E14}"/>
+                </a:ext>
+              </a:extLst>
+            </p:cNvPr>
+            <p:cNvPicPr>
+              <a:picLocks noChangeAspect="1"/>
+            </p:cNvPicPr>
+            <p:nvPr/>
+          </p:nvPicPr>
+          <p:blipFill>
+            <a:blip r:embed="rId4">
+              <a:extLst>
+                <a:ext uri="{96DAC541-7B7A-43D3-8B79-37D633B846F1}">
+                  <asvg:svgBlip xmlns:asvg="http://schemas.microsoft.com/office/drawing/2016/SVG/main" r:embed="rId5"/>
+                </a:ext>
+              </a:extLst>
+            </a:blip>
+            <a:stretch>
+              <a:fillRect/>
+            </a:stretch>
+          </p:blipFill>
+          <p:spPr>
+            <a:xfrm>
+              <a:off x="10046092" y="6049722"/>
+              <a:ext cx="656279" cy="656279"/>
+            </a:xfrm>
+            <a:prstGeom prst="rect">
+              <a:avLst/>
+            </a:prstGeom>
+          </p:spPr>
+        </p:pic>
+        <p:pic>
+          <p:nvPicPr>
+            <p:cNvPr id="16" name="Graphic 15" descr="User with solid fill">
+              <a:extLst>
+                <a:ext uri="{FF2B5EF4-FFF2-40B4-BE49-F238E27FC236}">
+                  <a16:creationId xmlns:a16="http://schemas.microsoft.com/office/drawing/2014/main" id="{E8FDA781-12E4-937F-390B-C72BA95BA471}"/>
+                </a:ext>
+              </a:extLst>
+            </p:cNvPr>
+            <p:cNvPicPr>
+              <a:picLocks noChangeAspect="1"/>
+            </p:cNvPicPr>
+            <p:nvPr/>
+          </p:nvPicPr>
+          <p:blipFill>
+            <a:blip r:embed="rId6">
+              <a:extLst>
+                <a:ext uri="{96DAC541-7B7A-43D3-8B79-37D633B846F1}">
+                  <asvg:svgBlip xmlns:asvg="http://schemas.microsoft.com/office/drawing/2016/SVG/main" r:embed="rId7"/>
+                </a:ext>
+              </a:extLst>
+            </a:blip>
+            <a:stretch>
+              <a:fillRect/>
+            </a:stretch>
+          </p:blipFill>
+          <p:spPr>
+            <a:xfrm>
+              <a:off x="11378432" y="4524849"/>
+              <a:ext cx="656279" cy="656279"/>
+            </a:xfrm>
+            <a:prstGeom prst="rect">
+              <a:avLst/>
+            </a:prstGeom>
+          </p:spPr>
+        </p:pic>
+        <p:pic>
+          <p:nvPicPr>
+            <p:cNvPr id="17" name="Graphic 16" descr="Pig outline">
+              <a:extLst>
+                <a:ext uri="{FF2B5EF4-FFF2-40B4-BE49-F238E27FC236}">
+                  <a16:creationId xmlns:a16="http://schemas.microsoft.com/office/drawing/2014/main" id="{8DDAD7AA-DAE9-D346-5C9D-15AADB5BBFD1}"/>
+                </a:ext>
+              </a:extLst>
+            </p:cNvPr>
+            <p:cNvPicPr>
+              <a:picLocks noChangeAspect="1"/>
+            </p:cNvPicPr>
+            <p:nvPr/>
+          </p:nvPicPr>
+          <p:blipFill>
+            <a:blip r:embed="rId14">
+              <a:extLst>
+                <a:ext uri="{96DAC541-7B7A-43D3-8B79-37D633B846F1}">
+                  <asvg:svgBlip xmlns:asvg="http://schemas.microsoft.com/office/drawing/2016/SVG/main" r:embed="rId15"/>
+                </a:ext>
+              </a:extLst>
+            </a:blip>
+            <a:stretch>
+              <a:fillRect/>
+            </a:stretch>
+          </p:blipFill>
+          <p:spPr>
+            <a:xfrm>
+              <a:off x="11429636" y="5133571"/>
+              <a:ext cx="656279" cy="656279"/>
+            </a:xfrm>
+            <a:prstGeom prst="rect">
+              <a:avLst/>
+            </a:prstGeom>
+          </p:spPr>
+        </p:pic>
+      </p:grpSp>
+    </p:spTree>
+    <p:extLst>
+      <p:ext uri="{BB962C8B-B14F-4D97-AF65-F5344CB8AC3E}">
+        <p14:creationId xmlns:p14="http://schemas.microsoft.com/office/powerpoint/2010/main" val="429785597"/>
+      </p:ext>
+    </p:extLst>
+  </p:cSld>
+  <p:clrMapOvr>
+    <a:masterClrMapping/>
+  </p:clrMapOvr>
+  <p:timing>
+    <p:tnLst>
+      <p:par>
+        <p:cTn id="1" dur="indefinite" restart="never" nodeType="tmRoot">
+          <p:childTnLst>
+            <p:seq concurrent="1" nextAc="seek">
+              <p:cTn id="2" dur="indefinite" nodeType="mainSeq">
+                <p:childTnLst>
+                  <p:par>
+                    <p:cTn id="3" fill="hold">
+                      <p:stCondLst>
+                        <p:cond delay="indefinite"/>
+                      </p:stCondLst>
+                      <p:childTnLst>
+                        <p:par>
+                          <p:cTn id="4" fill="hold">
+                            <p:stCondLst>
+                              <p:cond delay="0"/>
+                            </p:stCondLst>
+                            <p:childTnLst>
+                              <p:par>
+                                <p:cTn id="5" presetID="1" presetClass="entr" presetSubtype="0" fill="hold" nodeType="clickEffect">
+                                  <p:stCondLst>
+                                    <p:cond delay="0"/>
+                                  </p:stCondLst>
+                                  <p:childTnLst>
+                                    <p:set>
+                                      <p:cBhvr>
+                                        <p:cTn id="6" dur="1" fill="hold">
+                                          <p:stCondLst>
+                                            <p:cond delay="0"/>
+                                          </p:stCondLst>
+                                        </p:cTn>
+                                        <p:tgtEl>
+                                          <p:spTgt spid="3"/>
+                                        </p:tgtEl>
+                                        <p:attrNameLst>
+                                          <p:attrName>style.visibility</p:attrName>
+                                        </p:attrNameLst>
+                                      </p:cBhvr>
+                                      <p:to>
+                                        <p:strVal val="visible"/>
+                                      </p:to>
+                                    </p:set>
+                                  </p:childTnLst>
+                                </p:cTn>
+                              </p:par>
+                            </p:childTnLst>
+                          </p:cTn>
+                        </p:par>
+                      </p:childTnLst>
+                    </p:cTn>
+                  </p:par>
+                </p:childTnLst>
+              </p:cTn>
+              <p:prevCondLst>
+                <p:cond evt="onPrev" delay="0">
+                  <p:tgtEl>
+                    <p:sldTgt/>
+                  </p:tgtEl>
+                </p:cond>
+              </p:prevCondLst>
+              <p:nextCondLst>
+                <p:cond evt="onNext" delay="0">
+                  <p:tgtEl>
+                    <p:sldTgt/>
+                  </p:tgtEl>
+                </p:cond>
+              </p:nextCondLst>
+            </p:seq>
+          </p:childTnLst>
+        </p:cTn>
+      </p:par>
+    </p:tnLst>
+  </p:timing>
 </p:sld>
 </file>
 
@@ -5265,6 +10214,754 @@
     <p:extLst>
       <p:ext uri="{BB962C8B-B14F-4D97-AF65-F5344CB8AC3E}">
         <p14:creationId xmlns:p14="http://schemas.microsoft.com/office/powerpoint/2010/main" val="4134381983"/>
+      </p:ext>
+    </p:extLst>
+  </p:cSld>
+  <p:clrMapOvr>
+    <a:masterClrMapping/>
+  </p:clrMapOvr>
+</p:sld>
+</file>
+
+<file path=ppt/slides/slide20.xml><?xml version="1.0" encoding="utf-8"?>
+<p:sld xmlns:a="http://schemas.openxmlformats.org/drawingml/2006/main" xmlns:r="http://schemas.openxmlformats.org/officeDocument/2006/relationships" xmlns:p="http://schemas.openxmlformats.org/presentationml/2006/main">
+  <p:cSld>
+    <p:spTree>
+      <p:nvGrpSpPr>
+        <p:cNvPr id="1" name="">
+          <a:extLst>
+            <a:ext uri="{FF2B5EF4-FFF2-40B4-BE49-F238E27FC236}">
+              <a16:creationId xmlns:a16="http://schemas.microsoft.com/office/drawing/2014/main" id="{6D853360-AEF5-365B-EC44-B9633F8BA418}"/>
+            </a:ext>
+          </a:extLst>
+        </p:cNvPr>
+        <p:cNvGrpSpPr/>
+        <p:nvPr/>
+      </p:nvGrpSpPr>
+      <p:grpSpPr>
+        <a:xfrm>
+          <a:off x="0" y="0"/>
+          <a:ext cx="0" cy="0"/>
+          <a:chOff x="0" y="0"/>
+          <a:chExt cx="0" cy="0"/>
+        </a:xfrm>
+      </p:grpSpPr>
+      <p:pic>
+        <p:nvPicPr>
+          <p:cNvPr id="20" name="Picture 19">
+            <a:extLst>
+              <a:ext uri="{FF2B5EF4-FFF2-40B4-BE49-F238E27FC236}">
+                <a16:creationId xmlns:a16="http://schemas.microsoft.com/office/drawing/2014/main" id="{96D410B8-E6B0-5F9B-259B-CBDDD397E660}"/>
+              </a:ext>
+            </a:extLst>
+          </p:cNvPr>
+          <p:cNvPicPr>
+            <a:picLocks noGrp="1" noRot="1" noChangeAspect="1" noMove="1" noResize="1" noEditPoints="1" noAdjustHandles="1" noChangeArrowheads="1" noChangeShapeType="1" noCrop="1"/>
+          </p:cNvPicPr>
+          <p:nvPr/>
+        </p:nvPicPr>
+        <p:blipFill>
+          <a:blip r:embed="rId2"/>
+          <a:stretch>
+            <a:fillRect/>
+          </a:stretch>
+        </p:blipFill>
+        <p:spPr>
+          <a:xfrm>
+            <a:off x="606853" y="0"/>
+            <a:ext cx="10978296" cy="6858000"/>
+          </a:xfrm>
+          <a:prstGeom prst="rect">
+            <a:avLst/>
+          </a:prstGeom>
+        </p:spPr>
+      </p:pic>
+      <p:sp>
+        <p:nvSpPr>
+          <p:cNvPr id="8" name="TextBox 7">
+            <a:extLst>
+              <a:ext uri="{FF2B5EF4-FFF2-40B4-BE49-F238E27FC236}">
+                <a16:creationId xmlns:a16="http://schemas.microsoft.com/office/drawing/2014/main" id="{18E15A26-9728-06F0-17FF-B06DECAC0C7F}"/>
+              </a:ext>
+            </a:extLst>
+          </p:cNvPr>
+          <p:cNvSpPr txBox="1"/>
+          <p:nvPr/>
+        </p:nvSpPr>
+        <p:spPr>
+          <a:xfrm>
+            <a:off x="3849329" y="0"/>
+            <a:ext cx="3704860" cy="523220"/>
+          </a:xfrm>
+          <a:prstGeom prst="rect">
+            <a:avLst/>
+          </a:prstGeom>
+          <a:noFill/>
+        </p:spPr>
+        <p:txBody>
+          <a:bodyPr wrap="none" rtlCol="0">
+            <a:spAutoFit/>
+          </a:bodyPr>
+          <a:lstStyle/>
+          <a:p>
+            <a:r>
+              <a:rPr lang="en-GB" sz="2800" dirty="0"/>
+              <a:t>Haemagglutinin – ZIMJ </a:t>
+            </a:r>
+          </a:p>
+        </p:txBody>
+      </p:sp>
+      <p:pic>
+        <p:nvPicPr>
+          <p:cNvPr id="4" name="Picture 3">
+            <a:extLst>
+              <a:ext uri="{FF2B5EF4-FFF2-40B4-BE49-F238E27FC236}">
+                <a16:creationId xmlns:a16="http://schemas.microsoft.com/office/drawing/2014/main" id="{C0C2B4D2-F349-F9C7-E880-3388A103EC4C}"/>
+              </a:ext>
+            </a:extLst>
+          </p:cNvPr>
+          <p:cNvPicPr>
+            <a:picLocks noChangeAspect="1"/>
+          </p:cNvPicPr>
+          <p:nvPr/>
+        </p:nvPicPr>
+        <p:blipFill>
+          <a:blip r:embed="rId3"/>
+          <a:srcRect l="71884" t="8522" r="5882" b="70231"/>
+          <a:stretch/>
+        </p:blipFill>
+        <p:spPr>
+          <a:xfrm>
+            <a:off x="1487838" y="677090"/>
+            <a:ext cx="3734734" cy="2521974"/>
+          </a:xfrm>
+          <a:prstGeom prst="rect">
+            <a:avLst/>
+          </a:prstGeom>
+        </p:spPr>
+      </p:pic>
+      <p:sp>
+        <p:nvSpPr>
+          <p:cNvPr id="2" name="Rectangle 1">
+            <a:extLst>
+              <a:ext uri="{FF2B5EF4-FFF2-40B4-BE49-F238E27FC236}">
+                <a16:creationId xmlns:a16="http://schemas.microsoft.com/office/drawing/2014/main" id="{B1EBFBA6-1659-1EC6-D02D-14E191F14648}"/>
+              </a:ext>
+            </a:extLst>
+          </p:cNvPr>
+          <p:cNvSpPr/>
+          <p:nvPr/>
+        </p:nvSpPr>
+        <p:spPr>
+          <a:xfrm>
+            <a:off x="1487838" y="1117055"/>
+            <a:ext cx="3620278" cy="1647916"/>
+          </a:xfrm>
+          <a:prstGeom prst="rect">
+            <a:avLst/>
+          </a:prstGeom>
+          <a:solidFill>
+            <a:srgbClr val="FFFFFF">
+              <a:alpha val="80000"/>
+            </a:srgbClr>
+          </a:solidFill>
+          <a:ln>
+            <a:noFill/>
+          </a:ln>
+        </p:spPr>
+        <p:style>
+          <a:lnRef idx="2">
+            <a:schemeClr val="accent1">
+              <a:shade val="15000"/>
+            </a:schemeClr>
+          </a:lnRef>
+          <a:fillRef idx="1">
+            <a:schemeClr val="accent1"/>
+          </a:fillRef>
+          <a:effectRef idx="0">
+            <a:schemeClr val="accent1"/>
+          </a:effectRef>
+          <a:fontRef idx="minor">
+            <a:schemeClr val="lt1"/>
+          </a:fontRef>
+        </p:style>
+        <p:txBody>
+          <a:bodyPr rtlCol="0" anchor="ctr"/>
+          <a:lstStyle/>
+          <a:p>
+            <a:pPr algn="ctr"/>
+            <a:endParaRPr lang="en-GB"/>
+          </a:p>
+        </p:txBody>
+      </p:sp>
+      <p:grpSp>
+        <p:nvGrpSpPr>
+          <p:cNvPr id="3" name="Group 2">
+            <a:extLst>
+              <a:ext uri="{FF2B5EF4-FFF2-40B4-BE49-F238E27FC236}">
+                <a16:creationId xmlns:a16="http://schemas.microsoft.com/office/drawing/2014/main" id="{1C9A0606-6F8A-BDC5-F2E8-3D21364E871E}"/>
+              </a:ext>
+            </a:extLst>
+          </p:cNvPr>
+          <p:cNvGrpSpPr/>
+          <p:nvPr/>
+        </p:nvGrpSpPr>
+        <p:grpSpPr>
+          <a:xfrm>
+            <a:off x="8907632" y="925979"/>
+            <a:ext cx="3227691" cy="5780022"/>
+            <a:chOff x="8907632" y="925979"/>
+            <a:chExt cx="3227691" cy="5780022"/>
+          </a:xfrm>
+        </p:grpSpPr>
+        <p:pic>
+          <p:nvPicPr>
+            <p:cNvPr id="5" name="Graphic 4" descr="Duck outline">
+              <a:extLst>
+                <a:ext uri="{FF2B5EF4-FFF2-40B4-BE49-F238E27FC236}">
+                  <a16:creationId xmlns:a16="http://schemas.microsoft.com/office/drawing/2014/main" id="{B151EAAE-FAAA-CB01-5A75-E7B7EE5F7B94}"/>
+                </a:ext>
+              </a:extLst>
+            </p:cNvPr>
+            <p:cNvPicPr>
+              <a:picLocks noChangeAspect="1"/>
+            </p:cNvPicPr>
+            <p:nvPr/>
+          </p:nvPicPr>
+          <p:blipFill>
+            <a:blip r:embed="rId4">
+              <a:extLst>
+                <a:ext uri="{96DAC541-7B7A-43D3-8B79-37D633B846F1}">
+                  <asvg:svgBlip xmlns:asvg="http://schemas.microsoft.com/office/drawing/2016/SVG/main" r:embed="rId5"/>
+                </a:ext>
+              </a:extLst>
+            </a:blip>
+            <a:stretch>
+              <a:fillRect/>
+            </a:stretch>
+          </p:blipFill>
+          <p:spPr>
+            <a:xfrm>
+              <a:off x="9023008" y="925979"/>
+              <a:ext cx="656279" cy="656279"/>
+            </a:xfrm>
+            <a:prstGeom prst="rect">
+              <a:avLst/>
+            </a:prstGeom>
+          </p:spPr>
+        </p:pic>
+        <p:pic>
+          <p:nvPicPr>
+            <p:cNvPr id="9" name="Graphic 8" descr="User with solid fill">
+              <a:extLst>
+                <a:ext uri="{FF2B5EF4-FFF2-40B4-BE49-F238E27FC236}">
+                  <a16:creationId xmlns:a16="http://schemas.microsoft.com/office/drawing/2014/main" id="{8E8CE656-5B97-B692-BB40-F34DFF305E78}"/>
+                </a:ext>
+              </a:extLst>
+            </p:cNvPr>
+            <p:cNvPicPr>
+              <a:picLocks noChangeAspect="1"/>
+            </p:cNvPicPr>
+            <p:nvPr/>
+          </p:nvPicPr>
+          <p:blipFill>
+            <a:blip r:embed="rId6">
+              <a:extLst>
+                <a:ext uri="{96DAC541-7B7A-43D3-8B79-37D633B846F1}">
+                  <asvg:svgBlip xmlns:asvg="http://schemas.microsoft.com/office/drawing/2016/SVG/main" r:embed="rId7"/>
+                </a:ext>
+              </a:extLst>
+            </a:blip>
+            <a:stretch>
+              <a:fillRect/>
+            </a:stretch>
+          </p:blipFill>
+          <p:spPr>
+            <a:xfrm>
+              <a:off x="9679287" y="2441137"/>
+              <a:ext cx="656279" cy="656279"/>
+            </a:xfrm>
+            <a:prstGeom prst="rect">
+              <a:avLst/>
+            </a:prstGeom>
+          </p:spPr>
+        </p:pic>
+        <p:pic>
+          <p:nvPicPr>
+            <p:cNvPr id="10" name="Graphic 9" descr="Dog outline">
+              <a:extLst>
+                <a:ext uri="{FF2B5EF4-FFF2-40B4-BE49-F238E27FC236}">
+                  <a16:creationId xmlns:a16="http://schemas.microsoft.com/office/drawing/2014/main" id="{BC8ADF23-6B20-6D3B-BE04-AC37E12118F3}"/>
+                </a:ext>
+              </a:extLst>
+            </p:cNvPr>
+            <p:cNvPicPr>
+              <a:picLocks noChangeAspect="1"/>
+            </p:cNvPicPr>
+            <p:nvPr/>
+          </p:nvPicPr>
+          <p:blipFill>
+            <a:blip r:embed="rId8">
+              <a:extLst>
+                <a:ext uri="{96DAC541-7B7A-43D3-8B79-37D633B846F1}">
+                  <asvg:svgBlip xmlns:asvg="http://schemas.microsoft.com/office/drawing/2016/SVG/main" r:embed="rId9"/>
+                </a:ext>
+              </a:extLst>
+            </a:blip>
+            <a:stretch>
+              <a:fillRect/>
+            </a:stretch>
+          </p:blipFill>
+          <p:spPr>
+            <a:xfrm>
+              <a:off x="9235772" y="4852989"/>
+              <a:ext cx="656279" cy="656279"/>
+            </a:xfrm>
+            <a:prstGeom prst="rect">
+              <a:avLst/>
+            </a:prstGeom>
+          </p:spPr>
+        </p:pic>
+        <p:pic>
+          <p:nvPicPr>
+            <p:cNvPr id="11" name="Graphic 10" descr="Horse outline">
+              <a:extLst>
+                <a:ext uri="{FF2B5EF4-FFF2-40B4-BE49-F238E27FC236}">
+                  <a16:creationId xmlns:a16="http://schemas.microsoft.com/office/drawing/2014/main" id="{52BD730A-D782-9FBF-DF7E-2584D61E709E}"/>
+                </a:ext>
+              </a:extLst>
+            </p:cNvPr>
+            <p:cNvPicPr>
+              <a:picLocks noChangeAspect="1"/>
+            </p:cNvPicPr>
+            <p:nvPr/>
+          </p:nvPicPr>
+          <p:blipFill>
+            <a:blip r:embed="rId10">
+              <a:extLst>
+                <a:ext uri="{96DAC541-7B7A-43D3-8B79-37D633B846F1}">
+                  <asvg:svgBlip xmlns:asvg="http://schemas.microsoft.com/office/drawing/2016/SVG/main" r:embed="rId11"/>
+                </a:ext>
+              </a:extLst>
+            </a:blip>
+            <a:stretch>
+              <a:fillRect/>
+            </a:stretch>
+          </p:blipFill>
+          <p:spPr>
+            <a:xfrm>
+              <a:off x="8907632" y="5994167"/>
+              <a:ext cx="656279" cy="656279"/>
+            </a:xfrm>
+            <a:prstGeom prst="rect">
+              <a:avLst/>
+            </a:prstGeom>
+          </p:spPr>
+        </p:pic>
+        <p:pic>
+          <p:nvPicPr>
+            <p:cNvPr id="12" name="Graphic 11" descr="Bats with solid fill">
+              <a:extLst>
+                <a:ext uri="{FF2B5EF4-FFF2-40B4-BE49-F238E27FC236}">
+                  <a16:creationId xmlns:a16="http://schemas.microsoft.com/office/drawing/2014/main" id="{33071706-DE5C-6761-BA9B-E52389E68980}"/>
+                </a:ext>
+              </a:extLst>
+            </p:cNvPr>
+            <p:cNvPicPr>
+              <a:picLocks noChangeAspect="1"/>
+            </p:cNvPicPr>
+            <p:nvPr/>
+          </p:nvPicPr>
+          <p:blipFill>
+            <a:blip r:embed="rId12">
+              <a:extLst>
+                <a:ext uri="{96DAC541-7B7A-43D3-8B79-37D633B846F1}">
+                  <asvg:svgBlip xmlns:asvg="http://schemas.microsoft.com/office/drawing/2016/SVG/main" r:embed="rId13"/>
+                </a:ext>
+              </a:extLst>
+            </a:blip>
+            <a:stretch>
+              <a:fillRect/>
+            </a:stretch>
+          </p:blipFill>
+          <p:spPr>
+            <a:xfrm>
+              <a:off x="11479044" y="3613660"/>
+              <a:ext cx="656279" cy="656279"/>
+            </a:xfrm>
+            <a:prstGeom prst="rect">
+              <a:avLst/>
+            </a:prstGeom>
+          </p:spPr>
+        </p:pic>
+        <p:pic>
+          <p:nvPicPr>
+            <p:cNvPr id="13" name="Graphic 12" descr="Pig outline">
+              <a:extLst>
+                <a:ext uri="{FF2B5EF4-FFF2-40B4-BE49-F238E27FC236}">
+                  <a16:creationId xmlns:a16="http://schemas.microsoft.com/office/drawing/2014/main" id="{217EDBEE-E5C2-7879-C4C4-1E26BF7E46C6}"/>
+                </a:ext>
+              </a:extLst>
+            </p:cNvPr>
+            <p:cNvPicPr>
+              <a:picLocks noChangeAspect="1"/>
+            </p:cNvPicPr>
+            <p:nvPr/>
+          </p:nvPicPr>
+          <p:blipFill>
+            <a:blip r:embed="rId14">
+              <a:extLst>
+                <a:ext uri="{96DAC541-7B7A-43D3-8B79-37D633B846F1}">
+                  <asvg:svgBlip xmlns:asvg="http://schemas.microsoft.com/office/drawing/2016/SVG/main" r:embed="rId15"/>
+                </a:ext>
+              </a:extLst>
+            </a:blip>
+            <a:stretch>
+              <a:fillRect/>
+            </a:stretch>
+          </p:blipFill>
+          <p:spPr>
+            <a:xfrm>
+              <a:off x="9563912" y="1824708"/>
+              <a:ext cx="656279" cy="656279"/>
+            </a:xfrm>
+            <a:prstGeom prst="rect">
+              <a:avLst/>
+            </a:prstGeom>
+          </p:spPr>
+        </p:pic>
+        <p:pic>
+          <p:nvPicPr>
+            <p:cNvPr id="14" name="Graphic 13" descr="Duck outline">
+              <a:extLst>
+                <a:ext uri="{FF2B5EF4-FFF2-40B4-BE49-F238E27FC236}">
+                  <a16:creationId xmlns:a16="http://schemas.microsoft.com/office/drawing/2014/main" id="{370FF6CE-A96B-8148-C68D-C01C6F05B87C}"/>
+                </a:ext>
+              </a:extLst>
+            </p:cNvPr>
+            <p:cNvPicPr>
+              <a:picLocks noChangeAspect="1"/>
+            </p:cNvPicPr>
+            <p:nvPr/>
+          </p:nvPicPr>
+          <p:blipFill>
+            <a:blip r:embed="rId4">
+              <a:extLst>
+                <a:ext uri="{96DAC541-7B7A-43D3-8B79-37D633B846F1}">
+                  <asvg:svgBlip xmlns:asvg="http://schemas.microsoft.com/office/drawing/2016/SVG/main" r:embed="rId5"/>
+                </a:ext>
+              </a:extLst>
+            </a:blip>
+            <a:stretch>
+              <a:fillRect/>
+            </a:stretch>
+          </p:blipFill>
+          <p:spPr>
+            <a:xfrm>
+              <a:off x="9563912" y="4160537"/>
+              <a:ext cx="656279" cy="656279"/>
+            </a:xfrm>
+            <a:prstGeom prst="rect">
+              <a:avLst/>
+            </a:prstGeom>
+          </p:spPr>
+        </p:pic>
+        <p:pic>
+          <p:nvPicPr>
+            <p:cNvPr id="15" name="Graphic 14" descr="Duck outline">
+              <a:extLst>
+                <a:ext uri="{FF2B5EF4-FFF2-40B4-BE49-F238E27FC236}">
+                  <a16:creationId xmlns:a16="http://schemas.microsoft.com/office/drawing/2014/main" id="{79F53D95-0042-DDC2-3A11-79A97E9158FD}"/>
+                </a:ext>
+              </a:extLst>
+            </p:cNvPr>
+            <p:cNvPicPr>
+              <a:picLocks noChangeAspect="1"/>
+            </p:cNvPicPr>
+            <p:nvPr/>
+          </p:nvPicPr>
+          <p:blipFill>
+            <a:blip r:embed="rId4">
+              <a:extLst>
+                <a:ext uri="{96DAC541-7B7A-43D3-8B79-37D633B846F1}">
+                  <asvg:svgBlip xmlns:asvg="http://schemas.microsoft.com/office/drawing/2016/SVG/main" r:embed="rId5"/>
+                </a:ext>
+              </a:extLst>
+            </a:blip>
+            <a:stretch>
+              <a:fillRect/>
+            </a:stretch>
+          </p:blipFill>
+          <p:spPr>
+            <a:xfrm>
+              <a:off x="10046092" y="6049722"/>
+              <a:ext cx="656279" cy="656279"/>
+            </a:xfrm>
+            <a:prstGeom prst="rect">
+              <a:avLst/>
+            </a:prstGeom>
+          </p:spPr>
+        </p:pic>
+        <p:pic>
+          <p:nvPicPr>
+            <p:cNvPr id="16" name="Graphic 15" descr="User with solid fill">
+              <a:extLst>
+                <a:ext uri="{FF2B5EF4-FFF2-40B4-BE49-F238E27FC236}">
+                  <a16:creationId xmlns:a16="http://schemas.microsoft.com/office/drawing/2014/main" id="{5E90CFE7-AA5F-AF82-7E68-7B2D517802ED}"/>
+                </a:ext>
+              </a:extLst>
+            </p:cNvPr>
+            <p:cNvPicPr>
+              <a:picLocks noChangeAspect="1"/>
+            </p:cNvPicPr>
+            <p:nvPr/>
+          </p:nvPicPr>
+          <p:blipFill>
+            <a:blip r:embed="rId6">
+              <a:extLst>
+                <a:ext uri="{96DAC541-7B7A-43D3-8B79-37D633B846F1}">
+                  <asvg:svgBlip xmlns:asvg="http://schemas.microsoft.com/office/drawing/2016/SVG/main" r:embed="rId7"/>
+                </a:ext>
+              </a:extLst>
+            </a:blip>
+            <a:stretch>
+              <a:fillRect/>
+            </a:stretch>
+          </p:blipFill>
+          <p:spPr>
+            <a:xfrm>
+              <a:off x="11378432" y="4524849"/>
+              <a:ext cx="656279" cy="656279"/>
+            </a:xfrm>
+            <a:prstGeom prst="rect">
+              <a:avLst/>
+            </a:prstGeom>
+          </p:spPr>
+        </p:pic>
+        <p:pic>
+          <p:nvPicPr>
+            <p:cNvPr id="17" name="Graphic 16" descr="Pig outline">
+              <a:extLst>
+                <a:ext uri="{FF2B5EF4-FFF2-40B4-BE49-F238E27FC236}">
+                  <a16:creationId xmlns:a16="http://schemas.microsoft.com/office/drawing/2014/main" id="{7C38C6A4-9C81-8BFE-0B3E-462EB9C91530}"/>
+                </a:ext>
+              </a:extLst>
+            </p:cNvPr>
+            <p:cNvPicPr>
+              <a:picLocks noChangeAspect="1"/>
+            </p:cNvPicPr>
+            <p:nvPr/>
+          </p:nvPicPr>
+          <p:blipFill>
+            <a:blip r:embed="rId14">
+              <a:extLst>
+                <a:ext uri="{96DAC541-7B7A-43D3-8B79-37D633B846F1}">
+                  <asvg:svgBlip xmlns:asvg="http://schemas.microsoft.com/office/drawing/2016/SVG/main" r:embed="rId15"/>
+                </a:ext>
+              </a:extLst>
+            </a:blip>
+            <a:stretch>
+              <a:fillRect/>
+            </a:stretch>
+          </p:blipFill>
+          <p:spPr>
+            <a:xfrm>
+              <a:off x="11429636" y="5133571"/>
+              <a:ext cx="656279" cy="656279"/>
+            </a:xfrm>
+            <a:prstGeom prst="rect">
+              <a:avLst/>
+            </a:prstGeom>
+          </p:spPr>
+        </p:pic>
+      </p:grpSp>
+    </p:spTree>
+    <p:extLst>
+      <p:ext uri="{BB962C8B-B14F-4D97-AF65-F5344CB8AC3E}">
+        <p14:creationId xmlns:p14="http://schemas.microsoft.com/office/powerpoint/2010/main" val="4066414384"/>
+      </p:ext>
+    </p:extLst>
+  </p:cSld>
+  <p:clrMapOvr>
+    <a:masterClrMapping/>
+  </p:clrMapOvr>
+  <p:timing>
+    <p:tnLst>
+      <p:par>
+        <p:cTn id="1" dur="indefinite" restart="never" nodeType="tmRoot">
+          <p:childTnLst>
+            <p:seq concurrent="1" nextAc="seek">
+              <p:cTn id="2" dur="indefinite" nodeType="mainSeq">
+                <p:childTnLst>
+                  <p:par>
+                    <p:cTn id="3" fill="hold">
+                      <p:stCondLst>
+                        <p:cond delay="indefinite"/>
+                      </p:stCondLst>
+                      <p:childTnLst>
+                        <p:par>
+                          <p:cTn id="4" fill="hold">
+                            <p:stCondLst>
+                              <p:cond delay="0"/>
+                            </p:stCondLst>
+                            <p:childTnLst>
+                              <p:par>
+                                <p:cTn id="5" presetID="1" presetClass="entr" presetSubtype="0" fill="hold" nodeType="clickEffect">
+                                  <p:stCondLst>
+                                    <p:cond delay="0"/>
+                                  </p:stCondLst>
+                                  <p:childTnLst>
+                                    <p:set>
+                                      <p:cBhvr>
+                                        <p:cTn id="6" dur="1" fill="hold">
+                                          <p:stCondLst>
+                                            <p:cond delay="0"/>
+                                          </p:stCondLst>
+                                        </p:cTn>
+                                        <p:tgtEl>
+                                          <p:spTgt spid="3"/>
+                                        </p:tgtEl>
+                                        <p:attrNameLst>
+                                          <p:attrName>style.visibility</p:attrName>
+                                        </p:attrNameLst>
+                                      </p:cBhvr>
+                                      <p:to>
+                                        <p:strVal val="visible"/>
+                                      </p:to>
+                                    </p:set>
+                                  </p:childTnLst>
+                                </p:cTn>
+                              </p:par>
+                            </p:childTnLst>
+                          </p:cTn>
+                        </p:par>
+                      </p:childTnLst>
+                    </p:cTn>
+                  </p:par>
+                </p:childTnLst>
+              </p:cTn>
+              <p:prevCondLst>
+                <p:cond evt="onPrev" delay="0">
+                  <p:tgtEl>
+                    <p:sldTgt/>
+                  </p:tgtEl>
+                </p:cond>
+              </p:prevCondLst>
+              <p:nextCondLst>
+                <p:cond evt="onNext" delay="0">
+                  <p:tgtEl>
+                    <p:sldTgt/>
+                  </p:tgtEl>
+                </p:cond>
+              </p:nextCondLst>
+            </p:seq>
+          </p:childTnLst>
+        </p:cTn>
+      </p:par>
+    </p:tnLst>
+  </p:timing>
+</p:sld>
+</file>
+
+<file path=ppt/slides/slide21.xml><?xml version="1.0" encoding="utf-8"?>
+<p:sld xmlns:a="http://schemas.openxmlformats.org/drawingml/2006/main" xmlns:r="http://schemas.openxmlformats.org/officeDocument/2006/relationships" xmlns:p="http://schemas.openxmlformats.org/presentationml/2006/main">
+  <p:cSld>
+    <p:spTree>
+      <p:nvGrpSpPr>
+        <p:cNvPr id="1" name=""/>
+        <p:cNvGrpSpPr/>
+        <p:nvPr/>
+      </p:nvGrpSpPr>
+      <p:grpSpPr>
+        <a:xfrm>
+          <a:off x="0" y="0"/>
+          <a:ext cx="0" cy="0"/>
+          <a:chOff x="0" y="0"/>
+          <a:chExt cx="0" cy="0"/>
+        </a:xfrm>
+      </p:grpSpPr>
+      <p:pic>
+        <p:nvPicPr>
+          <p:cNvPr id="5" name="Picture 4">
+            <a:extLst>
+              <a:ext uri="{FF2B5EF4-FFF2-40B4-BE49-F238E27FC236}">
+                <a16:creationId xmlns:a16="http://schemas.microsoft.com/office/drawing/2014/main" id="{7C4A12A4-377B-2E27-2FEA-4F479367F6F1}"/>
+              </a:ext>
+            </a:extLst>
+          </p:cNvPr>
+          <p:cNvPicPr>
+            <a:picLocks noChangeAspect="1"/>
+          </p:cNvPicPr>
+          <p:nvPr/>
+        </p:nvPicPr>
+        <p:blipFill>
+          <a:blip r:embed="rId2"/>
+          <a:srcRect l="45835" t="1111" b="2064"/>
+          <a:stretch/>
+        </p:blipFill>
+        <p:spPr>
+          <a:xfrm>
+            <a:off x="0" y="0"/>
+            <a:ext cx="5946349" cy="6640286"/>
+          </a:xfrm>
+          <a:prstGeom prst="rect">
+            <a:avLst/>
+          </a:prstGeom>
+        </p:spPr>
+      </p:pic>
+      <p:sp>
+        <p:nvSpPr>
+          <p:cNvPr id="6" name="TextBox 5">
+            <a:extLst>
+              <a:ext uri="{FF2B5EF4-FFF2-40B4-BE49-F238E27FC236}">
+                <a16:creationId xmlns:a16="http://schemas.microsoft.com/office/drawing/2014/main" id="{1FC89A52-AA04-3F53-EF46-5D34EDFF2547}"/>
+              </a:ext>
+            </a:extLst>
+          </p:cNvPr>
+          <p:cNvSpPr txBox="1"/>
+          <p:nvPr/>
+        </p:nvSpPr>
+        <p:spPr>
+          <a:xfrm>
+            <a:off x="1852098" y="2122715"/>
+            <a:ext cx="1121076" cy="646331"/>
+          </a:xfrm>
+          <a:prstGeom prst="rect">
+            <a:avLst/>
+          </a:prstGeom>
+          <a:noFill/>
+        </p:spPr>
+        <p:txBody>
+          <a:bodyPr wrap="none" rtlCol="0">
+            <a:spAutoFit/>
+          </a:bodyPr>
+          <a:lstStyle/>
+          <a:p>
+            <a:r>
+              <a:rPr lang="en-GB" dirty="0">
+                <a:solidFill>
+                  <a:srgbClr val="CC5152"/>
+                </a:solidFill>
+              </a:rPr>
+              <a:t>pre2009</a:t>
+            </a:r>
+          </a:p>
+          <a:p>
+            <a:r>
+              <a:rPr lang="en-GB" dirty="0">
+                <a:solidFill>
+                  <a:srgbClr val="52CCCC"/>
+                </a:solidFill>
+              </a:rPr>
+              <a:t>post2009</a:t>
+            </a:r>
+          </a:p>
+        </p:txBody>
+      </p:sp>
+    </p:spTree>
+    <p:extLst>
+      <p:ext uri="{BB962C8B-B14F-4D97-AF65-F5344CB8AC3E}">
+        <p14:creationId xmlns:p14="http://schemas.microsoft.com/office/powerpoint/2010/main" val="3458282577"/>
       </p:ext>
     </p:extLst>
   </p:cSld>
@@ -5752,37 +11449,8 @@
         </p:blipFill>
         <p:spPr>
           <a:xfrm>
-            <a:off x="-1676400" y="2002682"/>
-            <a:ext cx="7772400" cy="4855318"/>
-          </a:xfrm>
-          <a:prstGeom prst="rect">
-            <a:avLst/>
-          </a:prstGeom>
-        </p:spPr>
-      </p:pic>
-      <p:pic>
-        <p:nvPicPr>
-          <p:cNvPr id="7" name="Picture 6">
-            <a:extLst>
-              <a:ext uri="{FF2B5EF4-FFF2-40B4-BE49-F238E27FC236}">
-                <a16:creationId xmlns:a16="http://schemas.microsoft.com/office/drawing/2014/main" id="{1CBF2B92-857C-6059-744D-BD37FA5671F5}"/>
-              </a:ext>
-            </a:extLst>
-          </p:cNvPr>
-          <p:cNvPicPr>
-            <a:picLocks noChangeAspect="1"/>
-          </p:cNvPicPr>
-          <p:nvPr/>
-        </p:nvPicPr>
-        <p:blipFill>
-          <a:blip r:embed="rId3"/>
-          <a:srcRect l="13093"/>
-          <a:stretch/>
-        </p:blipFill>
-        <p:spPr>
-          <a:xfrm>
-            <a:off x="5869858" y="0"/>
-            <a:ext cx="6322142" cy="6858000"/>
+            <a:off x="0" y="0"/>
+            <a:ext cx="10838890" cy="6770915"/>
           </a:xfrm>
           <a:prstGeom prst="rect">
             <a:avLst/>
@@ -5803,7 +11471,7 @@
         </p:nvSpPr>
         <p:spPr>
           <a:xfrm>
-            <a:off x="324464" y="314608"/>
+            <a:off x="1353110" y="87085"/>
             <a:ext cx="4472699" cy="523220"/>
           </a:xfrm>
           <a:prstGeom prst="rect">
@@ -5820,6 +11488,501 @@
             <a:r>
               <a:rPr lang="en-GB" sz="2800" dirty="0"/>
               <a:t>Haemagglutinin – Subtypes </a:t>
+            </a:r>
+          </a:p>
+        </p:txBody>
+      </p:sp>
+      <p:sp>
+        <p:nvSpPr>
+          <p:cNvPr id="2" name="Oval 1">
+            <a:extLst>
+              <a:ext uri="{FF2B5EF4-FFF2-40B4-BE49-F238E27FC236}">
+                <a16:creationId xmlns:a16="http://schemas.microsoft.com/office/drawing/2014/main" id="{21E27C83-65F5-1C8E-3DB3-D0E0ACCED413}"/>
+              </a:ext>
+            </a:extLst>
+          </p:cNvPr>
+          <p:cNvSpPr/>
+          <p:nvPr/>
+        </p:nvSpPr>
+        <p:spPr>
+          <a:xfrm>
+            <a:off x="7131368" y="1487805"/>
+            <a:ext cx="304801" cy="304801"/>
+          </a:xfrm>
+          <a:prstGeom prst="ellipse">
+            <a:avLst/>
+          </a:prstGeom>
+          <a:solidFill>
+            <a:srgbClr val="7A52CC"/>
+          </a:solidFill>
+          <a:ln>
+            <a:noFill/>
+          </a:ln>
+        </p:spPr>
+        <p:style>
+          <a:lnRef idx="2">
+            <a:schemeClr val="accent1">
+              <a:shade val="15000"/>
+            </a:schemeClr>
+          </a:lnRef>
+          <a:fillRef idx="1">
+            <a:schemeClr val="accent1"/>
+          </a:fillRef>
+          <a:effectRef idx="0">
+            <a:schemeClr val="accent1"/>
+          </a:effectRef>
+          <a:fontRef idx="minor">
+            <a:schemeClr val="lt1"/>
+          </a:fontRef>
+        </p:style>
+        <p:txBody>
+          <a:bodyPr rtlCol="0" anchor="ctr"/>
+          <a:lstStyle/>
+          <a:p>
+            <a:pPr algn="ctr"/>
+            <a:r>
+              <a:rPr lang="en-GB" dirty="0"/>
+              <a:t>5</a:t>
+            </a:r>
+          </a:p>
+        </p:txBody>
+      </p:sp>
+      <p:sp>
+        <p:nvSpPr>
+          <p:cNvPr id="3" name="Oval 2">
+            <a:extLst>
+              <a:ext uri="{FF2B5EF4-FFF2-40B4-BE49-F238E27FC236}">
+                <a16:creationId xmlns:a16="http://schemas.microsoft.com/office/drawing/2014/main" id="{10CB1622-B3F0-F27A-BAE1-A44B9E2E1E36}"/>
+              </a:ext>
+            </a:extLst>
+          </p:cNvPr>
+          <p:cNvSpPr/>
+          <p:nvPr/>
+        </p:nvSpPr>
+        <p:spPr>
+          <a:xfrm>
+            <a:off x="8394400" y="6123347"/>
+            <a:ext cx="304800" cy="304800"/>
+          </a:xfrm>
+          <a:prstGeom prst="ellipse">
+            <a:avLst/>
+          </a:prstGeom>
+          <a:solidFill>
+            <a:srgbClr val="CC52CC"/>
+          </a:solidFill>
+          <a:ln>
+            <a:noFill/>
+          </a:ln>
+        </p:spPr>
+        <p:style>
+          <a:lnRef idx="2">
+            <a:schemeClr val="accent1">
+              <a:shade val="15000"/>
+            </a:schemeClr>
+          </a:lnRef>
+          <a:fillRef idx="1">
+            <a:schemeClr val="accent1"/>
+          </a:fillRef>
+          <a:effectRef idx="0">
+            <a:schemeClr val="accent1"/>
+          </a:effectRef>
+          <a:fontRef idx="minor">
+            <a:schemeClr val="lt1"/>
+          </a:fontRef>
+        </p:style>
+        <p:txBody>
+          <a:bodyPr rtlCol="0" anchor="ctr"/>
+          <a:lstStyle/>
+          <a:p>
+            <a:pPr algn="ctr"/>
+            <a:r>
+              <a:rPr lang="en-GB" dirty="0"/>
+              <a:t>7</a:t>
+            </a:r>
+          </a:p>
+        </p:txBody>
+      </p:sp>
+      <p:sp>
+        <p:nvSpPr>
+          <p:cNvPr id="4" name="Oval 3">
+            <a:extLst>
+              <a:ext uri="{FF2B5EF4-FFF2-40B4-BE49-F238E27FC236}">
+                <a16:creationId xmlns:a16="http://schemas.microsoft.com/office/drawing/2014/main" id="{BDAF787E-7EF5-9008-A5C7-AEE8911F8BFA}"/>
+              </a:ext>
+            </a:extLst>
+          </p:cNvPr>
+          <p:cNvSpPr/>
+          <p:nvPr/>
+        </p:nvSpPr>
+        <p:spPr>
+          <a:xfrm>
+            <a:off x="6730365" y="3378680"/>
+            <a:ext cx="304801" cy="304801"/>
+          </a:xfrm>
+          <a:prstGeom prst="ellipse">
+            <a:avLst/>
+          </a:prstGeom>
+          <a:solidFill>
+            <a:srgbClr val="CC5252"/>
+          </a:solidFill>
+          <a:ln>
+            <a:noFill/>
+          </a:ln>
+        </p:spPr>
+        <p:style>
+          <a:lnRef idx="2">
+            <a:schemeClr val="accent1">
+              <a:shade val="15000"/>
+            </a:schemeClr>
+          </a:lnRef>
+          <a:fillRef idx="1">
+            <a:schemeClr val="accent1"/>
+          </a:fillRef>
+          <a:effectRef idx="0">
+            <a:schemeClr val="accent1"/>
+          </a:effectRef>
+          <a:fontRef idx="minor">
+            <a:schemeClr val="lt1"/>
+          </a:fontRef>
+        </p:style>
+        <p:txBody>
+          <a:bodyPr rtlCol="0" anchor="ctr"/>
+          <a:lstStyle/>
+          <a:p>
+            <a:pPr algn="ctr"/>
+            <a:r>
+              <a:rPr lang="en-GB" dirty="0"/>
+              <a:t>1</a:t>
+            </a:r>
+          </a:p>
+        </p:txBody>
+      </p:sp>
+      <p:sp>
+        <p:nvSpPr>
+          <p:cNvPr id="6" name="Oval 5">
+            <a:extLst>
+              <a:ext uri="{FF2B5EF4-FFF2-40B4-BE49-F238E27FC236}">
+                <a16:creationId xmlns:a16="http://schemas.microsoft.com/office/drawing/2014/main" id="{45FA1371-6938-DF49-78F0-AEBA3F5BFDF0}"/>
+              </a:ext>
+            </a:extLst>
+          </p:cNvPr>
+          <p:cNvSpPr/>
+          <p:nvPr/>
+        </p:nvSpPr>
+        <p:spPr>
+          <a:xfrm>
+            <a:off x="7177034" y="5374085"/>
+            <a:ext cx="304800" cy="304800"/>
+          </a:xfrm>
+          <a:prstGeom prst="ellipse">
+            <a:avLst/>
+          </a:prstGeom>
+          <a:solidFill>
+            <a:srgbClr val="527ACC"/>
+          </a:solidFill>
+          <a:ln>
+            <a:noFill/>
+          </a:ln>
+        </p:spPr>
+        <p:style>
+          <a:lnRef idx="2">
+            <a:schemeClr val="accent1">
+              <a:shade val="15000"/>
+            </a:schemeClr>
+          </a:lnRef>
+          <a:fillRef idx="1">
+            <a:schemeClr val="accent1"/>
+          </a:fillRef>
+          <a:effectRef idx="0">
+            <a:schemeClr val="accent1"/>
+          </a:effectRef>
+          <a:fontRef idx="minor">
+            <a:schemeClr val="lt1"/>
+          </a:fontRef>
+        </p:style>
+        <p:txBody>
+          <a:bodyPr rtlCol="0" anchor="ctr"/>
+          <a:lstStyle/>
+          <a:p>
+            <a:pPr algn="ctr"/>
+            <a:r>
+              <a:rPr lang="en-GB" dirty="0"/>
+              <a:t>3</a:t>
+            </a:r>
+          </a:p>
+        </p:txBody>
+      </p:sp>
+      <p:sp>
+        <p:nvSpPr>
+          <p:cNvPr id="10" name="Oval 9">
+            <a:extLst>
+              <a:ext uri="{FF2B5EF4-FFF2-40B4-BE49-F238E27FC236}">
+                <a16:creationId xmlns:a16="http://schemas.microsoft.com/office/drawing/2014/main" id="{90FE0E4E-BF38-7B79-B181-A8071AD84E0F}"/>
+              </a:ext>
+            </a:extLst>
+          </p:cNvPr>
+          <p:cNvSpPr/>
+          <p:nvPr/>
+        </p:nvSpPr>
+        <p:spPr>
+          <a:xfrm>
+            <a:off x="5347609" y="3683481"/>
+            <a:ext cx="304800" cy="304800"/>
+          </a:xfrm>
+          <a:prstGeom prst="ellipse">
+            <a:avLst/>
+          </a:prstGeom>
+          <a:solidFill>
+            <a:srgbClr val="A352CC"/>
+          </a:solidFill>
+          <a:ln>
+            <a:noFill/>
+          </a:ln>
+        </p:spPr>
+        <p:style>
+          <a:lnRef idx="2">
+            <a:schemeClr val="accent1">
+              <a:shade val="15000"/>
+            </a:schemeClr>
+          </a:lnRef>
+          <a:fillRef idx="1">
+            <a:schemeClr val="accent1"/>
+          </a:fillRef>
+          <a:effectRef idx="0">
+            <a:schemeClr val="accent1"/>
+          </a:effectRef>
+          <a:fontRef idx="minor">
+            <a:schemeClr val="lt1"/>
+          </a:fontRef>
+        </p:style>
+        <p:txBody>
+          <a:bodyPr rtlCol="0" anchor="ctr"/>
+          <a:lstStyle/>
+          <a:p>
+            <a:pPr algn="ctr"/>
+            <a:r>
+              <a:rPr lang="en-GB" dirty="0"/>
+              <a:t>6</a:t>
+            </a:r>
+          </a:p>
+        </p:txBody>
+      </p:sp>
+      <p:sp>
+        <p:nvSpPr>
+          <p:cNvPr id="13" name="Oval 12">
+            <a:extLst>
+              <a:ext uri="{FF2B5EF4-FFF2-40B4-BE49-F238E27FC236}">
+                <a16:creationId xmlns:a16="http://schemas.microsoft.com/office/drawing/2014/main" id="{771DAA8C-DF6C-B875-1463-5BA8A9F3C1EF}"/>
+              </a:ext>
+            </a:extLst>
+          </p:cNvPr>
+          <p:cNvSpPr/>
+          <p:nvPr/>
+        </p:nvSpPr>
+        <p:spPr>
+          <a:xfrm>
+            <a:off x="7515468" y="4278130"/>
+            <a:ext cx="304801" cy="304801"/>
+          </a:xfrm>
+          <a:prstGeom prst="ellipse">
+            <a:avLst/>
+          </a:prstGeom>
+          <a:solidFill>
+            <a:srgbClr val="CC517A"/>
+          </a:solidFill>
+          <a:ln>
+            <a:noFill/>
+          </a:ln>
+        </p:spPr>
+        <p:style>
+          <a:lnRef idx="2">
+            <a:schemeClr val="accent1">
+              <a:shade val="15000"/>
+            </a:schemeClr>
+          </a:lnRef>
+          <a:fillRef idx="1">
+            <a:schemeClr val="accent1"/>
+          </a:fillRef>
+          <a:effectRef idx="0">
+            <a:schemeClr val="accent1"/>
+          </a:effectRef>
+          <a:fontRef idx="minor">
+            <a:schemeClr val="lt1"/>
+          </a:fontRef>
+        </p:style>
+        <p:txBody>
+          <a:bodyPr rtlCol="0" anchor="ctr"/>
+          <a:lstStyle/>
+          <a:p>
+            <a:pPr algn="ctr"/>
+            <a:r>
+              <a:rPr lang="en-GB" dirty="0"/>
+              <a:t>9</a:t>
+            </a:r>
+          </a:p>
+        </p:txBody>
+      </p:sp>
+      <p:sp>
+        <p:nvSpPr>
+          <p:cNvPr id="14" name="Oval 13">
+            <a:extLst>
+              <a:ext uri="{FF2B5EF4-FFF2-40B4-BE49-F238E27FC236}">
+                <a16:creationId xmlns:a16="http://schemas.microsoft.com/office/drawing/2014/main" id="{B9D047DA-018A-3D96-3959-793E58669345}"/>
+              </a:ext>
+            </a:extLst>
+          </p:cNvPr>
+          <p:cNvSpPr/>
+          <p:nvPr/>
+        </p:nvSpPr>
+        <p:spPr>
+          <a:xfrm>
+            <a:off x="9856803" y="5678885"/>
+            <a:ext cx="304800" cy="304800"/>
+          </a:xfrm>
+          <a:prstGeom prst="ellipse">
+            <a:avLst/>
+          </a:prstGeom>
+          <a:solidFill>
+            <a:srgbClr val="5252CC"/>
+          </a:solidFill>
+          <a:ln>
+            <a:noFill/>
+          </a:ln>
+        </p:spPr>
+        <p:style>
+          <a:lnRef idx="2">
+            <a:schemeClr val="accent1">
+              <a:shade val="15000"/>
+            </a:schemeClr>
+          </a:lnRef>
+          <a:fillRef idx="1">
+            <a:schemeClr val="accent1"/>
+          </a:fillRef>
+          <a:effectRef idx="0">
+            <a:schemeClr val="accent1"/>
+          </a:effectRef>
+          <a:fontRef idx="minor">
+            <a:schemeClr val="lt1"/>
+          </a:fontRef>
+        </p:style>
+        <p:txBody>
+          <a:bodyPr rtlCol="0" anchor="ctr"/>
+          <a:lstStyle/>
+          <a:p>
+            <a:pPr algn="ctr"/>
+            <a:r>
+              <a:rPr lang="en-GB" dirty="0"/>
+              <a:t>4</a:t>
+            </a:r>
+          </a:p>
+        </p:txBody>
+      </p:sp>
+      <p:sp>
+        <p:nvSpPr>
+          <p:cNvPr id="15" name="Rectangle 14">
+            <a:extLst>
+              <a:ext uri="{FF2B5EF4-FFF2-40B4-BE49-F238E27FC236}">
+                <a16:creationId xmlns:a16="http://schemas.microsoft.com/office/drawing/2014/main" id="{3D0678AE-E258-07D8-F014-61E06E5A6BB5}"/>
+              </a:ext>
+            </a:extLst>
+          </p:cNvPr>
+          <p:cNvSpPr/>
+          <p:nvPr/>
+        </p:nvSpPr>
+        <p:spPr>
+          <a:xfrm>
+            <a:off x="1353110" y="3988281"/>
+            <a:ext cx="1042849" cy="442249"/>
+          </a:xfrm>
+          <a:prstGeom prst="rect">
+            <a:avLst/>
+          </a:prstGeom>
+          <a:solidFill>
+            <a:schemeClr val="tx1">
+              <a:lumMod val="50000"/>
+              <a:lumOff val="50000"/>
+            </a:schemeClr>
+          </a:solidFill>
+        </p:spPr>
+        <p:style>
+          <a:lnRef idx="2">
+            <a:schemeClr val="accent1">
+              <a:shade val="15000"/>
+            </a:schemeClr>
+          </a:lnRef>
+          <a:fillRef idx="1">
+            <a:schemeClr val="accent1"/>
+          </a:fillRef>
+          <a:effectRef idx="0">
+            <a:schemeClr val="accent1"/>
+          </a:effectRef>
+          <a:fontRef idx="minor">
+            <a:schemeClr val="lt1"/>
+          </a:fontRef>
+        </p:style>
+        <p:txBody>
+          <a:bodyPr rtlCol="0" anchor="ctr"/>
+          <a:lstStyle/>
+          <a:p>
+            <a:pPr algn="ctr"/>
+            <a:r>
+              <a:rPr lang="en-GB" dirty="0"/>
+              <a:t>Group 1</a:t>
+            </a:r>
+          </a:p>
+        </p:txBody>
+      </p:sp>
+      <p:sp>
+        <p:nvSpPr>
+          <p:cNvPr id="16" name="Rectangle 15">
+            <a:extLst>
+              <a:ext uri="{FF2B5EF4-FFF2-40B4-BE49-F238E27FC236}">
+                <a16:creationId xmlns:a16="http://schemas.microsoft.com/office/drawing/2014/main" id="{DE4014B1-29D8-E5A9-4126-A2867C7A5BC6}"/>
+              </a:ext>
+            </a:extLst>
+          </p:cNvPr>
+          <p:cNvSpPr/>
+          <p:nvPr/>
+        </p:nvSpPr>
+        <p:spPr>
+          <a:xfrm>
+            <a:off x="1353109" y="5985898"/>
+            <a:ext cx="1042849" cy="442249"/>
+          </a:xfrm>
+          <a:prstGeom prst="rect">
+            <a:avLst/>
+          </a:prstGeom>
+          <a:solidFill>
+            <a:schemeClr val="tx1">
+              <a:lumMod val="50000"/>
+              <a:lumOff val="50000"/>
+            </a:schemeClr>
+          </a:solidFill>
+        </p:spPr>
+        <p:style>
+          <a:lnRef idx="2">
+            <a:schemeClr val="accent1">
+              <a:shade val="15000"/>
+            </a:schemeClr>
+          </a:lnRef>
+          <a:fillRef idx="1">
+            <a:schemeClr val="accent1"/>
+          </a:fillRef>
+          <a:effectRef idx="0">
+            <a:schemeClr val="accent1"/>
+          </a:effectRef>
+          <a:fontRef idx="minor">
+            <a:schemeClr val="lt1"/>
+          </a:fontRef>
+        </p:style>
+        <p:txBody>
+          <a:bodyPr rtlCol="0" anchor="ctr"/>
+          <a:lstStyle/>
+          <a:p>
+            <a:pPr algn="ctr"/>
+            <a:r>
+              <a:rPr lang="en-GB" dirty="0"/>
+              <a:t>Group 2</a:t>
             </a:r>
           </a:p>
         </p:txBody>
